--- a/figs/figs.pptx
+++ b/figs/figs.pptx
@@ -1,20 +1,20 @@
 
 <file path=ppt/presentation.xml><?xml version="1.0" encoding="utf-8"?>
-<p:presentation xmlns:a="http://schemas.openxmlformats.org/drawingml/2006/main" xmlns:r="http://schemas.openxmlformats.org/officeDocument/2006/relationships" xmlns:p="http://schemas.openxmlformats.org/presentationml/2006/main" saveSubsetFonts="1">
+<p:presentation xmlns:a="http://schemas.openxmlformats.org/drawingml/2006/main" xmlns:r="http://schemas.openxmlformats.org/officeDocument/2006/relationships" xmlns:p="http://schemas.openxmlformats.org/presentationml/2006/main">
   <p:sldMasterIdLst>
-    <p:sldMasterId id="2147483660" r:id="rId1"/>
+    <p:sldMasterId id="2147483648" r:id="rId1"/>
   </p:sldMasterIdLst>
   <p:notesMasterIdLst>
-    <p:notesMasterId r:id="rId9"/>
+    <p:notesMasterId r:id="rId4"/>
   </p:notesMasterIdLst>
   <p:sldIdLst>
-    <p:sldId id="256" r:id="rId2"/>
-    <p:sldId id="257" r:id="rId3"/>
-    <p:sldId id="258" r:id="rId4"/>
-    <p:sldId id="260" r:id="rId5"/>
-    <p:sldId id="261" r:id="rId6"/>
-    <p:sldId id="259" r:id="rId7"/>
-    <p:sldId id="262" r:id="rId8"/>
+    <p:sldId id="256" r:id="rId3"/>
+    <p:sldId id="257" r:id="rId5"/>
+    <p:sldId id="258" r:id="rId6"/>
+    <p:sldId id="260" r:id="rId7"/>
+    <p:sldId id="261" r:id="rId8"/>
+    <p:sldId id="259" r:id="rId9"/>
+    <p:sldId id="262" r:id="rId10"/>
   </p:sldIdLst>
   <p:sldSz cx="12192000" cy="7772400"/>
   <p:notesSz cx="6858000" cy="9144000"/>
@@ -113,11 +113,6 @@
       </a:defRPr>
     </a:lvl9pPr>
   </p:defaultTextStyle>
-  <p:extLst>
-    <p:ext uri="{EFAFB233-063F-42B5-8137-9DF3F51BA10A}">
-      <p15:sldGuideLst xmlns:p15="http://schemas.microsoft.com/office/powerpoint/2012/main"/>
-    </p:ext>
-  </p:extLst>
 </p:presentation>
 </file>
 
@@ -203,7 +198,6 @@
           <a:p>
             <a:fld id="{FD1537BA-E729-4AE9-9ECC-5A8502D13B1F}" type="datetimeFigureOut">
               <a:rPr lang="en-US" smtClean="0"/>
-              <a:t>9/8/2024</a:t>
             </a:fld>
             <a:endParaRPr lang="en-US"/>
           </a:p>
@@ -270,6 +264,7 @@
               <a:rPr lang="en-US"/>
               <a:t>Click to edit Master text styles</a:t>
             </a:r>
+            <a:endParaRPr lang="en-US"/>
           </a:p>
           <a:p>
             <a:pPr lvl="1"/>
@@ -277,6 +272,7 @@
               <a:rPr lang="en-US"/>
               <a:t>Second level</a:t>
             </a:r>
+            <a:endParaRPr lang="en-US"/>
           </a:p>
           <a:p>
             <a:pPr lvl="2"/>
@@ -284,6 +280,7 @@
               <a:rPr lang="en-US"/>
               <a:t>Third level</a:t>
             </a:r>
+            <a:endParaRPr lang="en-US"/>
           </a:p>
           <a:p>
             <a:pPr lvl="3"/>
@@ -291,6 +288,7 @@
               <a:rPr lang="en-US"/>
               <a:t>Fourth level</a:t>
             </a:r>
+            <a:endParaRPr lang="en-US"/>
           </a:p>
           <a:p>
             <a:pPr lvl="4"/>
@@ -298,6 +296,7 @@
               <a:rPr lang="en-US"/>
               <a:t>Fifth level</a:t>
             </a:r>
+            <a:endParaRPr lang="en-US"/>
           </a:p>
         </p:txBody>
       </p:sp>
@@ -361,18 +360,12 @@
           <a:p>
             <a:fld id="{1D629F67-2BA3-45C0-9B50-EECF9F6FD040}" type="slidenum">
               <a:rPr lang="en-US" smtClean="0"/>
-              <a:t>‹#›</a:t>
             </a:fld>
             <a:endParaRPr lang="en-US"/>
           </a:p>
         </p:txBody>
       </p:sp>
     </p:spTree>
-    <p:extLst>
-      <p:ext uri="{BB962C8B-B14F-4D97-AF65-F5344CB8AC3E}">
-        <p14:creationId xmlns:p14="http://schemas.microsoft.com/office/powerpoint/2010/main" val="727344271"/>
-      </p:ext>
-    </p:extLst>
   </p:cSld>
   <p:clrMap bg1="lt1" tx1="dk1" bg2="lt2" tx2="dk2" accent1="accent1" accent2="accent2" accent3="accent3" accent4="accent4" accent5="accent5" accent6="accent6" hlink="hlink" folHlink="folHlink"/>
   <p:notesStyle>
@@ -479,74 +472,34 @@
         <p:cNvGrpSpPr/>
         <p:nvPr/>
       </p:nvGrpSpPr>
-      <p:grpSpPr>
-        <a:xfrm>
-          <a:off x="0" y="0"/>
-          <a:ext cx="0" cy="0"/>
-          <a:chOff x="0" y="0"/>
-          <a:chExt cx="0" cy="0"/>
-        </a:xfrm>
-      </p:grpSpPr>
+      <p:grpSpPr/>
       <p:sp>
         <p:nvSpPr>
           <p:cNvPr id="2" name="Slide Image Placeholder 1"/>
-          <p:cNvSpPr>
-            <a:spLocks noGrp="1" noRot="1" noChangeAspect="1"/>
-          </p:cNvSpPr>
+          <p:cNvSpPr/>
           <p:nvPr>
-            <p:ph type="sldImg"/>
+            <p:ph type="sldImg" idx="2"/>
           </p:nvPr>
         </p:nvSpPr>
         <p:spPr/>
       </p:sp>
       <p:sp>
         <p:nvSpPr>
-          <p:cNvPr id="3" name="Notes Placeholder 2"/>
-          <p:cNvSpPr>
-            <a:spLocks noGrp="1"/>
-          </p:cNvSpPr>
+          <p:cNvPr id="3" name="Text Placeholder 2"/>
+          <p:cNvSpPr/>
           <p:nvPr>
-            <p:ph type="body" idx="1"/>
+            <p:ph type="body" idx="3"/>
           </p:nvPr>
         </p:nvSpPr>
         <p:spPr/>
         <p:txBody>
           <a:bodyPr/>
-          <a:lstStyle/>
           <a:p>
-            <a:endParaRPr lang="en-US" dirty="0"/>
-          </a:p>
-        </p:txBody>
-      </p:sp>
-      <p:sp>
-        <p:nvSpPr>
-          <p:cNvPr id="4" name="Slide Number Placeholder 3"/>
-          <p:cNvSpPr>
-            <a:spLocks noGrp="1"/>
-          </p:cNvSpPr>
-          <p:nvPr>
-            <p:ph type="sldNum" sz="quarter" idx="5"/>
-          </p:nvPr>
-        </p:nvSpPr>
-        <p:spPr/>
-        <p:txBody>
-          <a:bodyPr/>
-          <a:lstStyle/>
-          <a:p>
-            <a:fld id="{1D629F67-2BA3-45C0-9B50-EECF9F6FD040}" type="slidenum">
-              <a:rPr lang="en-US" smtClean="0"/>
-              <a:t>4</a:t>
-            </a:fld>
             <a:endParaRPr lang="en-US"/>
           </a:p>
         </p:txBody>
       </p:sp>
     </p:spTree>
-    <p:extLst>
-      <p:ext uri="{BB962C8B-B14F-4D97-AF65-F5344CB8AC3E}">
-        <p14:creationId xmlns:p14="http://schemas.microsoft.com/office/powerpoint/2010/main" val="713530479"/>
-      </p:ext>
-    </p:extLst>
   </p:cSld>
   <p:clrMapOvr>
     <a:masterClrMapping/>
@@ -619,18 +572,12 @@
           <a:p>
             <a:fld id="{1D629F67-2BA3-45C0-9B50-EECF9F6FD040}" type="slidenum">
               <a:rPr lang="en-US" smtClean="0"/>
-              <a:t>5</a:t>
             </a:fld>
             <a:endParaRPr lang="en-US"/>
           </a:p>
         </p:txBody>
       </p:sp>
     </p:spTree>
-    <p:extLst>
-      <p:ext uri="{BB962C8B-B14F-4D97-AF65-F5344CB8AC3E}">
-        <p14:creationId xmlns:p14="http://schemas.microsoft.com/office/powerpoint/2010/main" val="1145185208"/>
-      </p:ext>
-    </p:extLst>
   </p:cSld>
   <p:clrMapOvr>
     <a:masterClrMapping/>
@@ -703,18 +650,90 @@
           <a:p>
             <a:fld id="{1D629F67-2BA3-45C0-9B50-EECF9F6FD040}" type="slidenum">
               <a:rPr lang="en-US" smtClean="0"/>
-              <a:t>6</a:t>
             </a:fld>
             <a:endParaRPr lang="en-US"/>
           </a:p>
         </p:txBody>
       </p:sp>
     </p:spTree>
-    <p:extLst>
-      <p:ext uri="{BB962C8B-B14F-4D97-AF65-F5344CB8AC3E}">
-        <p14:creationId xmlns:p14="http://schemas.microsoft.com/office/powerpoint/2010/main" val="3538165197"/>
-      </p:ext>
-    </p:extLst>
+  </p:cSld>
+  <p:clrMapOvr>
+    <a:masterClrMapping/>
+  </p:clrMapOvr>
+</p:notes>
+</file>
+
+<file path=ppt/notesSlides/notesSlide4.xml><?xml version="1.0" encoding="utf-8"?>
+<p:notes xmlns:a="http://schemas.openxmlformats.org/drawingml/2006/main" xmlns:r="http://schemas.openxmlformats.org/officeDocument/2006/relationships" xmlns:p="http://schemas.openxmlformats.org/presentationml/2006/main">
+  <p:cSld>
+    <p:spTree>
+      <p:nvGrpSpPr>
+        <p:cNvPr id="1" name=""/>
+        <p:cNvGrpSpPr/>
+        <p:nvPr/>
+      </p:nvGrpSpPr>
+      <p:grpSpPr>
+        <a:xfrm>
+          <a:off x="0" y="0"/>
+          <a:ext cx="0" cy="0"/>
+          <a:chOff x="0" y="0"/>
+          <a:chExt cx="0" cy="0"/>
+        </a:xfrm>
+      </p:grpSpPr>
+      <p:sp>
+        <p:nvSpPr>
+          <p:cNvPr id="2" name="Slide Image Placeholder 1"/>
+          <p:cNvSpPr>
+            <a:spLocks noGrp="1" noRot="1" noChangeAspect="1"/>
+          </p:cNvSpPr>
+          <p:nvPr>
+            <p:ph type="sldImg"/>
+          </p:nvPr>
+        </p:nvSpPr>
+        <p:spPr/>
+      </p:sp>
+      <p:sp>
+        <p:nvSpPr>
+          <p:cNvPr id="3" name="Notes Placeholder 2"/>
+          <p:cNvSpPr>
+            <a:spLocks noGrp="1"/>
+          </p:cNvSpPr>
+          <p:nvPr>
+            <p:ph type="body" idx="1"/>
+          </p:nvPr>
+        </p:nvSpPr>
+        <p:spPr/>
+        <p:txBody>
+          <a:bodyPr/>
+          <a:lstStyle/>
+          <a:p>
+            <a:endParaRPr lang="en-US" dirty="0"/>
+          </a:p>
+        </p:txBody>
+      </p:sp>
+      <p:sp>
+        <p:nvSpPr>
+          <p:cNvPr id="4" name="Slide Number Placeholder 3"/>
+          <p:cNvSpPr>
+            <a:spLocks noGrp="1"/>
+          </p:cNvSpPr>
+          <p:nvPr>
+            <p:ph type="sldNum" sz="quarter" idx="5"/>
+          </p:nvPr>
+        </p:nvSpPr>
+        <p:spPr/>
+        <p:txBody>
+          <a:bodyPr/>
+          <a:lstStyle/>
+          <a:p>
+            <a:fld id="{1D629F67-2BA3-45C0-9B50-EECF9F6FD040}" type="slidenum">
+              <a:rPr lang="en-US" smtClean="0"/>
+            </a:fld>
+            <a:endParaRPr lang="en-US"/>
+          </a:p>
+        </p:txBody>
+      </p:sp>
+    </p:spTree>
   </p:cSld>
   <p:clrMapOvr>
     <a:masterClrMapping/>
@@ -853,7 +872,6 @@
           <a:p>
             <a:fld id="{E5F171B9-6D5B-426D-81F1-F99A5101BCCC}" type="datetimeFigureOut">
               <a:rPr lang="en-US" smtClean="0"/>
-              <a:t>9/8/2024</a:t>
             </a:fld>
             <a:endParaRPr lang="en-US"/>
           </a:p>
@@ -895,18 +913,12 @@
           <a:p>
             <a:fld id="{E6E2DA97-FC1F-4CC9-BDF9-6A6C268E2F4A}" type="slidenum">
               <a:rPr lang="en-US" smtClean="0"/>
-              <a:t>‹#›</a:t>
             </a:fld>
             <a:endParaRPr lang="en-US"/>
           </a:p>
         </p:txBody>
       </p:sp>
     </p:spTree>
-    <p:extLst>
-      <p:ext uri="{BB962C8B-B14F-4D97-AF65-F5344CB8AC3E}">
-        <p14:creationId xmlns:p14="http://schemas.microsoft.com/office/powerpoint/2010/main" val="3722467725"/>
-      </p:ext>
-    </p:extLst>
   </p:cSld>
   <p:clrMapOvr>
     <a:masterClrMapping/>
@@ -974,6 +986,7 @@
               <a:rPr lang="en-US"/>
               <a:t>Click to edit Master text styles</a:t>
             </a:r>
+            <a:endParaRPr lang="en-US"/>
           </a:p>
           <a:p>
             <a:pPr lvl="1"/>
@@ -981,6 +994,7 @@
               <a:rPr lang="en-US"/>
               <a:t>Second level</a:t>
             </a:r>
+            <a:endParaRPr lang="en-US"/>
           </a:p>
           <a:p>
             <a:pPr lvl="2"/>
@@ -988,6 +1002,7 @@
               <a:rPr lang="en-US"/>
               <a:t>Third level</a:t>
             </a:r>
+            <a:endParaRPr lang="en-US"/>
           </a:p>
           <a:p>
             <a:pPr lvl="3"/>
@@ -995,6 +1010,7 @@
               <a:rPr lang="en-US"/>
               <a:t>Fourth level</a:t>
             </a:r>
+            <a:endParaRPr lang="en-US"/>
           </a:p>
           <a:p>
             <a:pPr lvl="4"/>
@@ -1023,7 +1039,6 @@
           <a:p>
             <a:fld id="{E5F171B9-6D5B-426D-81F1-F99A5101BCCC}" type="datetimeFigureOut">
               <a:rPr lang="en-US" smtClean="0"/>
-              <a:t>9/8/2024</a:t>
             </a:fld>
             <a:endParaRPr lang="en-US"/>
           </a:p>
@@ -1065,18 +1080,12 @@
           <a:p>
             <a:fld id="{E6E2DA97-FC1F-4CC9-BDF9-6A6C268E2F4A}" type="slidenum">
               <a:rPr lang="en-US" smtClean="0"/>
-              <a:t>‹#›</a:t>
             </a:fld>
             <a:endParaRPr lang="en-US"/>
           </a:p>
         </p:txBody>
       </p:sp>
     </p:spTree>
-    <p:extLst>
-      <p:ext uri="{BB962C8B-B14F-4D97-AF65-F5344CB8AC3E}">
-        <p14:creationId xmlns:p14="http://schemas.microsoft.com/office/powerpoint/2010/main" val="2132892790"/>
-      </p:ext>
-    </p:extLst>
   </p:cSld>
   <p:clrMapOvr>
     <a:masterClrMapping/>
@@ -1154,6 +1163,7 @@
               <a:rPr lang="en-US"/>
               <a:t>Click to edit Master text styles</a:t>
             </a:r>
+            <a:endParaRPr lang="en-US"/>
           </a:p>
           <a:p>
             <a:pPr lvl="1"/>
@@ -1161,6 +1171,7 @@
               <a:rPr lang="en-US"/>
               <a:t>Second level</a:t>
             </a:r>
+            <a:endParaRPr lang="en-US"/>
           </a:p>
           <a:p>
             <a:pPr lvl="2"/>
@@ -1168,6 +1179,7 @@
               <a:rPr lang="en-US"/>
               <a:t>Third level</a:t>
             </a:r>
+            <a:endParaRPr lang="en-US"/>
           </a:p>
           <a:p>
             <a:pPr lvl="3"/>
@@ -1175,6 +1187,7 @@
               <a:rPr lang="en-US"/>
               <a:t>Fourth level</a:t>
             </a:r>
+            <a:endParaRPr lang="en-US"/>
           </a:p>
           <a:p>
             <a:pPr lvl="4"/>
@@ -1203,7 +1216,6 @@
           <a:p>
             <a:fld id="{E5F171B9-6D5B-426D-81F1-F99A5101BCCC}" type="datetimeFigureOut">
               <a:rPr lang="en-US" smtClean="0"/>
-              <a:t>9/8/2024</a:t>
             </a:fld>
             <a:endParaRPr lang="en-US"/>
           </a:p>
@@ -1245,18 +1257,12 @@
           <a:p>
             <a:fld id="{E6E2DA97-FC1F-4CC9-BDF9-6A6C268E2F4A}" type="slidenum">
               <a:rPr lang="en-US" smtClean="0"/>
-              <a:t>‹#›</a:t>
             </a:fld>
             <a:endParaRPr lang="en-US"/>
           </a:p>
         </p:txBody>
       </p:sp>
     </p:spTree>
-    <p:extLst>
-      <p:ext uri="{BB962C8B-B14F-4D97-AF65-F5344CB8AC3E}">
-        <p14:creationId xmlns:p14="http://schemas.microsoft.com/office/powerpoint/2010/main" val="1909960029"/>
-      </p:ext>
-    </p:extLst>
   </p:cSld>
   <p:clrMapOvr>
     <a:masterClrMapping/>
@@ -1324,6 +1330,7 @@
               <a:rPr lang="en-US"/>
               <a:t>Click to edit Master text styles</a:t>
             </a:r>
+            <a:endParaRPr lang="en-US"/>
           </a:p>
           <a:p>
             <a:pPr lvl="1"/>
@@ -1331,6 +1338,7 @@
               <a:rPr lang="en-US"/>
               <a:t>Second level</a:t>
             </a:r>
+            <a:endParaRPr lang="en-US"/>
           </a:p>
           <a:p>
             <a:pPr lvl="2"/>
@@ -1338,6 +1346,7 @@
               <a:rPr lang="en-US"/>
               <a:t>Third level</a:t>
             </a:r>
+            <a:endParaRPr lang="en-US"/>
           </a:p>
           <a:p>
             <a:pPr lvl="3"/>
@@ -1345,6 +1354,7 @@
               <a:rPr lang="en-US"/>
               <a:t>Fourth level</a:t>
             </a:r>
+            <a:endParaRPr lang="en-US"/>
           </a:p>
           <a:p>
             <a:pPr lvl="4"/>
@@ -1373,7 +1383,6 @@
           <a:p>
             <a:fld id="{E5F171B9-6D5B-426D-81F1-F99A5101BCCC}" type="datetimeFigureOut">
               <a:rPr lang="en-US" smtClean="0"/>
-              <a:t>9/8/2024</a:t>
             </a:fld>
             <a:endParaRPr lang="en-US"/>
           </a:p>
@@ -1415,18 +1424,12 @@
           <a:p>
             <a:fld id="{E6E2DA97-FC1F-4CC9-BDF9-6A6C268E2F4A}" type="slidenum">
               <a:rPr lang="en-US" smtClean="0"/>
-              <a:t>‹#›</a:t>
             </a:fld>
             <a:endParaRPr lang="en-US"/>
           </a:p>
         </p:txBody>
       </p:sp>
     </p:spTree>
-    <p:extLst>
-      <p:ext uri="{BB962C8B-B14F-4D97-AF65-F5344CB8AC3E}">
-        <p14:creationId xmlns:p14="http://schemas.microsoft.com/office/powerpoint/2010/main" val="637061782"/>
-      </p:ext>
-    </p:extLst>
   </p:cSld>
   <p:clrMapOvr>
     <a:masterClrMapping/>
@@ -1599,6 +1602,7 @@
               <a:rPr lang="en-US"/>
               <a:t>Click to edit Master text styles</a:t>
             </a:r>
+            <a:endParaRPr lang="en-US"/>
           </a:p>
         </p:txBody>
       </p:sp>
@@ -1619,7 +1623,6 @@
           <a:p>
             <a:fld id="{E5F171B9-6D5B-426D-81F1-F99A5101BCCC}" type="datetimeFigureOut">
               <a:rPr lang="en-US" smtClean="0"/>
-              <a:t>9/8/2024</a:t>
             </a:fld>
             <a:endParaRPr lang="en-US"/>
           </a:p>
@@ -1661,18 +1664,12 @@
           <a:p>
             <a:fld id="{E6E2DA97-FC1F-4CC9-BDF9-6A6C268E2F4A}" type="slidenum">
               <a:rPr lang="en-US" smtClean="0"/>
-              <a:t>‹#›</a:t>
             </a:fld>
             <a:endParaRPr lang="en-US"/>
           </a:p>
         </p:txBody>
       </p:sp>
     </p:spTree>
-    <p:extLst>
-      <p:ext uri="{BB962C8B-B14F-4D97-AF65-F5344CB8AC3E}">
-        <p14:creationId xmlns:p14="http://schemas.microsoft.com/office/powerpoint/2010/main" val="633520338"/>
-      </p:ext>
-    </p:extLst>
   </p:cSld>
   <p:clrMapOvr>
     <a:masterClrMapping/>
@@ -1745,6 +1742,7 @@
               <a:rPr lang="en-US"/>
               <a:t>Click to edit Master text styles</a:t>
             </a:r>
+            <a:endParaRPr lang="en-US"/>
           </a:p>
           <a:p>
             <a:pPr lvl="1"/>
@@ -1752,6 +1750,7 @@
               <a:rPr lang="en-US"/>
               <a:t>Second level</a:t>
             </a:r>
+            <a:endParaRPr lang="en-US"/>
           </a:p>
           <a:p>
             <a:pPr lvl="2"/>
@@ -1759,6 +1758,7 @@
               <a:rPr lang="en-US"/>
               <a:t>Third level</a:t>
             </a:r>
+            <a:endParaRPr lang="en-US"/>
           </a:p>
           <a:p>
             <a:pPr lvl="3"/>
@@ -1766,6 +1766,7 @@
               <a:rPr lang="en-US"/>
               <a:t>Fourth level</a:t>
             </a:r>
+            <a:endParaRPr lang="en-US"/>
           </a:p>
           <a:p>
             <a:pPr lvl="4"/>
@@ -1802,6 +1803,7 @@
               <a:rPr lang="en-US"/>
               <a:t>Click to edit Master text styles</a:t>
             </a:r>
+            <a:endParaRPr lang="en-US"/>
           </a:p>
           <a:p>
             <a:pPr lvl="1"/>
@@ -1809,6 +1811,7 @@
               <a:rPr lang="en-US"/>
               <a:t>Second level</a:t>
             </a:r>
+            <a:endParaRPr lang="en-US"/>
           </a:p>
           <a:p>
             <a:pPr lvl="2"/>
@@ -1816,6 +1819,7 @@
               <a:rPr lang="en-US"/>
               <a:t>Third level</a:t>
             </a:r>
+            <a:endParaRPr lang="en-US"/>
           </a:p>
           <a:p>
             <a:pPr lvl="3"/>
@@ -1823,6 +1827,7 @@
               <a:rPr lang="en-US"/>
               <a:t>Fourth level</a:t>
             </a:r>
+            <a:endParaRPr lang="en-US"/>
           </a:p>
           <a:p>
             <a:pPr lvl="4"/>
@@ -1851,7 +1856,6 @@
           <a:p>
             <a:fld id="{E5F171B9-6D5B-426D-81F1-F99A5101BCCC}" type="datetimeFigureOut">
               <a:rPr lang="en-US" smtClean="0"/>
-              <a:t>9/8/2024</a:t>
             </a:fld>
             <a:endParaRPr lang="en-US"/>
           </a:p>
@@ -1893,18 +1897,12 @@
           <a:p>
             <a:fld id="{E6E2DA97-FC1F-4CC9-BDF9-6A6C268E2F4A}" type="slidenum">
               <a:rPr lang="en-US" smtClean="0"/>
-              <a:t>‹#›</a:t>
             </a:fld>
             <a:endParaRPr lang="en-US"/>
           </a:p>
         </p:txBody>
       </p:sp>
     </p:spTree>
-    <p:extLst>
-      <p:ext uri="{BB962C8B-B14F-4D97-AF65-F5344CB8AC3E}">
-        <p14:creationId xmlns:p14="http://schemas.microsoft.com/office/powerpoint/2010/main" val="1226723672"/>
-      </p:ext>
-    </p:extLst>
   </p:cSld>
   <p:clrMapOvr>
     <a:masterClrMapping/>
@@ -2019,6 +2017,7 @@
               <a:rPr lang="en-US"/>
               <a:t>Click to edit Master text styles</a:t>
             </a:r>
+            <a:endParaRPr lang="en-US"/>
           </a:p>
         </p:txBody>
       </p:sp>
@@ -2047,6 +2046,7 @@
               <a:rPr lang="en-US"/>
               <a:t>Click to edit Master text styles</a:t>
             </a:r>
+            <a:endParaRPr lang="en-US"/>
           </a:p>
           <a:p>
             <a:pPr lvl="1"/>
@@ -2054,6 +2054,7 @@
               <a:rPr lang="en-US"/>
               <a:t>Second level</a:t>
             </a:r>
+            <a:endParaRPr lang="en-US"/>
           </a:p>
           <a:p>
             <a:pPr lvl="2"/>
@@ -2061,6 +2062,7 @@
               <a:rPr lang="en-US"/>
               <a:t>Third level</a:t>
             </a:r>
+            <a:endParaRPr lang="en-US"/>
           </a:p>
           <a:p>
             <a:pPr lvl="3"/>
@@ -2068,6 +2070,7 @@
               <a:rPr lang="en-US"/>
               <a:t>Fourth level</a:t>
             </a:r>
+            <a:endParaRPr lang="en-US"/>
           </a:p>
           <a:p>
             <a:pPr lvl="4"/>
@@ -2141,6 +2144,7 @@
               <a:rPr lang="en-US"/>
               <a:t>Click to edit Master text styles</a:t>
             </a:r>
+            <a:endParaRPr lang="en-US"/>
           </a:p>
         </p:txBody>
       </p:sp>
@@ -2169,6 +2173,7 @@
               <a:rPr lang="en-US"/>
               <a:t>Click to edit Master text styles</a:t>
             </a:r>
+            <a:endParaRPr lang="en-US"/>
           </a:p>
           <a:p>
             <a:pPr lvl="1"/>
@@ -2176,6 +2181,7 @@
               <a:rPr lang="en-US"/>
               <a:t>Second level</a:t>
             </a:r>
+            <a:endParaRPr lang="en-US"/>
           </a:p>
           <a:p>
             <a:pPr lvl="2"/>
@@ -2183,6 +2189,7 @@
               <a:rPr lang="en-US"/>
               <a:t>Third level</a:t>
             </a:r>
+            <a:endParaRPr lang="en-US"/>
           </a:p>
           <a:p>
             <a:pPr lvl="3"/>
@@ -2190,6 +2197,7 @@
               <a:rPr lang="en-US"/>
               <a:t>Fourth level</a:t>
             </a:r>
+            <a:endParaRPr lang="en-US"/>
           </a:p>
           <a:p>
             <a:pPr lvl="4"/>
@@ -2218,7 +2226,6 @@
           <a:p>
             <a:fld id="{E5F171B9-6D5B-426D-81F1-F99A5101BCCC}" type="datetimeFigureOut">
               <a:rPr lang="en-US" smtClean="0"/>
-              <a:t>9/8/2024</a:t>
             </a:fld>
             <a:endParaRPr lang="en-US"/>
           </a:p>
@@ -2260,18 +2267,12 @@
           <a:p>
             <a:fld id="{E6E2DA97-FC1F-4CC9-BDF9-6A6C268E2F4A}" type="slidenum">
               <a:rPr lang="en-US" smtClean="0"/>
-              <a:t>‹#›</a:t>
             </a:fld>
             <a:endParaRPr lang="en-US"/>
           </a:p>
         </p:txBody>
       </p:sp>
     </p:spTree>
-    <p:extLst>
-      <p:ext uri="{BB962C8B-B14F-4D97-AF65-F5344CB8AC3E}">
-        <p14:creationId xmlns:p14="http://schemas.microsoft.com/office/powerpoint/2010/main" val="2427313862"/>
-      </p:ext>
-    </p:extLst>
   </p:cSld>
   <p:clrMapOvr>
     <a:masterClrMapping/>
@@ -2336,7 +2337,6 @@
           <a:p>
             <a:fld id="{E5F171B9-6D5B-426D-81F1-F99A5101BCCC}" type="datetimeFigureOut">
               <a:rPr lang="en-US" smtClean="0"/>
-              <a:t>9/8/2024</a:t>
             </a:fld>
             <a:endParaRPr lang="en-US"/>
           </a:p>
@@ -2378,18 +2378,12 @@
           <a:p>
             <a:fld id="{E6E2DA97-FC1F-4CC9-BDF9-6A6C268E2F4A}" type="slidenum">
               <a:rPr lang="en-US" smtClean="0"/>
-              <a:t>‹#›</a:t>
             </a:fld>
             <a:endParaRPr lang="en-US"/>
           </a:p>
         </p:txBody>
       </p:sp>
     </p:spTree>
-    <p:extLst>
-      <p:ext uri="{BB962C8B-B14F-4D97-AF65-F5344CB8AC3E}">
-        <p14:creationId xmlns:p14="http://schemas.microsoft.com/office/powerpoint/2010/main" val="465292401"/>
-      </p:ext>
-    </p:extLst>
   </p:cSld>
   <p:clrMapOvr>
     <a:masterClrMapping/>
@@ -2431,7 +2425,6 @@
           <a:p>
             <a:fld id="{E5F171B9-6D5B-426D-81F1-F99A5101BCCC}" type="datetimeFigureOut">
               <a:rPr lang="en-US" smtClean="0"/>
-              <a:t>9/8/2024</a:t>
             </a:fld>
             <a:endParaRPr lang="en-US"/>
           </a:p>
@@ -2473,18 +2466,12 @@
           <a:p>
             <a:fld id="{E6E2DA97-FC1F-4CC9-BDF9-6A6C268E2F4A}" type="slidenum">
               <a:rPr lang="en-US" smtClean="0"/>
-              <a:t>‹#›</a:t>
             </a:fld>
             <a:endParaRPr lang="en-US"/>
           </a:p>
         </p:txBody>
       </p:sp>
     </p:spTree>
-    <p:extLst>
-      <p:ext uri="{BB962C8B-B14F-4D97-AF65-F5344CB8AC3E}">
-        <p14:creationId xmlns:p14="http://schemas.microsoft.com/office/powerpoint/2010/main" val="415725416"/>
-      </p:ext>
-    </p:extLst>
   </p:cSld>
   <p:clrMapOvr>
     <a:masterClrMapping/>
@@ -2594,6 +2581,7 @@
               <a:rPr lang="en-US"/>
               <a:t>Click to edit Master text styles</a:t>
             </a:r>
+            <a:endParaRPr lang="en-US"/>
           </a:p>
           <a:p>
             <a:pPr lvl="1"/>
@@ -2601,6 +2589,7 @@
               <a:rPr lang="en-US"/>
               <a:t>Second level</a:t>
             </a:r>
+            <a:endParaRPr lang="en-US"/>
           </a:p>
           <a:p>
             <a:pPr lvl="2"/>
@@ -2608,6 +2597,7 @@
               <a:rPr lang="en-US"/>
               <a:t>Third level</a:t>
             </a:r>
+            <a:endParaRPr lang="en-US"/>
           </a:p>
           <a:p>
             <a:pPr lvl="3"/>
@@ -2615,6 +2605,7 @@
               <a:rPr lang="en-US"/>
               <a:t>Fourth level</a:t>
             </a:r>
+            <a:endParaRPr lang="en-US"/>
           </a:p>
           <a:p>
             <a:pPr lvl="4"/>
@@ -2688,6 +2679,7 @@
               <a:rPr lang="en-US"/>
               <a:t>Click to edit Master text styles</a:t>
             </a:r>
+            <a:endParaRPr lang="en-US"/>
           </a:p>
         </p:txBody>
       </p:sp>
@@ -2708,7 +2700,6 @@
           <a:p>
             <a:fld id="{E5F171B9-6D5B-426D-81F1-F99A5101BCCC}" type="datetimeFigureOut">
               <a:rPr lang="en-US" smtClean="0"/>
-              <a:t>9/8/2024</a:t>
             </a:fld>
             <a:endParaRPr lang="en-US"/>
           </a:p>
@@ -2750,18 +2741,12 @@
           <a:p>
             <a:fld id="{E6E2DA97-FC1F-4CC9-BDF9-6A6C268E2F4A}" type="slidenum">
               <a:rPr lang="en-US" smtClean="0"/>
-              <a:t>‹#›</a:t>
             </a:fld>
             <a:endParaRPr lang="en-US"/>
           </a:p>
         </p:txBody>
       </p:sp>
     </p:spTree>
-    <p:extLst>
-      <p:ext uri="{BB962C8B-B14F-4D97-AF65-F5344CB8AC3E}">
-        <p14:creationId xmlns:p14="http://schemas.microsoft.com/office/powerpoint/2010/main" val="1833028049"/>
-      </p:ext>
-    </p:extLst>
   </p:cSld>
   <p:clrMapOvr>
     <a:masterClrMapping/>
@@ -2945,6 +2930,7 @@
               <a:rPr lang="en-US"/>
               <a:t>Click to edit Master text styles</a:t>
             </a:r>
+            <a:endParaRPr lang="en-US"/>
           </a:p>
         </p:txBody>
       </p:sp>
@@ -2965,7 +2951,6 @@
           <a:p>
             <a:fld id="{E5F171B9-6D5B-426D-81F1-F99A5101BCCC}" type="datetimeFigureOut">
               <a:rPr lang="en-US" smtClean="0"/>
-              <a:t>9/8/2024</a:t>
             </a:fld>
             <a:endParaRPr lang="en-US"/>
           </a:p>
@@ -3007,18 +2992,12 @@
           <a:p>
             <a:fld id="{E6E2DA97-FC1F-4CC9-BDF9-6A6C268E2F4A}" type="slidenum">
               <a:rPr lang="en-US" smtClean="0"/>
-              <a:t>‹#›</a:t>
             </a:fld>
             <a:endParaRPr lang="en-US"/>
           </a:p>
         </p:txBody>
       </p:sp>
     </p:spTree>
-    <p:extLst>
-      <p:ext uri="{BB962C8B-B14F-4D97-AF65-F5344CB8AC3E}">
-        <p14:creationId xmlns:p14="http://schemas.microsoft.com/office/powerpoint/2010/main" val="510170819"/>
-      </p:ext>
-    </p:extLst>
   </p:cSld>
   <p:clrMapOvr>
     <a:masterClrMapping/>
@@ -3111,6 +3090,7 @@
               <a:rPr lang="en-US"/>
               <a:t>Click to edit Master text styles</a:t>
             </a:r>
+            <a:endParaRPr lang="en-US"/>
           </a:p>
           <a:p>
             <a:pPr lvl="1"/>
@@ -3118,6 +3098,7 @@
               <a:rPr lang="en-US"/>
               <a:t>Second level</a:t>
             </a:r>
+            <a:endParaRPr lang="en-US"/>
           </a:p>
           <a:p>
             <a:pPr lvl="2"/>
@@ -3125,6 +3106,7 @@
               <a:rPr lang="en-US"/>
               <a:t>Third level</a:t>
             </a:r>
+            <a:endParaRPr lang="en-US"/>
           </a:p>
           <a:p>
             <a:pPr lvl="3"/>
@@ -3132,6 +3114,7 @@
               <a:rPr lang="en-US"/>
               <a:t>Fourth level</a:t>
             </a:r>
+            <a:endParaRPr lang="en-US"/>
           </a:p>
           <a:p>
             <a:pPr lvl="4"/>
@@ -3178,7 +3161,6 @@
           <a:p>
             <a:fld id="{E5F171B9-6D5B-426D-81F1-F99A5101BCCC}" type="datetimeFigureOut">
               <a:rPr lang="en-US" smtClean="0"/>
-              <a:t>9/8/2024</a:t>
             </a:fld>
             <a:endParaRPr lang="en-US"/>
           </a:p>
@@ -3256,32 +3238,26 @@
           <a:p>
             <a:fld id="{E6E2DA97-FC1F-4CC9-BDF9-6A6C268E2F4A}" type="slidenum">
               <a:rPr lang="en-US" smtClean="0"/>
-              <a:t>‹#›</a:t>
             </a:fld>
             <a:endParaRPr lang="en-US"/>
           </a:p>
         </p:txBody>
       </p:sp>
     </p:spTree>
-    <p:extLst>
-      <p:ext uri="{BB962C8B-B14F-4D97-AF65-F5344CB8AC3E}">
-        <p14:creationId xmlns:p14="http://schemas.microsoft.com/office/powerpoint/2010/main" val="3192218540"/>
-      </p:ext>
-    </p:extLst>
   </p:cSld>
   <p:clrMap bg1="lt1" tx1="dk1" bg2="lt2" tx2="dk2" accent1="accent1" accent2="accent2" accent3="accent3" accent4="accent4" accent5="accent5" accent6="accent6" hlink="hlink" folHlink="folHlink"/>
   <p:sldLayoutIdLst>
-    <p:sldLayoutId id="2147483661" r:id="rId1"/>
-    <p:sldLayoutId id="2147483662" r:id="rId2"/>
-    <p:sldLayoutId id="2147483663" r:id="rId3"/>
-    <p:sldLayoutId id="2147483664" r:id="rId4"/>
-    <p:sldLayoutId id="2147483665" r:id="rId5"/>
-    <p:sldLayoutId id="2147483666" r:id="rId6"/>
-    <p:sldLayoutId id="2147483667" r:id="rId7"/>
-    <p:sldLayoutId id="2147483668" r:id="rId8"/>
-    <p:sldLayoutId id="2147483669" r:id="rId9"/>
-    <p:sldLayoutId id="2147483670" r:id="rId10"/>
-    <p:sldLayoutId id="2147483671" r:id="rId11"/>
+    <p:sldLayoutId id="2147483649" r:id="rId1"/>
+    <p:sldLayoutId id="2147483650" r:id="rId2"/>
+    <p:sldLayoutId id="2147483651" r:id="rId3"/>
+    <p:sldLayoutId id="2147483652" r:id="rId4"/>
+    <p:sldLayoutId id="2147483653" r:id="rId5"/>
+    <p:sldLayoutId id="2147483654" r:id="rId6"/>
+    <p:sldLayoutId id="2147483655" r:id="rId7"/>
+    <p:sldLayoutId id="2147483656" r:id="rId8"/>
+    <p:sldLayoutId id="2147483657" r:id="rId9"/>
+    <p:sldLayoutId id="2147483658" r:id="rId10"/>
+    <p:sldLayoutId id="2147483659" r:id="rId11"/>
   </p:sldLayoutIdLst>
   <p:txStyles>
     <p:titleStyle>
@@ -3311,7 +3287,7 @@
         <a:spcBef>
           <a:spcPts val="1000"/>
         </a:spcBef>
-        <a:buFont typeface="Arial" panose="020B0604020202020204" pitchFamily="34" charset="0"/>
+        <a:buFont typeface="Arial" panose="02080604020202020204" pitchFamily="34" charset="0"/>
         <a:buChar char="•"/>
         <a:defRPr sz="2800" kern="1200">
           <a:solidFill>
@@ -3329,7 +3305,7 @@
         <a:spcBef>
           <a:spcPts val="500"/>
         </a:spcBef>
-        <a:buFont typeface="Arial" panose="020B0604020202020204" pitchFamily="34" charset="0"/>
+        <a:buFont typeface="Arial" panose="02080604020202020204" pitchFamily="34" charset="0"/>
         <a:buChar char="•"/>
         <a:defRPr sz="2400" kern="1200">
           <a:solidFill>
@@ -3347,7 +3323,7 @@
         <a:spcBef>
           <a:spcPts val="500"/>
         </a:spcBef>
-        <a:buFont typeface="Arial" panose="020B0604020202020204" pitchFamily="34" charset="0"/>
+        <a:buFont typeface="Arial" panose="02080604020202020204" pitchFamily="34" charset="0"/>
         <a:buChar char="•"/>
         <a:defRPr sz="2000" kern="1200">
           <a:solidFill>
@@ -3365,7 +3341,7 @@
         <a:spcBef>
           <a:spcPts val="500"/>
         </a:spcBef>
-        <a:buFont typeface="Arial" panose="020B0604020202020204" pitchFamily="34" charset="0"/>
+        <a:buFont typeface="Arial" panose="02080604020202020204" pitchFamily="34" charset="0"/>
         <a:buChar char="•"/>
         <a:defRPr sz="1800" kern="1200">
           <a:solidFill>
@@ -3383,7 +3359,7 @@
         <a:spcBef>
           <a:spcPts val="500"/>
         </a:spcBef>
-        <a:buFont typeface="Arial" panose="020B0604020202020204" pitchFamily="34" charset="0"/>
+        <a:buFont typeface="Arial" panose="02080604020202020204" pitchFamily="34" charset="0"/>
         <a:buChar char="•"/>
         <a:defRPr sz="1800" kern="1200">
           <a:solidFill>
@@ -3401,7 +3377,7 @@
         <a:spcBef>
           <a:spcPts val="500"/>
         </a:spcBef>
-        <a:buFont typeface="Arial" panose="020B0604020202020204" pitchFamily="34" charset="0"/>
+        <a:buFont typeface="Arial" panose="02080604020202020204" pitchFamily="34" charset="0"/>
         <a:buChar char="•"/>
         <a:defRPr sz="1800" kern="1200">
           <a:solidFill>
@@ -3419,7 +3395,7 @@
         <a:spcBef>
           <a:spcPts val="500"/>
         </a:spcBef>
-        <a:buFont typeface="Arial" panose="020B0604020202020204" pitchFamily="34" charset="0"/>
+        <a:buFont typeface="Arial" panose="02080604020202020204" pitchFamily="34" charset="0"/>
         <a:buChar char="•"/>
         <a:defRPr sz="1800" kern="1200">
           <a:solidFill>
@@ -3437,7 +3413,7 @@
         <a:spcBef>
           <a:spcPts val="500"/>
         </a:spcBef>
-        <a:buFont typeface="Arial" panose="020B0604020202020204" pitchFamily="34" charset="0"/>
+        <a:buFont typeface="Arial" panose="02080604020202020204" pitchFamily="34" charset="0"/>
         <a:buChar char="•"/>
         <a:defRPr sz="1800" kern="1200">
           <a:solidFill>
@@ -3455,7 +3431,7 @@
         <a:spcBef>
           <a:spcPts val="500"/>
         </a:spcBef>
-        <a:buFont typeface="Arial" panose="020B0604020202020204" pitchFamily="34" charset="0"/>
+        <a:buFont typeface="Arial" panose="02080604020202020204" pitchFamily="34" charset="0"/>
         <a:buChar char="•"/>
         <a:defRPr sz="1800" kern="1200">
           <a:solidFill>
@@ -3585,33 +3561,52 @@
       </p:grpSpPr>
       <p:grpSp>
         <p:nvGrpSpPr>
-          <p:cNvPr id="10" name="Group 9">
-            <a:extLst>
-              <a:ext uri="{FF2B5EF4-FFF2-40B4-BE49-F238E27FC236}">
-                <a16:creationId xmlns:a16="http://schemas.microsoft.com/office/drawing/2014/main" id="{AF9AEFA7-9A3A-87F6-8A84-BFFDBC1F485E}"/>
-              </a:ext>
-            </a:extLst>
-          </p:cNvPr>
+          <p:cNvPr id="34" name="Group 33"/>
           <p:cNvGrpSpPr/>
           <p:nvPr/>
         </p:nvGrpSpPr>
         <p:grpSpPr>
           <a:xfrm>
-            <a:off x="4065546" y="535589"/>
-            <a:ext cx="2960204" cy="6203136"/>
-            <a:chOff x="4065546" y="38921"/>
-            <a:chExt cx="2960204" cy="6203136"/>
+            <a:off x="7391390" y="589963"/>
+            <a:ext cx="2857218" cy="6168497"/>
+            <a:chOff x="7391390" y="132762"/>
+            <a:chExt cx="2857218" cy="6168497"/>
           </a:xfrm>
         </p:grpSpPr>
         <p:pic>
           <p:nvPicPr>
-            <p:cNvPr id="5" name="Picture 4">
+            <p:cNvPr id="2" name="Picture 1"/>
+            <p:cNvPicPr>
+              <a:picLocks noChangeAspect="1"/>
+            </p:cNvPicPr>
+            <p:nvPr/>
+          </p:nvPicPr>
+          <p:blipFill>
+            <a:blip r:embed="rId1">
               <a:extLst>
-                <a:ext uri="{FF2B5EF4-FFF2-40B4-BE49-F238E27FC236}">
-                  <a16:creationId xmlns:a16="http://schemas.microsoft.com/office/drawing/2014/main" id="{0467C074-56DC-4974-E5EE-F3C349CE643C}"/>
+                <a:ext uri="{28A0092B-C50C-407E-A947-70E740481C1C}">
+                  <a14:useLocalDpi xmlns:a14="http://schemas.microsoft.com/office/drawing/2010/main" val="0"/>
                 </a:ext>
               </a:extLst>
-            </p:cNvPr>
+            </a:blip>
+            <a:srcRect/>
+            <a:stretch>
+              <a:fillRect/>
+            </a:stretch>
+          </p:blipFill>
+          <p:spPr>
+            <a:xfrm>
+              <a:off x="7421166" y="132762"/>
+              <a:ext cx="2827441" cy="2827441"/>
+            </a:xfrm>
+            <a:prstGeom prst="rect">
+              <a:avLst/>
+            </a:prstGeom>
+          </p:spPr>
+        </p:pic>
+        <p:pic>
+          <p:nvPicPr>
+            <p:cNvPr id="3" name="Picture 2"/>
             <p:cNvPicPr>
               <a:picLocks noChangeAspect="1"/>
             </p:cNvPicPr>
@@ -3626,209 +3621,9 @@
               </a:extLst>
             </a:blip>
             <a:srcRect/>
-            <a:stretch/>
-          </p:blipFill>
-          <p:spPr>
-            <a:xfrm>
-              <a:off x="4065546" y="38921"/>
-              <a:ext cx="2960204" cy="2882362"/>
-            </a:xfrm>
-            <a:prstGeom prst="rect">
-              <a:avLst/>
-            </a:prstGeom>
-          </p:spPr>
-        </p:pic>
-        <p:pic>
-          <p:nvPicPr>
-            <p:cNvPr id="7" name="Picture 6">
-              <a:extLst>
-                <a:ext uri="{FF2B5EF4-FFF2-40B4-BE49-F238E27FC236}">
-                  <a16:creationId xmlns:a16="http://schemas.microsoft.com/office/drawing/2014/main" id="{CD88A61F-A96E-9D3A-53B1-A54F574A2CEA}"/>
-                </a:ext>
-              </a:extLst>
-            </p:cNvPr>
-            <p:cNvPicPr>
-              <a:picLocks noChangeAspect="1"/>
-            </p:cNvPicPr>
-            <p:nvPr/>
-          </p:nvPicPr>
-          <p:blipFill>
-            <a:blip r:embed="rId3">
-              <a:extLst>
-                <a:ext uri="{28A0092B-C50C-407E-A947-70E740481C1C}">
-                  <a14:useLocalDpi xmlns:a14="http://schemas.microsoft.com/office/drawing/2010/main" val="0"/>
-                </a:ext>
-              </a:extLst>
-            </a:blip>
-            <a:srcRect/>
-            <a:stretch/>
-          </p:blipFill>
-          <p:spPr>
-            <a:xfrm>
-              <a:off x="4065546" y="3173323"/>
-              <a:ext cx="2953626" cy="2843168"/>
-            </a:xfrm>
-            <a:prstGeom prst="rect">
-              <a:avLst/>
-            </a:prstGeom>
-          </p:spPr>
-        </p:pic>
-        <p:sp>
-          <p:nvSpPr>
-            <p:cNvPr id="8" name="TextBox 7">
-              <a:extLst>
-                <a:ext uri="{FF2B5EF4-FFF2-40B4-BE49-F238E27FC236}">
-                  <a16:creationId xmlns:a16="http://schemas.microsoft.com/office/drawing/2014/main" id="{45A36E2E-BA36-E590-22E5-9B821A353F89}"/>
-                </a:ext>
-              </a:extLst>
-            </p:cNvPr>
-            <p:cNvSpPr txBox="1"/>
-            <p:nvPr/>
-          </p:nvSpPr>
-          <p:spPr>
-            <a:xfrm>
-              <a:off x="5542359" y="2900650"/>
-              <a:ext cx="356188" cy="261610"/>
-            </a:xfrm>
-            <a:prstGeom prst="rect">
-              <a:avLst/>
-            </a:prstGeom>
-            <a:noFill/>
-          </p:spPr>
-          <p:txBody>
-            <a:bodyPr wrap="none" rtlCol="0">
-              <a:spAutoFit/>
-            </a:bodyPr>
-            <a:lstStyle/>
-            <a:p>
-              <a:r>
-                <a:rPr lang="en-US" sz="1100" dirty="0">
-                  <a:latin typeface="Arial" panose="020B0604020202020204" pitchFamily="34" charset="0"/>
-                  <a:cs typeface="Arial" panose="020B0604020202020204" pitchFamily="34" charset="0"/>
-                </a:rPr>
-                <a:t>(a)</a:t>
-              </a:r>
-            </a:p>
-          </p:txBody>
-        </p:sp>
-        <p:sp>
-          <p:nvSpPr>
-            <p:cNvPr id="9" name="TextBox 8">
-              <a:extLst>
-                <a:ext uri="{FF2B5EF4-FFF2-40B4-BE49-F238E27FC236}">
-                  <a16:creationId xmlns:a16="http://schemas.microsoft.com/office/drawing/2014/main" id="{BF6172E1-8E0C-42D8-8A9F-C6FCD72B234B}"/>
-                </a:ext>
-              </a:extLst>
-            </p:cNvPr>
-            <p:cNvSpPr txBox="1"/>
-            <p:nvPr/>
-          </p:nvSpPr>
-          <p:spPr>
-            <a:xfrm>
-              <a:off x="5542359" y="5980447"/>
-              <a:ext cx="356188" cy="261610"/>
-            </a:xfrm>
-            <a:prstGeom prst="rect">
-              <a:avLst/>
-            </a:prstGeom>
-            <a:noFill/>
-          </p:spPr>
-          <p:txBody>
-            <a:bodyPr wrap="none" rtlCol="0">
-              <a:spAutoFit/>
-            </a:bodyPr>
-            <a:lstStyle/>
-            <a:p>
-              <a:r>
-                <a:rPr lang="en-US" sz="1100" dirty="0">
-                  <a:latin typeface="Arial" panose="020B0604020202020204" pitchFamily="34" charset="0"/>
-                  <a:cs typeface="Arial" panose="020B0604020202020204" pitchFamily="34" charset="0"/>
-                </a:rPr>
-                <a:t>(b)</a:t>
-              </a:r>
-            </a:p>
-          </p:txBody>
-        </p:sp>
-      </p:grpSp>
-      <p:grpSp>
-        <p:nvGrpSpPr>
-          <p:cNvPr id="34" name="Group 33">
-            <a:extLst>
-              <a:ext uri="{FF2B5EF4-FFF2-40B4-BE49-F238E27FC236}">
-                <a16:creationId xmlns:a16="http://schemas.microsoft.com/office/drawing/2014/main" id="{10C99410-98D4-98EB-5507-93896D65E54F}"/>
-              </a:ext>
-            </a:extLst>
-          </p:cNvPr>
-          <p:cNvGrpSpPr/>
-          <p:nvPr/>
-        </p:nvGrpSpPr>
-        <p:grpSpPr>
-          <a:xfrm>
-            <a:off x="7391390" y="589963"/>
-            <a:ext cx="2857218" cy="6168497"/>
-            <a:chOff x="7391390" y="132762"/>
-            <a:chExt cx="2857218" cy="6168497"/>
-          </a:xfrm>
-        </p:grpSpPr>
-        <p:pic>
-          <p:nvPicPr>
-            <p:cNvPr id="2" name="Picture 1">
-              <a:extLst>
-                <a:ext uri="{FF2B5EF4-FFF2-40B4-BE49-F238E27FC236}">
-                  <a16:creationId xmlns:a16="http://schemas.microsoft.com/office/drawing/2014/main" id="{8BEF1EAA-55EA-BBDA-8A68-E2EF7CAD0B37}"/>
-                </a:ext>
-              </a:extLst>
-            </p:cNvPr>
-            <p:cNvPicPr>
-              <a:picLocks noChangeAspect="1"/>
-            </p:cNvPicPr>
-            <p:nvPr/>
-          </p:nvPicPr>
-          <p:blipFill>
-            <a:blip r:embed="rId4">
-              <a:extLst>
-                <a:ext uri="{28A0092B-C50C-407E-A947-70E740481C1C}">
-                  <a14:useLocalDpi xmlns:a14="http://schemas.microsoft.com/office/drawing/2010/main" val="0"/>
-                </a:ext>
-              </a:extLst>
-            </a:blip>
-            <a:srcRect/>
-            <a:stretch/>
-          </p:blipFill>
-          <p:spPr>
-            <a:xfrm>
-              <a:off x="7421166" y="132762"/>
-              <a:ext cx="2827441" cy="2827441"/>
-            </a:xfrm>
-            <a:prstGeom prst="rect">
-              <a:avLst/>
-            </a:prstGeom>
-          </p:spPr>
-        </p:pic>
-        <p:pic>
-          <p:nvPicPr>
-            <p:cNvPr id="3" name="Picture 2">
-              <a:extLst>
-                <a:ext uri="{FF2B5EF4-FFF2-40B4-BE49-F238E27FC236}">
-                  <a16:creationId xmlns:a16="http://schemas.microsoft.com/office/drawing/2014/main" id="{E8CDF325-CB6F-2E8C-49A2-40312D983844}"/>
-                </a:ext>
-              </a:extLst>
-            </p:cNvPr>
-            <p:cNvPicPr>
-              <a:picLocks noChangeAspect="1"/>
-            </p:cNvPicPr>
-            <p:nvPr/>
-          </p:nvPicPr>
-          <p:blipFill>
-            <a:blip r:embed="rId5">
-              <a:extLst>
-                <a:ext uri="{28A0092B-C50C-407E-A947-70E740481C1C}">
-                  <a14:useLocalDpi xmlns:a14="http://schemas.microsoft.com/office/drawing/2010/main" val="0"/>
-                </a:ext>
-              </a:extLst>
-            </a:blip>
-            <a:srcRect/>
-            <a:stretch/>
+            <a:stretch>
+              <a:fillRect/>
+            </a:stretch>
           </p:blipFill>
           <p:spPr>
             <a:xfrm>
@@ -3842,13 +3637,7 @@
         </p:pic>
         <p:sp>
           <p:nvSpPr>
-            <p:cNvPr id="4" name="TextBox 3">
-              <a:extLst>
-                <a:ext uri="{FF2B5EF4-FFF2-40B4-BE49-F238E27FC236}">
-                  <a16:creationId xmlns:a16="http://schemas.microsoft.com/office/drawing/2014/main" id="{2F404942-5C03-09D3-491E-D726583892FD}"/>
-                </a:ext>
-              </a:extLst>
-            </p:cNvPr>
+            <p:cNvPr id="4" name="TextBox 3"/>
             <p:cNvSpPr txBox="1"/>
             <p:nvPr/>
           </p:nvSpPr>
@@ -3870,23 +3659,21 @@
             <a:p>
               <a:r>
                 <a:rPr lang="en-US" sz="1100" dirty="0">
-                  <a:latin typeface="Arial" panose="020B0604020202020204" pitchFamily="34" charset="0"/>
-                  <a:cs typeface="Arial" panose="020B0604020202020204" pitchFamily="34" charset="0"/>
+                  <a:latin typeface="Arial" panose="02080604020202020204" pitchFamily="34" charset="0"/>
+                  <a:cs typeface="Arial" panose="02080604020202020204" pitchFamily="34" charset="0"/>
                 </a:rPr>
                 <a:t>(a)</a:t>
               </a:r>
+              <a:endParaRPr lang="en-US" sz="1100" dirty="0">
+                <a:latin typeface="Arial" panose="02080604020202020204" pitchFamily="34" charset="0"/>
+                <a:cs typeface="Arial" panose="02080604020202020204" pitchFamily="34" charset="0"/>
+              </a:endParaRPr>
             </a:p>
           </p:txBody>
         </p:sp>
         <p:sp>
           <p:nvSpPr>
-            <p:cNvPr id="6" name="TextBox 5">
-              <a:extLst>
-                <a:ext uri="{FF2B5EF4-FFF2-40B4-BE49-F238E27FC236}">
-                  <a16:creationId xmlns:a16="http://schemas.microsoft.com/office/drawing/2014/main" id="{AE50BBDF-3611-75D3-D6EF-0C8FA854ED30}"/>
-                </a:ext>
-              </a:extLst>
-            </p:cNvPr>
+            <p:cNvPr id="6" name="TextBox 5"/>
             <p:cNvSpPr txBox="1"/>
             <p:nvPr/>
           </p:nvSpPr>
@@ -3908,23 +3695,21 @@
             <a:p>
               <a:r>
                 <a:rPr lang="en-US" sz="1100" dirty="0">
-                  <a:latin typeface="Arial" panose="020B0604020202020204" pitchFamily="34" charset="0"/>
-                  <a:cs typeface="Arial" panose="020B0604020202020204" pitchFamily="34" charset="0"/>
+                  <a:latin typeface="Arial" panose="02080604020202020204" pitchFamily="34" charset="0"/>
+                  <a:cs typeface="Arial" panose="02080604020202020204" pitchFamily="34" charset="0"/>
                 </a:rPr>
                 <a:t>(b)</a:t>
               </a:r>
+              <a:endParaRPr lang="en-US" sz="1100" dirty="0">
+                <a:latin typeface="Arial" panose="02080604020202020204" pitchFamily="34" charset="0"/>
+                <a:cs typeface="Arial" panose="02080604020202020204" pitchFamily="34" charset="0"/>
+              </a:endParaRPr>
             </a:p>
           </p:txBody>
         </p:sp>
         <p:sp>
           <p:nvSpPr>
-            <p:cNvPr id="11" name="Rectangle 10">
-              <a:extLst>
-                <a:ext uri="{FF2B5EF4-FFF2-40B4-BE49-F238E27FC236}">
-                  <a16:creationId xmlns:a16="http://schemas.microsoft.com/office/drawing/2014/main" id="{A5C0C6DC-C2DF-256E-85CF-363612628341}"/>
-                </a:ext>
-              </a:extLst>
-            </p:cNvPr>
+            <p:cNvPr id="11" name="Rectangle 10"/>
             <p:cNvSpPr/>
             <p:nvPr/>
           </p:nvSpPr>
@@ -3967,21 +3752,15 @@
             <a:p>
               <a:pPr algn="ctr"/>
               <a:endParaRPr lang="en-US" sz="1100">
-                <a:latin typeface="Arial" panose="020B0604020202020204" pitchFamily="34" charset="0"/>
-                <a:cs typeface="Arial" panose="020B0604020202020204" pitchFamily="34" charset="0"/>
+                <a:latin typeface="Arial" panose="02080604020202020204" pitchFamily="34" charset="0"/>
+                <a:cs typeface="Arial" panose="02080604020202020204" pitchFamily="34" charset="0"/>
               </a:endParaRPr>
             </a:p>
           </p:txBody>
         </p:sp>
         <p:sp>
           <p:nvSpPr>
-            <p:cNvPr id="13" name="Rectangle 12">
-              <a:extLst>
-                <a:ext uri="{FF2B5EF4-FFF2-40B4-BE49-F238E27FC236}">
-                  <a16:creationId xmlns:a16="http://schemas.microsoft.com/office/drawing/2014/main" id="{C058DD7E-26E4-2255-66EF-84761034DD08}"/>
-                </a:ext>
-              </a:extLst>
-            </p:cNvPr>
+            <p:cNvPr id="13" name="Rectangle 12"/>
             <p:cNvSpPr/>
             <p:nvPr/>
           </p:nvSpPr>
@@ -4024,21 +3803,15 @@
             <a:p>
               <a:pPr algn="ctr"/>
               <a:endParaRPr lang="en-US" sz="1100">
-                <a:latin typeface="Arial" panose="020B0604020202020204" pitchFamily="34" charset="0"/>
-                <a:cs typeface="Arial" panose="020B0604020202020204" pitchFamily="34" charset="0"/>
+                <a:latin typeface="Arial" panose="02080604020202020204" pitchFamily="34" charset="0"/>
+                <a:cs typeface="Arial" panose="02080604020202020204" pitchFamily="34" charset="0"/>
               </a:endParaRPr>
             </a:p>
           </p:txBody>
         </p:sp>
         <p:grpSp>
           <p:nvGrpSpPr>
-            <p:cNvPr id="31" name="Group 30">
-              <a:extLst>
-                <a:ext uri="{FF2B5EF4-FFF2-40B4-BE49-F238E27FC236}">
-                  <a16:creationId xmlns:a16="http://schemas.microsoft.com/office/drawing/2014/main" id="{E05E4956-66A4-2C86-6785-1CFC7219EF8B}"/>
-                </a:ext>
-              </a:extLst>
-            </p:cNvPr>
+            <p:cNvPr id="31" name="Group 30"/>
             <p:cNvGrpSpPr/>
             <p:nvPr/>
           </p:nvGrpSpPr>
@@ -4052,16 +3825,8 @@
           </p:grpSpPr>
           <p:cxnSp>
             <p:nvCxnSpPr>
-              <p:cNvPr id="19" name="Straight Arrow Connector 18">
-                <a:extLst>
-                  <a:ext uri="{FF2B5EF4-FFF2-40B4-BE49-F238E27FC236}">
-                    <a16:creationId xmlns:a16="http://schemas.microsoft.com/office/drawing/2014/main" id="{4F33F86A-20FD-6EC1-C328-D4109B8C0AFF}"/>
-                  </a:ext>
-                </a:extLst>
-              </p:cNvPr>
-              <p:cNvCxnSpPr>
-                <a:cxnSpLocks/>
-              </p:cNvCxnSpPr>
+              <p:cNvPr id="19" name="Straight Arrow Connector 18"/>
+              <p:cNvCxnSpPr/>
               <p:nvPr/>
             </p:nvCxnSpPr>
             <p:spPr>
@@ -4096,16 +3861,8 @@
           </p:cxnSp>
           <p:cxnSp>
             <p:nvCxnSpPr>
-              <p:cNvPr id="21" name="Straight Arrow Connector 20">
-                <a:extLst>
-                  <a:ext uri="{FF2B5EF4-FFF2-40B4-BE49-F238E27FC236}">
-                    <a16:creationId xmlns:a16="http://schemas.microsoft.com/office/drawing/2014/main" id="{042E5B28-930D-1C14-BDB4-2D54C1166851}"/>
-                  </a:ext>
-                </a:extLst>
-              </p:cNvPr>
-              <p:cNvCxnSpPr>
-                <a:cxnSpLocks/>
-              </p:cNvCxnSpPr>
+              <p:cNvPr id="21" name="Straight Arrow Connector 20"/>
+              <p:cNvCxnSpPr/>
               <p:nvPr/>
             </p:nvCxnSpPr>
             <p:spPr>
@@ -4141,13 +3898,7 @@
         </p:grpSp>
         <p:sp>
           <p:nvSpPr>
-            <p:cNvPr id="32" name="TextBox 31">
-              <a:extLst>
-                <a:ext uri="{FF2B5EF4-FFF2-40B4-BE49-F238E27FC236}">
-                  <a16:creationId xmlns:a16="http://schemas.microsoft.com/office/drawing/2014/main" id="{1BA7A7CC-25B8-B66F-A314-4B5C0C343EDD}"/>
-                </a:ext>
-              </a:extLst>
-            </p:cNvPr>
+            <p:cNvPr id="32" name="TextBox 31"/>
             <p:cNvSpPr txBox="1"/>
             <p:nvPr/>
           </p:nvSpPr>
@@ -4169,23 +3920,21 @@
             <a:p>
               <a:r>
                 <a:rPr lang="en-US" sz="1100" dirty="0">
-                  <a:latin typeface="Arial" panose="020B0604020202020204" pitchFamily="34" charset="0"/>
-                  <a:cs typeface="Arial" panose="020B0604020202020204" pitchFamily="34" charset="0"/>
+                  <a:latin typeface="Arial" panose="02080604020202020204" pitchFamily="34" charset="0"/>
+                  <a:cs typeface="Arial" panose="02080604020202020204" pitchFamily="34" charset="0"/>
                 </a:rPr>
                 <a:t>Effect of Absorber</a:t>
               </a:r>
+              <a:endParaRPr lang="en-US" sz="1100" dirty="0">
+                <a:latin typeface="Arial" panose="02080604020202020204" pitchFamily="34" charset="0"/>
+                <a:cs typeface="Arial" panose="02080604020202020204" pitchFamily="34" charset="0"/>
+              </a:endParaRPr>
             </a:p>
           </p:txBody>
         </p:sp>
         <p:sp>
           <p:nvSpPr>
-            <p:cNvPr id="33" name="Rectangle 32">
-              <a:extLst>
-                <a:ext uri="{FF2B5EF4-FFF2-40B4-BE49-F238E27FC236}">
-                  <a16:creationId xmlns:a16="http://schemas.microsoft.com/office/drawing/2014/main" id="{DEEAFF44-0724-493C-48C0-70DB4B89E4C1}"/>
-                </a:ext>
-              </a:extLst>
-            </p:cNvPr>
+            <p:cNvPr id="33" name="Rectangle 32"/>
             <p:cNvSpPr/>
             <p:nvPr/>
           </p:nvSpPr>
@@ -4226,19 +3975,177 @@
             <a:p>
               <a:pPr algn="ctr"/>
               <a:endParaRPr lang="en-US" sz="1100">
-                <a:latin typeface="Arial" panose="020B0604020202020204" pitchFamily="34" charset="0"/>
-                <a:cs typeface="Arial" panose="020B0604020202020204" pitchFamily="34" charset="0"/>
+                <a:latin typeface="Arial" panose="02080604020202020204" pitchFamily="34" charset="0"/>
+                <a:cs typeface="Arial" panose="02080604020202020204" pitchFamily="34" charset="0"/>
+              </a:endParaRPr>
+            </a:p>
+          </p:txBody>
+        </p:sp>
+      </p:grpSp>
+      <p:grpSp>
+        <p:nvGrpSpPr>
+          <p:cNvPr id="15" name="Group 14"/>
+          <p:cNvGrpSpPr/>
+          <p:nvPr/>
+        </p:nvGrpSpPr>
+        <p:grpSpPr>
+          <a:xfrm>
+            <a:off x="4065349" y="535589"/>
+            <a:ext cx="2961005" cy="6203136"/>
+            <a:chOff x="6402" y="843"/>
+            <a:chExt cx="4663" cy="9769"/>
+          </a:xfrm>
+        </p:grpSpPr>
+        <p:grpSp>
+          <p:nvGrpSpPr>
+            <p:cNvPr id="10" name="Group 9"/>
+            <p:cNvGrpSpPr/>
+            <p:nvPr/>
+          </p:nvGrpSpPr>
+          <p:grpSpPr>
+            <a:xfrm>
+              <a:off x="6402" y="843"/>
+              <a:ext cx="4663" cy="9769"/>
+              <a:chOff x="4065349" y="38921"/>
+              <a:chExt cx="2961005" cy="6203136"/>
+            </a:xfrm>
+          </p:grpSpPr>
+          <p:pic>
+            <p:nvPicPr>
+              <p:cNvPr id="5" name="Picture 4"/>
+              <p:cNvPicPr>
+                <a:picLocks noChangeAspect="1"/>
+              </p:cNvPicPr>
+              <p:nvPr/>
+            </p:nvPicPr>
+            <p:blipFill>
+              <a:blip r:embed="rId3">
+                <a:extLst>
+                  <a:ext uri="{28A0092B-C50C-407E-A947-70E740481C1C}">
+                    <a14:useLocalDpi xmlns:a14="http://schemas.microsoft.com/office/drawing/2010/main" val="0"/>
+                  </a:ext>
+                </a:extLst>
+              </a:blip>
+              <a:srcRect/>
+              <a:stretch>
+                <a:fillRect/>
+              </a:stretch>
+            </p:blipFill>
+            <p:spPr>
+              <a:xfrm>
+                <a:off x="4065546" y="38921"/>
+                <a:ext cx="2960204" cy="2882362"/>
+              </a:xfrm>
+              <a:prstGeom prst="rect">
+                <a:avLst/>
+              </a:prstGeom>
+            </p:spPr>
+          </p:pic>
+          <p:pic>
+            <p:nvPicPr>
+              <p:cNvPr id="7" name="Picture 6"/>
+              <p:cNvPicPr>
+                <a:picLocks noChangeAspect="1"/>
+              </p:cNvPicPr>
+              <p:nvPr/>
+            </p:nvPicPr>
+            <p:blipFill>
+              <a:blip r:embed="rId4">
+                <a:extLst>
+                  <a:ext uri="{28A0092B-C50C-407E-A947-70E740481C1C}">
+                    <a14:useLocalDpi xmlns:a14="http://schemas.microsoft.com/office/drawing/2010/main" val="0"/>
+                  </a:ext>
+                </a:extLst>
+              </a:blip>
+              <a:srcRect/>
+              <a:stretch>
+                <a:fillRect/>
+              </a:stretch>
+            </p:blipFill>
+            <p:spPr>
+              <a:xfrm>
+                <a:off x="4065349" y="3173281"/>
+                <a:ext cx="2961005" cy="2842895"/>
+              </a:xfrm>
+              <a:prstGeom prst="rect">
+                <a:avLst/>
+              </a:prstGeom>
+            </p:spPr>
+          </p:pic>
+          <p:sp>
+            <p:nvSpPr>
+              <p:cNvPr id="9" name="TextBox 8"/>
+              <p:cNvSpPr txBox="1"/>
+              <p:nvPr/>
+            </p:nvSpPr>
+            <p:spPr>
+              <a:xfrm>
+                <a:off x="5542359" y="5980447"/>
+                <a:ext cx="356188" cy="261610"/>
+              </a:xfrm>
+              <a:prstGeom prst="rect">
+                <a:avLst/>
+              </a:prstGeom>
+              <a:noFill/>
+            </p:spPr>
+            <p:txBody>
+              <a:bodyPr wrap="none" rtlCol="0">
+                <a:spAutoFit/>
+              </a:bodyPr>
+              <a:lstStyle/>
+              <a:p>
+                <a:r>
+                  <a:rPr lang="en-US" sz="1100" dirty="0">
+                    <a:latin typeface="Arial" panose="02080604020202020204" pitchFamily="34" charset="0"/>
+                    <a:cs typeface="Arial" panose="02080604020202020204" pitchFamily="34" charset="0"/>
+                  </a:rPr>
+                  <a:t>(b)</a:t>
+                </a:r>
+                <a:endParaRPr lang="en-US" sz="1100" dirty="0">
+                  <a:latin typeface="Arial" panose="02080604020202020204" pitchFamily="34" charset="0"/>
+                  <a:cs typeface="Arial" panose="02080604020202020204" pitchFamily="34" charset="0"/>
+                </a:endParaRPr>
+              </a:p>
+            </p:txBody>
+          </p:sp>
+        </p:grpSp>
+        <p:sp>
+          <p:nvSpPr>
+            <p:cNvPr id="14" name="TextBox 7"/>
+            <p:cNvSpPr txBox="1"/>
+            <p:nvPr/>
+          </p:nvSpPr>
+          <p:spPr>
+            <a:xfrm>
+              <a:off x="8728" y="5296"/>
+              <a:ext cx="561" cy="412"/>
+            </a:xfrm>
+            <a:prstGeom prst="rect">
+              <a:avLst/>
+            </a:prstGeom>
+            <a:noFill/>
+          </p:spPr>
+          <p:txBody>
+            <a:bodyPr wrap="none" rtlCol="0">
+              <a:spAutoFit/>
+            </a:bodyPr>
+            <a:p>
+              <a:r>
+                <a:rPr lang="en-US" sz="1100" dirty="0">
+                  <a:latin typeface="Arial" panose="02080604020202020204" pitchFamily="34" charset="0"/>
+                  <a:cs typeface="Arial" panose="02080604020202020204" pitchFamily="34" charset="0"/>
+                </a:rPr>
+                <a:t>(a)</a:t>
+              </a:r>
+              <a:endParaRPr lang="en-US" sz="1100" dirty="0">
+                <a:latin typeface="Arial" panose="02080604020202020204" pitchFamily="34" charset="0"/>
+                <a:cs typeface="Arial" panose="02080604020202020204" pitchFamily="34" charset="0"/>
               </a:endParaRPr>
             </a:p>
           </p:txBody>
         </p:sp>
       </p:grpSp>
     </p:spTree>
-    <p:extLst>
-      <p:ext uri="{BB962C8B-B14F-4D97-AF65-F5344CB8AC3E}">
-        <p14:creationId xmlns:p14="http://schemas.microsoft.com/office/powerpoint/2010/main" val="3667252173"/>
-      </p:ext>
-    </p:extLst>
   </p:cSld>
   <p:clrMapOvr>
     <a:masterClrMapping/>
@@ -4265,13 +4172,7 @@
       </p:grpSpPr>
       <p:grpSp>
         <p:nvGrpSpPr>
-          <p:cNvPr id="78" name="Group 77">
-            <a:extLst>
-              <a:ext uri="{FF2B5EF4-FFF2-40B4-BE49-F238E27FC236}">
-                <a16:creationId xmlns:a16="http://schemas.microsoft.com/office/drawing/2014/main" id="{3E331F58-8F98-75F9-4AF9-697C3FA0FD43}"/>
-              </a:ext>
-            </a:extLst>
-          </p:cNvPr>
+          <p:cNvPr id="78" name="Group 77"/>
           <p:cNvGrpSpPr/>
           <p:nvPr/>
         </p:nvGrpSpPr>
@@ -4285,13 +4186,7 @@
         </p:grpSpPr>
         <p:grpSp>
           <p:nvGrpSpPr>
-            <p:cNvPr id="156" name="Group 155">
-              <a:extLst>
-                <a:ext uri="{FF2B5EF4-FFF2-40B4-BE49-F238E27FC236}">
-                  <a16:creationId xmlns:a16="http://schemas.microsoft.com/office/drawing/2014/main" id="{FCC3FDD5-326F-8E63-DE1B-7F2D9D893869}"/>
-                </a:ext>
-              </a:extLst>
-            </p:cNvPr>
+            <p:cNvPr id="156" name="Group 155"/>
             <p:cNvGrpSpPr/>
             <p:nvPr/>
           </p:nvGrpSpPr>
@@ -4305,13 +4200,7 @@
           </p:grpSpPr>
           <p:grpSp>
             <p:nvGrpSpPr>
-              <p:cNvPr id="150" name="Group 149">
-                <a:extLst>
-                  <a:ext uri="{FF2B5EF4-FFF2-40B4-BE49-F238E27FC236}">
-                    <a16:creationId xmlns:a16="http://schemas.microsoft.com/office/drawing/2014/main" id="{2C43BB9A-5DAC-006C-D012-66D67AAFA33C}"/>
-                  </a:ext>
-                </a:extLst>
-              </p:cNvPr>
+              <p:cNvPr id="150" name="Group 149"/>
               <p:cNvGrpSpPr/>
               <p:nvPr/>
             </p:nvGrpSpPr>
@@ -4325,13 +4214,7 @@
             </p:grpSpPr>
             <p:grpSp>
               <p:nvGrpSpPr>
-                <p:cNvPr id="124" name="Group 123">
-                  <a:extLst>
-                    <a:ext uri="{FF2B5EF4-FFF2-40B4-BE49-F238E27FC236}">
-                      <a16:creationId xmlns:a16="http://schemas.microsoft.com/office/drawing/2014/main" id="{70713773-E08B-98C8-7987-7F7D763E81AA}"/>
-                    </a:ext>
-                  </a:extLst>
-                </p:cNvPr>
+                <p:cNvPr id="124" name="Group 123"/>
                 <p:cNvGrpSpPr/>
                 <p:nvPr/>
               </p:nvGrpSpPr>
@@ -4345,13 +4228,7 @@
               </p:grpSpPr>
               <p:grpSp>
                 <p:nvGrpSpPr>
-                  <p:cNvPr id="115" name="Group 114">
-                    <a:extLst>
-                      <a:ext uri="{FF2B5EF4-FFF2-40B4-BE49-F238E27FC236}">
-                        <a16:creationId xmlns:a16="http://schemas.microsoft.com/office/drawing/2014/main" id="{A542C6B4-5967-1C6C-EE3B-EED6C03F1894}"/>
-                      </a:ext>
-                    </a:extLst>
-                  </p:cNvPr>
+                  <p:cNvPr id="115" name="Group 114"/>
                   <p:cNvGrpSpPr/>
                   <p:nvPr/>
                 </p:nvGrpSpPr>
@@ -4365,13 +4242,7 @@
                 </p:grpSpPr>
                 <p:grpSp>
                   <p:nvGrpSpPr>
-                    <p:cNvPr id="105" name="Group 104">
-                      <a:extLst>
-                        <a:ext uri="{FF2B5EF4-FFF2-40B4-BE49-F238E27FC236}">
-                          <a16:creationId xmlns:a16="http://schemas.microsoft.com/office/drawing/2014/main" id="{509A019D-B850-58EA-395F-55193D365922}"/>
-                        </a:ext>
-                      </a:extLst>
-                    </p:cNvPr>
+                    <p:cNvPr id="105" name="Group 104"/>
                     <p:cNvGrpSpPr/>
                     <p:nvPr/>
                   </p:nvGrpSpPr>
@@ -4385,22 +4256,18 @@
                   </p:grpSpPr>
                   <p:pic>
                     <p:nvPicPr>
-                      <p:cNvPr id="13" name="Picture 12">
-                        <a:extLst>
-                          <a:ext uri="{FF2B5EF4-FFF2-40B4-BE49-F238E27FC236}">
-                            <a16:creationId xmlns:a16="http://schemas.microsoft.com/office/drawing/2014/main" id="{ACEAB606-F82D-CB19-4A98-CBE30B0D51C2}"/>
-                          </a:ext>
-                        </a:extLst>
-                      </p:cNvPr>
+                      <p:cNvPr id="13" name="Picture 12"/>
                       <p:cNvPicPr>
                         <a:picLocks noChangeAspect="1"/>
                       </p:cNvPicPr>
                       <p:nvPr/>
                     </p:nvPicPr>
                     <p:blipFill rotWithShape="1">
-                      <a:blip r:embed="rId2"/>
+                      <a:blip r:embed="rId1"/>
                       <a:srcRect l="3306" r="5693"/>
-                      <a:stretch/>
+                      <a:stretch>
+                        <a:fillRect/>
+                      </a:stretch>
                     </p:blipFill>
                     <p:spPr>
                       <a:xfrm>
@@ -4414,13 +4281,7 @@
                   </p:pic>
                   <p:sp>
                     <p:nvSpPr>
-                      <p:cNvPr id="14" name="Rectangle 13">
-                        <a:extLst>
-                          <a:ext uri="{FF2B5EF4-FFF2-40B4-BE49-F238E27FC236}">
-                            <a16:creationId xmlns:a16="http://schemas.microsoft.com/office/drawing/2014/main" id="{DC3CDD22-D219-761E-B899-1089DBCF3CFE}"/>
-                          </a:ext>
-                        </a:extLst>
-                      </p:cNvPr>
+                      <p:cNvPr id="14" name="Rectangle 13"/>
                       <p:cNvSpPr/>
                       <p:nvPr/>
                     </p:nvSpPr>
@@ -4461,21 +4322,15 @@
                       <a:p>
                         <a:pPr algn="ctr"/>
                         <a:endParaRPr lang="en-US" sz="2800" dirty="0">
-                          <a:latin typeface="Arial" panose="020B0604020202020204" pitchFamily="34" charset="0"/>
-                          <a:cs typeface="Arial" panose="020B0604020202020204" pitchFamily="34" charset="0"/>
+                          <a:latin typeface="Arial" panose="02080604020202020204" pitchFamily="34" charset="0"/>
+                          <a:cs typeface="Arial" panose="02080604020202020204" pitchFamily="34" charset="0"/>
                         </a:endParaRPr>
                       </a:p>
                     </p:txBody>
                   </p:sp>
                   <p:sp>
                     <p:nvSpPr>
-                      <p:cNvPr id="16" name="TextBox 15">
-                        <a:extLst>
-                          <a:ext uri="{FF2B5EF4-FFF2-40B4-BE49-F238E27FC236}">
-                            <a16:creationId xmlns:a16="http://schemas.microsoft.com/office/drawing/2014/main" id="{5D5DB214-1C3C-286F-A917-12997B40F4C8}"/>
-                          </a:ext>
-                        </a:extLst>
-                      </p:cNvPr>
+                      <p:cNvPr id="16" name="TextBox 15"/>
                       <p:cNvSpPr txBox="1"/>
                       <p:nvPr/>
                     </p:nvSpPr>
@@ -4497,23 +4352,21 @@
                       <a:p>
                         <a:r>
                           <a:rPr lang="en-US" sz="2800" dirty="0">
-                            <a:latin typeface="Arial" panose="020B0604020202020204" pitchFamily="34" charset="0"/>
-                            <a:cs typeface="Arial" panose="020B0604020202020204" pitchFamily="34" charset="0"/>
+                            <a:latin typeface="Arial" panose="02080604020202020204" pitchFamily="34" charset="0"/>
+                            <a:cs typeface="Arial" panose="02080604020202020204" pitchFamily="34" charset="0"/>
                           </a:rPr>
                           <a:t>User</a:t>
                         </a:r>
+                        <a:endParaRPr lang="en-US" sz="2800" dirty="0">
+                          <a:latin typeface="Arial" panose="02080604020202020204" pitchFamily="34" charset="0"/>
+                          <a:cs typeface="Arial" panose="02080604020202020204" pitchFamily="34" charset="0"/>
+                        </a:endParaRPr>
                       </a:p>
                     </p:txBody>
                   </p:sp>
                   <p:cxnSp>
                     <p:nvCxnSpPr>
-                      <p:cNvPr id="18" name="Straight Arrow Connector 17">
-                        <a:extLst>
-                          <a:ext uri="{FF2B5EF4-FFF2-40B4-BE49-F238E27FC236}">
-                            <a16:creationId xmlns:a16="http://schemas.microsoft.com/office/drawing/2014/main" id="{8FA0EE51-CBE5-8852-B70F-CE64C9E603A3}"/>
-                          </a:ext>
-                        </a:extLst>
-                      </p:cNvPr>
+                      <p:cNvPr id="18" name="Straight Arrow Connector 17"/>
                       <p:cNvCxnSpPr/>
                       <p:nvPr/>
                     </p:nvCxnSpPr>
@@ -4549,16 +4402,8 @@
                   </p:cxnSp>
                   <p:cxnSp>
                     <p:nvCxnSpPr>
-                      <p:cNvPr id="19" name="Straight Arrow Connector 18">
-                        <a:extLst>
-                          <a:ext uri="{FF2B5EF4-FFF2-40B4-BE49-F238E27FC236}">
-                            <a16:creationId xmlns:a16="http://schemas.microsoft.com/office/drawing/2014/main" id="{91717014-1C86-5739-553D-C4C6885B70D1}"/>
-                          </a:ext>
-                        </a:extLst>
-                      </p:cNvPr>
-                      <p:cNvCxnSpPr>
-                        <a:cxnSpLocks/>
-                      </p:cNvCxnSpPr>
+                      <p:cNvPr id="19" name="Straight Arrow Connector 18"/>
+                      <p:cNvCxnSpPr/>
                       <p:nvPr/>
                     </p:nvCxnSpPr>
                     <p:spPr>
@@ -4590,13 +4435,7 @@
                   </p:cxnSp>
                   <p:sp>
                     <p:nvSpPr>
-                      <p:cNvPr id="22" name="TextBox 21">
-                        <a:extLst>
-                          <a:ext uri="{FF2B5EF4-FFF2-40B4-BE49-F238E27FC236}">
-                            <a16:creationId xmlns:a16="http://schemas.microsoft.com/office/drawing/2014/main" id="{2CC2A30B-E140-6279-5025-21C4BFF97E43}"/>
-                          </a:ext>
-                        </a:extLst>
-                      </p:cNvPr>
+                      <p:cNvPr id="22" name="TextBox 21"/>
                       <p:cNvSpPr txBox="1"/>
                       <p:nvPr/>
                     </p:nvSpPr>
@@ -4618,23 +4457,21 @@
                       <a:p>
                         <a:r>
                           <a:rPr lang="en-US" sz="2800" dirty="0">
-                            <a:latin typeface="Arial" panose="020B0604020202020204" pitchFamily="34" charset="0"/>
-                            <a:cs typeface="Arial" panose="020B0604020202020204" pitchFamily="34" charset="0"/>
+                            <a:latin typeface="Arial" panose="02080604020202020204" pitchFamily="34" charset="0"/>
+                            <a:cs typeface="Arial" panose="02080604020202020204" pitchFamily="34" charset="0"/>
                           </a:rPr>
                           <a:t>Y</a:t>
                         </a:r>
+                        <a:endParaRPr lang="en-US" sz="2800" dirty="0">
+                          <a:latin typeface="Arial" panose="02080604020202020204" pitchFamily="34" charset="0"/>
+                          <a:cs typeface="Arial" panose="02080604020202020204" pitchFamily="34" charset="0"/>
+                        </a:endParaRPr>
                       </a:p>
                     </p:txBody>
                   </p:sp>
                   <p:sp>
                     <p:nvSpPr>
-                      <p:cNvPr id="23" name="TextBox 22">
-                        <a:extLst>
-                          <a:ext uri="{FF2B5EF4-FFF2-40B4-BE49-F238E27FC236}">
-                            <a16:creationId xmlns:a16="http://schemas.microsoft.com/office/drawing/2014/main" id="{24078577-92C0-4F4D-5375-20E8182A71CB}"/>
-                          </a:ext>
-                        </a:extLst>
-                      </p:cNvPr>
+                      <p:cNvPr id="23" name="TextBox 22"/>
                       <p:cNvSpPr txBox="1"/>
                       <p:nvPr/>
                     </p:nvSpPr>
@@ -4656,23 +4493,21 @@
                       <a:p>
                         <a:r>
                           <a:rPr lang="en-US" sz="2800" dirty="0">
-                            <a:latin typeface="Arial" panose="020B0604020202020204" pitchFamily="34" charset="0"/>
-                            <a:cs typeface="Arial" panose="020B0604020202020204" pitchFamily="34" charset="0"/>
+                            <a:latin typeface="Arial" panose="02080604020202020204" pitchFamily="34" charset="0"/>
+                            <a:cs typeface="Arial" panose="02080604020202020204" pitchFamily="34" charset="0"/>
                           </a:rPr>
                           <a:t>X</a:t>
                         </a:r>
+                        <a:endParaRPr lang="en-US" sz="2800" dirty="0">
+                          <a:latin typeface="Arial" panose="02080604020202020204" pitchFamily="34" charset="0"/>
+                          <a:cs typeface="Arial" panose="02080604020202020204" pitchFamily="34" charset="0"/>
+                        </a:endParaRPr>
                       </a:p>
                     </p:txBody>
                   </p:sp>
                   <p:grpSp>
                     <p:nvGrpSpPr>
-                      <p:cNvPr id="33" name="Group 32">
-                        <a:extLst>
-                          <a:ext uri="{FF2B5EF4-FFF2-40B4-BE49-F238E27FC236}">
-                            <a16:creationId xmlns:a16="http://schemas.microsoft.com/office/drawing/2014/main" id="{D7B4C295-9F86-CADC-3342-91019BF9D4D8}"/>
-                          </a:ext>
-                        </a:extLst>
-                      </p:cNvPr>
+                      <p:cNvPr id="33" name="Group 32"/>
                       <p:cNvGrpSpPr/>
                       <p:nvPr/>
                     </p:nvGrpSpPr>
@@ -4686,13 +4521,7 @@
                     </p:grpSpPr>
                     <p:sp>
                       <p:nvSpPr>
-                        <p:cNvPr id="30" name="Arc 29">
-                          <a:extLst>
-                            <a:ext uri="{FF2B5EF4-FFF2-40B4-BE49-F238E27FC236}">
-                              <a16:creationId xmlns:a16="http://schemas.microsoft.com/office/drawing/2014/main" id="{467DC035-4093-B58E-9B65-4DC3A0260A1F}"/>
-                            </a:ext>
-                          </a:extLst>
-                        </p:cNvPr>
+                        <p:cNvPr id="30" name="Arc 29"/>
                         <p:cNvSpPr/>
                         <p:nvPr/>
                       </p:nvSpPr>
@@ -4729,24 +4558,16 @@
                         <a:p>
                           <a:pPr algn="ctr"/>
                           <a:endParaRPr lang="en-US" sz="2800" dirty="0">
-                            <a:latin typeface="Arial" panose="020B0604020202020204" pitchFamily="34" charset="0"/>
-                            <a:cs typeface="Arial" panose="020B0604020202020204" pitchFamily="34" charset="0"/>
+                            <a:latin typeface="Arial" panose="02080604020202020204" pitchFamily="34" charset="0"/>
+                            <a:cs typeface="Arial" panose="02080604020202020204" pitchFamily="34" charset="0"/>
                           </a:endParaRPr>
                         </a:p>
                       </p:txBody>
                     </p:sp>
                     <p:cxnSp>
                       <p:nvCxnSpPr>
-                        <p:cNvPr id="32" name="Straight Arrow Connector 31">
-                          <a:extLst>
-                            <a:ext uri="{FF2B5EF4-FFF2-40B4-BE49-F238E27FC236}">
-                              <a16:creationId xmlns:a16="http://schemas.microsoft.com/office/drawing/2014/main" id="{39D23C34-D75F-8827-5E5A-BEEB53FF582A}"/>
-                            </a:ext>
-                          </a:extLst>
-                        </p:cNvPr>
-                        <p:cNvCxnSpPr>
-                          <a:cxnSpLocks/>
-                        </p:cNvCxnSpPr>
+                        <p:cNvPr id="32" name="Straight Arrow Connector 31"/>
+                        <p:cNvCxnSpPr/>
                         <p:nvPr/>
                       </p:nvCxnSpPr>
                       <p:spPr>
@@ -4779,13 +4600,7 @@
                   </p:grpSp>
                   <p:sp>
                     <p:nvSpPr>
-                      <p:cNvPr id="40" name="TextBox 39">
-                        <a:extLst>
-                          <a:ext uri="{FF2B5EF4-FFF2-40B4-BE49-F238E27FC236}">
-                            <a16:creationId xmlns:a16="http://schemas.microsoft.com/office/drawing/2014/main" id="{E82B2753-F513-2A18-D2C5-CD13F2D50E16}"/>
-                          </a:ext>
-                        </a:extLst>
-                      </p:cNvPr>
+                      <p:cNvPr id="40" name="TextBox 39"/>
                       <p:cNvSpPr txBox="1"/>
                       <p:nvPr/>
                     </p:nvSpPr>
@@ -4808,33 +4623,35 @@
                         <a:pPr algn="ctr"/>
                         <a:r>
                           <a:rPr lang="en-US" sz="2800" dirty="0">
-                            <a:latin typeface="Arial" panose="020B0604020202020204" pitchFamily="34" charset="0"/>
-                            <a:cs typeface="Arial" panose="020B0604020202020204" pitchFamily="34" charset="0"/>
+                            <a:latin typeface="Arial" panose="02080604020202020204" pitchFamily="34" charset="0"/>
+                            <a:cs typeface="Arial" panose="02080604020202020204" pitchFamily="34" charset="0"/>
                           </a:rPr>
                           <a:t>Direction of</a:t>
                         </a:r>
+                        <a:endParaRPr lang="en-US" sz="2800" dirty="0">
+                          <a:latin typeface="Arial" panose="02080604020202020204" pitchFamily="34" charset="0"/>
+                          <a:cs typeface="Arial" panose="02080604020202020204" pitchFamily="34" charset="0"/>
+                        </a:endParaRPr>
                       </a:p>
                       <a:p>
                         <a:pPr algn="ctr"/>
                         <a:r>
                           <a:rPr lang="en-US" sz="2800" dirty="0">
-                            <a:latin typeface="Arial" panose="020B0604020202020204" pitchFamily="34" charset="0"/>
-                            <a:cs typeface="Arial" panose="020B0604020202020204" pitchFamily="34" charset="0"/>
+                            <a:latin typeface="Arial" panose="02080604020202020204" pitchFamily="34" charset="0"/>
+                            <a:cs typeface="Arial" panose="02080604020202020204" pitchFamily="34" charset="0"/>
                           </a:rPr>
                           <a:t>Movement</a:t>
                         </a:r>
+                        <a:endParaRPr lang="en-US" sz="2800" dirty="0">
+                          <a:latin typeface="Arial" panose="02080604020202020204" pitchFamily="34" charset="0"/>
+                          <a:cs typeface="Arial" panose="02080604020202020204" pitchFamily="34" charset="0"/>
+                        </a:endParaRPr>
                       </a:p>
                     </p:txBody>
                   </p:sp>
                   <p:sp>
                     <p:nvSpPr>
-                      <p:cNvPr id="42" name="TextBox 41">
-                        <a:extLst>
-                          <a:ext uri="{FF2B5EF4-FFF2-40B4-BE49-F238E27FC236}">
-                            <a16:creationId xmlns:a16="http://schemas.microsoft.com/office/drawing/2014/main" id="{78CBD7A9-0932-7313-FB30-D60625DF50D9}"/>
-                          </a:ext>
-                        </a:extLst>
-                      </p:cNvPr>
+                      <p:cNvPr id="42" name="TextBox 41"/>
                       <p:cNvSpPr txBox="1"/>
                       <p:nvPr/>
                     </p:nvSpPr>
@@ -4857,33 +4674,35 @@
                         <a:pPr algn="ctr"/>
                         <a:r>
                           <a:rPr lang="en-US" sz="2800" dirty="0">
-                            <a:latin typeface="Arial" panose="020B0604020202020204" pitchFamily="34" charset="0"/>
-                            <a:cs typeface="Arial" panose="020B0604020202020204" pitchFamily="34" charset="0"/>
+                            <a:latin typeface="Arial" panose="02080604020202020204" pitchFamily="34" charset="0"/>
+                            <a:cs typeface="Arial" panose="02080604020202020204" pitchFamily="34" charset="0"/>
                           </a:rPr>
                           <a:t>Conformal</a:t>
                         </a:r>
+                        <a:endParaRPr lang="en-US" sz="2800" dirty="0">
+                          <a:latin typeface="Arial" panose="02080604020202020204" pitchFamily="34" charset="0"/>
+                          <a:cs typeface="Arial" panose="02080604020202020204" pitchFamily="34" charset="0"/>
+                        </a:endParaRPr>
                       </a:p>
                       <a:p>
                         <a:pPr algn="ctr"/>
                         <a:r>
                           <a:rPr lang="en-US" sz="2800" dirty="0">
-                            <a:latin typeface="Arial" panose="020B0604020202020204" pitchFamily="34" charset="0"/>
-                            <a:cs typeface="Arial" panose="020B0604020202020204" pitchFamily="34" charset="0"/>
+                            <a:latin typeface="Arial" panose="02080604020202020204" pitchFamily="34" charset="0"/>
+                            <a:cs typeface="Arial" panose="02080604020202020204" pitchFamily="34" charset="0"/>
                           </a:rPr>
                           <a:t>Antenna</a:t>
                         </a:r>
+                        <a:endParaRPr lang="en-US" sz="2800" dirty="0">
+                          <a:latin typeface="Arial" panose="02080604020202020204" pitchFamily="34" charset="0"/>
+                          <a:cs typeface="Arial" panose="02080604020202020204" pitchFamily="34" charset="0"/>
+                        </a:endParaRPr>
                       </a:p>
                     </p:txBody>
                   </p:sp>
                   <p:sp>
                     <p:nvSpPr>
-                      <p:cNvPr id="52" name="TextBox 51">
-                        <a:extLst>
-                          <a:ext uri="{FF2B5EF4-FFF2-40B4-BE49-F238E27FC236}">
-                            <a16:creationId xmlns:a16="http://schemas.microsoft.com/office/drawing/2014/main" id="{3C82654C-3AD0-48DB-89C6-8C9E3F19602B}"/>
-                          </a:ext>
-                        </a:extLst>
-                      </p:cNvPr>
+                      <p:cNvPr id="52" name="TextBox 51"/>
                       <p:cNvSpPr txBox="1"/>
                       <p:nvPr/>
                     </p:nvSpPr>
@@ -4905,23 +4724,21 @@
                       <a:p>
                         <a:r>
                           <a:rPr lang="en-US" sz="2800" dirty="0">
-                            <a:latin typeface="Arial" panose="020B0604020202020204" pitchFamily="34" charset="0"/>
-                            <a:cs typeface="Arial" panose="020B0604020202020204" pitchFamily="34" charset="0"/>
+                            <a:latin typeface="Arial" panose="02080604020202020204" pitchFamily="34" charset="0"/>
+                            <a:cs typeface="Arial" panose="02080604020202020204" pitchFamily="34" charset="0"/>
                           </a:rPr>
                           <a:t>5</a:t>
                         </a:r>
+                        <a:endParaRPr lang="en-US" sz="2800" dirty="0">
+                          <a:latin typeface="Arial" panose="02080604020202020204" pitchFamily="34" charset="0"/>
+                          <a:cs typeface="Arial" panose="02080604020202020204" pitchFamily="34" charset="0"/>
+                        </a:endParaRPr>
                       </a:p>
                     </p:txBody>
                   </p:sp>
                   <p:sp>
                     <p:nvSpPr>
-                      <p:cNvPr id="55" name="TextBox 54">
-                        <a:extLst>
-                          <a:ext uri="{FF2B5EF4-FFF2-40B4-BE49-F238E27FC236}">
-                            <a16:creationId xmlns:a16="http://schemas.microsoft.com/office/drawing/2014/main" id="{E562002C-97AC-E50C-2779-88C880630569}"/>
-                          </a:ext>
-                        </a:extLst>
-                      </p:cNvPr>
+                      <p:cNvPr id="55" name="TextBox 54"/>
                       <p:cNvSpPr txBox="1"/>
                       <p:nvPr/>
                     </p:nvSpPr>
@@ -4943,23 +4760,21 @@
                       <a:p>
                         <a:r>
                           <a:rPr lang="en-US" sz="2800" dirty="0">
-                            <a:latin typeface="Arial" panose="020B0604020202020204" pitchFamily="34" charset="0"/>
-                            <a:cs typeface="Arial" panose="020B0604020202020204" pitchFamily="34" charset="0"/>
+                            <a:latin typeface="Arial" panose="02080604020202020204" pitchFamily="34" charset="0"/>
+                            <a:cs typeface="Arial" panose="02080604020202020204" pitchFamily="34" charset="0"/>
                           </a:rPr>
                           <a:t>6</a:t>
                         </a:r>
+                        <a:endParaRPr lang="en-US" sz="2800" dirty="0">
+                          <a:latin typeface="Arial" panose="02080604020202020204" pitchFamily="34" charset="0"/>
+                          <a:cs typeface="Arial" panose="02080604020202020204" pitchFamily="34" charset="0"/>
+                        </a:endParaRPr>
                       </a:p>
                     </p:txBody>
                   </p:sp>
                   <p:sp>
                     <p:nvSpPr>
-                      <p:cNvPr id="58" name="TextBox 57">
-                        <a:extLst>
-                          <a:ext uri="{FF2B5EF4-FFF2-40B4-BE49-F238E27FC236}">
-                            <a16:creationId xmlns:a16="http://schemas.microsoft.com/office/drawing/2014/main" id="{DB8FC353-F084-F9CA-CEBC-E0ED3EFBA720}"/>
-                          </a:ext>
-                        </a:extLst>
-                      </p:cNvPr>
+                      <p:cNvPr id="58" name="TextBox 57"/>
                       <p:cNvSpPr txBox="1"/>
                       <p:nvPr/>
                     </p:nvSpPr>
@@ -4981,26 +4796,22 @@
                       <a:p>
                         <a:r>
                           <a:rPr lang="en-US" sz="2800" dirty="0">
-                            <a:latin typeface="Arial" panose="020B0604020202020204" pitchFamily="34" charset="0"/>
-                            <a:cs typeface="Arial" panose="020B0604020202020204" pitchFamily="34" charset="0"/>
+                            <a:latin typeface="Arial" panose="02080604020202020204" pitchFamily="34" charset="0"/>
+                            <a:cs typeface="Arial" panose="02080604020202020204" pitchFamily="34" charset="0"/>
                           </a:rPr>
                           <a:t>7</a:t>
                         </a:r>
+                        <a:endParaRPr lang="en-US" sz="2800" dirty="0">
+                          <a:latin typeface="Arial" panose="02080604020202020204" pitchFamily="34" charset="0"/>
+                          <a:cs typeface="Arial" panose="02080604020202020204" pitchFamily="34" charset="0"/>
+                        </a:endParaRPr>
                       </a:p>
                     </p:txBody>
                   </p:sp>
                   <p:cxnSp>
                     <p:nvCxnSpPr>
-                      <p:cNvPr id="82" name="Straight Arrow Connector 81">
-                        <a:extLst>
-                          <a:ext uri="{FF2B5EF4-FFF2-40B4-BE49-F238E27FC236}">
-                            <a16:creationId xmlns:a16="http://schemas.microsoft.com/office/drawing/2014/main" id="{DDB50AB0-809F-C9F2-B1D3-92602D6C4CE7}"/>
-                          </a:ext>
-                        </a:extLst>
-                      </p:cNvPr>
-                      <p:cNvCxnSpPr>
-                        <a:cxnSpLocks/>
-                      </p:cNvCxnSpPr>
+                      <p:cNvPr id="82" name="Straight Arrow Connector 81"/>
+                      <p:cNvCxnSpPr/>
                       <p:nvPr/>
                     </p:nvCxnSpPr>
                     <p:spPr>
@@ -5038,16 +4849,8 @@
                   </p:cxnSp>
                   <p:cxnSp>
                     <p:nvCxnSpPr>
-                      <p:cNvPr id="89" name="Straight Connector 88">
-                        <a:extLst>
-                          <a:ext uri="{FF2B5EF4-FFF2-40B4-BE49-F238E27FC236}">
-                            <a16:creationId xmlns:a16="http://schemas.microsoft.com/office/drawing/2014/main" id="{A405FAE0-C9AA-0420-17EF-8ED6956BA1F6}"/>
-                          </a:ext>
-                        </a:extLst>
-                      </p:cNvPr>
-                      <p:cNvCxnSpPr>
-                        <a:cxnSpLocks/>
-                      </p:cNvCxnSpPr>
+                      <p:cNvPr id="89" name="Straight Connector 88"/>
+                      <p:cNvCxnSpPr/>
                       <p:nvPr/>
                     </p:nvCxnSpPr>
                     <p:spPr>
@@ -5084,16 +4887,8 @@
                   </p:cxnSp>
                   <p:cxnSp>
                     <p:nvCxnSpPr>
-                      <p:cNvPr id="91" name="Straight Connector 90">
-                        <a:extLst>
-                          <a:ext uri="{FF2B5EF4-FFF2-40B4-BE49-F238E27FC236}">
-                            <a16:creationId xmlns:a16="http://schemas.microsoft.com/office/drawing/2014/main" id="{03C0E1E1-B385-F825-141C-8C6AFBD3F7BA}"/>
-                          </a:ext>
-                        </a:extLst>
-                      </p:cNvPr>
-                      <p:cNvCxnSpPr>
-                        <a:cxnSpLocks/>
-                      </p:cNvCxnSpPr>
+                      <p:cNvPr id="91" name="Straight Connector 90"/>
+                      <p:cNvCxnSpPr/>
                       <p:nvPr/>
                     </p:nvCxnSpPr>
                     <p:spPr>
@@ -5130,13 +4925,7 @@
                   </p:cxnSp>
                   <p:sp>
                     <p:nvSpPr>
-                      <p:cNvPr id="95" name="TextBox 94">
-                        <a:extLst>
-                          <a:ext uri="{FF2B5EF4-FFF2-40B4-BE49-F238E27FC236}">
-                            <a16:creationId xmlns:a16="http://schemas.microsoft.com/office/drawing/2014/main" id="{1ACB6C20-1B25-0B6A-A82E-877FE771628E}"/>
-                          </a:ext>
-                        </a:extLst>
-                      </p:cNvPr>
+                      <p:cNvPr id="95" name="TextBox 94"/>
                       <p:cNvSpPr txBox="1"/>
                       <p:nvPr/>
                     </p:nvSpPr>
@@ -5160,27 +4949,23 @@
                       <a:p>
                         <a:r>
                           <a:rPr lang="en-US" sz="2800" dirty="0">
-                            <a:latin typeface="Arial" panose="020B0604020202020204" pitchFamily="34" charset="0"/>
-                            <a:cs typeface="Arial" panose="020B0604020202020204" pitchFamily="34" charset="0"/>
+                            <a:latin typeface="Arial" panose="02080604020202020204" pitchFamily="34" charset="0"/>
+                            <a:cs typeface="Arial" panose="02080604020202020204" pitchFamily="34" charset="0"/>
                           </a:rPr>
                           <a:t>2m</a:t>
                         </a:r>
+                        <a:endParaRPr lang="en-US" sz="2800" dirty="0">
+                          <a:latin typeface="Arial" panose="02080604020202020204" pitchFamily="34" charset="0"/>
+                          <a:cs typeface="Arial" panose="02080604020202020204" pitchFamily="34" charset="0"/>
+                        </a:endParaRPr>
                       </a:p>
                     </p:txBody>
                   </p:sp>
                 </p:grpSp>
                 <p:cxnSp>
                   <p:nvCxnSpPr>
-                    <p:cNvPr id="107" name="Straight Arrow Connector 106">
-                      <a:extLst>
-                        <a:ext uri="{FF2B5EF4-FFF2-40B4-BE49-F238E27FC236}">
-                          <a16:creationId xmlns:a16="http://schemas.microsoft.com/office/drawing/2014/main" id="{E83ABC90-A93C-82E9-D1CC-6955113894CC}"/>
-                        </a:ext>
-                      </a:extLst>
-                    </p:cNvPr>
-                    <p:cNvCxnSpPr>
-                      <a:cxnSpLocks/>
-                    </p:cNvCxnSpPr>
+                    <p:cNvPr id="107" name="Straight Arrow Connector 106"/>
+                    <p:cNvCxnSpPr/>
                     <p:nvPr/>
                   </p:nvCxnSpPr>
                   <p:spPr>
@@ -5217,15 +5002,8 @@
                 </p:cxnSp>
                 <p:cxnSp>
                   <p:nvCxnSpPr>
-                    <p:cNvPr id="110" name="Straight Arrow Connector 109">
-                      <a:extLst>
-                        <a:ext uri="{FF2B5EF4-FFF2-40B4-BE49-F238E27FC236}">
-                          <a16:creationId xmlns:a16="http://schemas.microsoft.com/office/drawing/2014/main" id="{521FDF8A-9924-B83E-009D-6F88219FF0F5}"/>
-                        </a:ext>
-                      </a:extLst>
-                    </p:cNvPr>
+                    <p:cNvPr id="110" name="Straight Arrow Connector 109"/>
                     <p:cNvCxnSpPr>
-                      <a:cxnSpLocks/>
                       <a:endCxn id="118" idx="1"/>
                     </p:cNvCxnSpPr>
                     <p:nvPr/>
@@ -5264,13 +5042,7 @@
                 </p:cxnSp>
                 <p:sp>
                   <p:nvSpPr>
-                    <p:cNvPr id="113" name="TextBox 112">
-                      <a:extLst>
-                        <a:ext uri="{FF2B5EF4-FFF2-40B4-BE49-F238E27FC236}">
-                          <a16:creationId xmlns:a16="http://schemas.microsoft.com/office/drawing/2014/main" id="{C1B03115-887C-FD82-8FB5-822A89FC70D5}"/>
-                        </a:ext>
-                      </a:extLst>
-                    </p:cNvPr>
+                    <p:cNvPr id="113" name="TextBox 112"/>
                     <p:cNvSpPr txBox="1"/>
                     <p:nvPr/>
                   </p:nvSpPr>
@@ -5293,34 +5065,36 @@
                       <a:pPr algn="ctr"/>
                       <a:r>
                         <a:rPr lang="en-US" sz="2800" dirty="0">
-                          <a:latin typeface="Arial" panose="020B0604020202020204" pitchFamily="34" charset="0"/>
-                          <a:cs typeface="Arial" panose="020B0604020202020204" pitchFamily="34" charset="0"/>
+                          <a:latin typeface="Arial" panose="02080604020202020204" pitchFamily="34" charset="0"/>
+                          <a:cs typeface="Arial" panose="02080604020202020204" pitchFamily="34" charset="0"/>
                         </a:rPr>
                         <a:t>Antenna</a:t>
                       </a:r>
+                      <a:endParaRPr lang="en-US" sz="2800" dirty="0">
+                        <a:latin typeface="Arial" panose="02080604020202020204" pitchFamily="34" charset="0"/>
+                        <a:cs typeface="Arial" panose="02080604020202020204" pitchFamily="34" charset="0"/>
+                      </a:endParaRPr>
                     </a:p>
                     <a:p>
                       <a:pPr algn="ctr"/>
                       <a:r>
                         <a:rPr lang="en-US" sz="2800" dirty="0">
-                          <a:latin typeface="Arial" panose="020B0604020202020204" pitchFamily="34" charset="0"/>
-                          <a:cs typeface="Arial" panose="020B0604020202020204" pitchFamily="34" charset="0"/>
+                          <a:latin typeface="Arial" panose="02080604020202020204" pitchFamily="34" charset="0"/>
+                          <a:cs typeface="Arial" panose="02080604020202020204" pitchFamily="34" charset="0"/>
                         </a:rPr>
                         <a:t>States</a:t>
                       </a:r>
+                      <a:endParaRPr lang="en-US" sz="2800" dirty="0">
+                        <a:latin typeface="Arial" panose="02080604020202020204" pitchFamily="34" charset="0"/>
+                        <a:cs typeface="Arial" panose="02080604020202020204" pitchFamily="34" charset="0"/>
+                      </a:endParaRPr>
                     </a:p>
                   </p:txBody>
                 </p:sp>
               </p:grpSp>
               <p:sp>
                 <p:nvSpPr>
-                  <p:cNvPr id="117" name="TextBox 116">
-                    <a:extLst>
-                      <a:ext uri="{FF2B5EF4-FFF2-40B4-BE49-F238E27FC236}">
-                        <a16:creationId xmlns:a16="http://schemas.microsoft.com/office/drawing/2014/main" id="{2E612B46-A037-B7DF-5313-1480E4F2C81C}"/>
-                      </a:ext>
-                    </a:extLst>
-                  </p:cNvPr>
+                  <p:cNvPr id="117" name="TextBox 116"/>
                   <p:cNvSpPr txBox="1"/>
                   <p:nvPr/>
                 </p:nvSpPr>
@@ -5342,23 +5116,21 @@
                   <a:p>
                     <a:r>
                       <a:rPr lang="en-US" sz="2800" dirty="0">
-                        <a:latin typeface="Arial" panose="020B0604020202020204" pitchFamily="34" charset="0"/>
-                        <a:cs typeface="Arial" panose="020B0604020202020204" pitchFamily="34" charset="0"/>
+                        <a:latin typeface="Arial" panose="02080604020202020204" pitchFamily="34" charset="0"/>
+                        <a:cs typeface="Arial" panose="02080604020202020204" pitchFamily="34" charset="0"/>
                       </a:rPr>
                       <a:t>4</a:t>
                     </a:r>
+                    <a:endParaRPr lang="en-US" sz="2800" dirty="0">
+                      <a:latin typeface="Arial" panose="02080604020202020204" pitchFamily="34" charset="0"/>
+                      <a:cs typeface="Arial" panose="02080604020202020204" pitchFamily="34" charset="0"/>
+                    </a:endParaRPr>
                   </a:p>
                 </p:txBody>
               </p:sp>
               <p:sp>
                 <p:nvSpPr>
-                  <p:cNvPr id="118" name="TextBox 117">
-                    <a:extLst>
-                      <a:ext uri="{FF2B5EF4-FFF2-40B4-BE49-F238E27FC236}">
-                        <a16:creationId xmlns:a16="http://schemas.microsoft.com/office/drawing/2014/main" id="{1F474D3A-4114-5042-51C5-775ED8626FAF}"/>
-                      </a:ext>
-                    </a:extLst>
-                  </p:cNvPr>
+                  <p:cNvPr id="118" name="TextBox 117"/>
                   <p:cNvSpPr txBox="1"/>
                   <p:nvPr/>
                 </p:nvSpPr>
@@ -5380,23 +5152,21 @@
                   <a:p>
                     <a:r>
                       <a:rPr lang="en-US" sz="2800" dirty="0">
-                        <a:latin typeface="Arial" panose="020B0604020202020204" pitchFamily="34" charset="0"/>
-                        <a:cs typeface="Arial" panose="020B0604020202020204" pitchFamily="34" charset="0"/>
+                        <a:latin typeface="Arial" panose="02080604020202020204" pitchFamily="34" charset="0"/>
+                        <a:cs typeface="Arial" panose="02080604020202020204" pitchFamily="34" charset="0"/>
                       </a:rPr>
                       <a:t>8</a:t>
                     </a:r>
+                    <a:endParaRPr lang="en-US" sz="2800" dirty="0">
+                      <a:latin typeface="Arial" panose="02080604020202020204" pitchFamily="34" charset="0"/>
+                      <a:cs typeface="Arial" panose="02080604020202020204" pitchFamily="34" charset="0"/>
+                    </a:endParaRPr>
                   </a:p>
                 </p:txBody>
               </p:sp>
               <p:sp>
                 <p:nvSpPr>
-                  <p:cNvPr id="119" name="TextBox 118">
-                    <a:extLst>
-                      <a:ext uri="{FF2B5EF4-FFF2-40B4-BE49-F238E27FC236}">
-                        <a16:creationId xmlns:a16="http://schemas.microsoft.com/office/drawing/2014/main" id="{1354CF73-0FE6-119D-A43C-1548E6450F45}"/>
-                      </a:ext>
-                    </a:extLst>
-                  </p:cNvPr>
+                  <p:cNvPr id="119" name="TextBox 118"/>
                   <p:cNvSpPr txBox="1"/>
                   <p:nvPr/>
                 </p:nvSpPr>
@@ -5418,23 +5188,21 @@
                   <a:p>
                     <a:r>
                       <a:rPr lang="en-US" sz="2800" dirty="0">
-                        <a:latin typeface="Arial" panose="020B0604020202020204" pitchFamily="34" charset="0"/>
-                        <a:cs typeface="Arial" panose="020B0604020202020204" pitchFamily="34" charset="0"/>
+                        <a:latin typeface="Arial" panose="02080604020202020204" pitchFamily="34" charset="0"/>
+                        <a:cs typeface="Arial" panose="02080604020202020204" pitchFamily="34" charset="0"/>
                       </a:rPr>
                       <a:t>1</a:t>
                     </a:r>
+                    <a:endParaRPr lang="en-US" sz="2800" dirty="0">
+                      <a:latin typeface="Arial" panose="02080604020202020204" pitchFamily="34" charset="0"/>
+                      <a:cs typeface="Arial" panose="02080604020202020204" pitchFamily="34" charset="0"/>
+                    </a:endParaRPr>
                   </a:p>
                 </p:txBody>
               </p:sp>
               <p:sp>
                 <p:nvSpPr>
-                  <p:cNvPr id="120" name="TextBox 119">
-                    <a:extLst>
-                      <a:ext uri="{FF2B5EF4-FFF2-40B4-BE49-F238E27FC236}">
-                        <a16:creationId xmlns:a16="http://schemas.microsoft.com/office/drawing/2014/main" id="{3C8C3FA0-EAB5-D87E-8AA2-67A02DFF4652}"/>
-                      </a:ext>
-                    </a:extLst>
-                  </p:cNvPr>
+                  <p:cNvPr id="120" name="TextBox 119"/>
                   <p:cNvSpPr txBox="1"/>
                   <p:nvPr/>
                 </p:nvSpPr>
@@ -5456,23 +5224,21 @@
                   <a:p>
                     <a:r>
                       <a:rPr lang="en-US" sz="2800" dirty="0">
-                        <a:latin typeface="Arial" panose="020B0604020202020204" pitchFamily="34" charset="0"/>
-                        <a:cs typeface="Arial" panose="020B0604020202020204" pitchFamily="34" charset="0"/>
+                        <a:latin typeface="Arial" panose="02080604020202020204" pitchFamily="34" charset="0"/>
+                        <a:cs typeface="Arial" panose="02080604020202020204" pitchFamily="34" charset="0"/>
                       </a:rPr>
                       <a:t>2</a:t>
                     </a:r>
+                    <a:endParaRPr lang="en-US" sz="2800" dirty="0">
+                      <a:latin typeface="Arial" panose="02080604020202020204" pitchFamily="34" charset="0"/>
+                      <a:cs typeface="Arial" panose="02080604020202020204" pitchFamily="34" charset="0"/>
+                    </a:endParaRPr>
                   </a:p>
                 </p:txBody>
               </p:sp>
               <p:sp>
                 <p:nvSpPr>
-                  <p:cNvPr id="121" name="TextBox 120">
-                    <a:extLst>
-                      <a:ext uri="{FF2B5EF4-FFF2-40B4-BE49-F238E27FC236}">
-                        <a16:creationId xmlns:a16="http://schemas.microsoft.com/office/drawing/2014/main" id="{10DF39A5-CBA5-8D59-9FD8-D12B0BD45FC6}"/>
-                      </a:ext>
-                    </a:extLst>
-                  </p:cNvPr>
+                  <p:cNvPr id="121" name="TextBox 120"/>
                   <p:cNvSpPr txBox="1"/>
                   <p:nvPr/>
                 </p:nvSpPr>
@@ -5494,26 +5260,23 @@
                   <a:p>
                     <a:r>
                       <a:rPr lang="en-US" sz="2800" dirty="0">
-                        <a:latin typeface="Arial" panose="020B0604020202020204" pitchFamily="34" charset="0"/>
-                        <a:cs typeface="Arial" panose="020B0604020202020204" pitchFamily="34" charset="0"/>
+                        <a:latin typeface="Arial" panose="02080604020202020204" pitchFamily="34" charset="0"/>
+                        <a:cs typeface="Arial" panose="02080604020202020204" pitchFamily="34" charset="0"/>
                       </a:rPr>
                       <a:t>3</a:t>
                     </a:r>
+                    <a:endParaRPr lang="en-US" sz="2800" dirty="0">
+                      <a:latin typeface="Arial" panose="02080604020202020204" pitchFamily="34" charset="0"/>
+                      <a:cs typeface="Arial" panose="02080604020202020204" pitchFamily="34" charset="0"/>
+                    </a:endParaRPr>
                   </a:p>
                 </p:txBody>
               </p:sp>
             </p:grpSp>
             <p:cxnSp>
               <p:nvCxnSpPr>
-                <p:cNvPr id="127" name="Straight Arrow Connector 126">
-                  <a:extLst>
-                    <a:ext uri="{FF2B5EF4-FFF2-40B4-BE49-F238E27FC236}">
-                      <a16:creationId xmlns:a16="http://schemas.microsoft.com/office/drawing/2014/main" id="{5C399103-1A07-3304-217F-1B36AB475419}"/>
-                    </a:ext>
-                  </a:extLst>
-                </p:cNvPr>
+                <p:cNvPr id="127" name="Straight Arrow Connector 126"/>
                 <p:cNvCxnSpPr>
-                  <a:cxnSpLocks/>
                   <a:stCxn id="42" idx="0"/>
                 </p:cNvCxnSpPr>
                 <p:nvPr/>
@@ -5552,16 +5315,8 @@
             </p:cxnSp>
             <p:cxnSp>
               <p:nvCxnSpPr>
-                <p:cNvPr id="139" name="Straight Arrow Connector 138">
-                  <a:extLst>
-                    <a:ext uri="{FF2B5EF4-FFF2-40B4-BE49-F238E27FC236}">
-                      <a16:creationId xmlns:a16="http://schemas.microsoft.com/office/drawing/2014/main" id="{0B87EA96-FB71-1382-B61C-DD03D3CA2BEC}"/>
-                    </a:ext>
-                  </a:extLst>
-                </p:cNvPr>
-                <p:cNvCxnSpPr>
-                  <a:cxnSpLocks/>
-                </p:cNvCxnSpPr>
+                <p:cNvPr id="139" name="Straight Arrow Connector 138"/>
+                <p:cNvCxnSpPr/>
                 <p:nvPr/>
               </p:nvCxnSpPr>
               <p:spPr>
@@ -5599,13 +5354,7 @@
           </p:grpSp>
           <p:sp>
             <p:nvSpPr>
-              <p:cNvPr id="155" name="Rectangle 154">
-                <a:extLst>
-                  <a:ext uri="{FF2B5EF4-FFF2-40B4-BE49-F238E27FC236}">
-                    <a16:creationId xmlns:a16="http://schemas.microsoft.com/office/drawing/2014/main" id="{611E2C46-E9A7-A212-CD47-D3FE17B31F86}"/>
-                  </a:ext>
-                </a:extLst>
-              </p:cNvPr>
+              <p:cNvPr id="155" name="Rectangle 154"/>
               <p:cNvSpPr/>
               <p:nvPr/>
             </p:nvSpPr>
@@ -5656,13 +5405,7 @@
         </p:grpSp>
         <p:sp>
           <p:nvSpPr>
-            <p:cNvPr id="157" name="Isosceles Triangle 156">
-              <a:extLst>
-                <a:ext uri="{FF2B5EF4-FFF2-40B4-BE49-F238E27FC236}">
-                  <a16:creationId xmlns:a16="http://schemas.microsoft.com/office/drawing/2014/main" id="{6725EFC9-B2A3-C2D5-F155-C75A61ADA930}"/>
-                </a:ext>
-              </a:extLst>
-            </p:cNvPr>
+            <p:cNvPr id="157" name="Isosceles Triangle 156"/>
             <p:cNvSpPr/>
             <p:nvPr/>
           </p:nvSpPr>
@@ -5714,16 +5457,8 @@
         </p:sp>
         <p:cxnSp>
           <p:nvCxnSpPr>
-            <p:cNvPr id="5" name="Straight Connector 4">
-              <a:extLst>
-                <a:ext uri="{FF2B5EF4-FFF2-40B4-BE49-F238E27FC236}">
-                  <a16:creationId xmlns:a16="http://schemas.microsoft.com/office/drawing/2014/main" id="{E4B91BC3-EEAA-CD02-DEF6-EDAF16BE5164}"/>
-                </a:ext>
-              </a:extLst>
-            </p:cNvPr>
-            <p:cNvCxnSpPr>
-              <a:cxnSpLocks/>
-            </p:cNvCxnSpPr>
+            <p:cNvPr id="5" name="Straight Connector 4"/>
+            <p:cNvCxnSpPr/>
             <p:nvPr/>
           </p:nvCxnSpPr>
           <p:spPr>
@@ -5757,16 +5492,8 @@
         </p:cxnSp>
         <p:cxnSp>
           <p:nvCxnSpPr>
-            <p:cNvPr id="31" name="Straight Connector 30">
-              <a:extLst>
-                <a:ext uri="{FF2B5EF4-FFF2-40B4-BE49-F238E27FC236}">
-                  <a16:creationId xmlns:a16="http://schemas.microsoft.com/office/drawing/2014/main" id="{AC3E9F57-7C33-3127-3F42-63307FD7AC4B}"/>
-                </a:ext>
-              </a:extLst>
-            </p:cNvPr>
-            <p:cNvCxnSpPr>
-              <a:cxnSpLocks/>
-            </p:cNvCxnSpPr>
+            <p:cNvPr id="31" name="Straight Connector 30"/>
+            <p:cNvCxnSpPr/>
             <p:nvPr/>
           </p:nvCxnSpPr>
           <p:spPr>
@@ -5800,16 +5527,8 @@
         </p:cxnSp>
         <p:cxnSp>
           <p:nvCxnSpPr>
-            <p:cNvPr id="43" name="Straight Connector 42">
-              <a:extLst>
-                <a:ext uri="{FF2B5EF4-FFF2-40B4-BE49-F238E27FC236}">
-                  <a16:creationId xmlns:a16="http://schemas.microsoft.com/office/drawing/2014/main" id="{7AEB01E6-7BE1-D85D-066C-CF8BE77F7D09}"/>
-                </a:ext>
-              </a:extLst>
-            </p:cNvPr>
-            <p:cNvCxnSpPr>
-              <a:cxnSpLocks/>
-            </p:cNvCxnSpPr>
+            <p:cNvPr id="43" name="Straight Connector 42"/>
+            <p:cNvCxnSpPr/>
             <p:nvPr/>
           </p:nvCxnSpPr>
           <p:spPr>
@@ -5843,16 +5562,8 @@
         </p:cxnSp>
         <p:cxnSp>
           <p:nvCxnSpPr>
-            <p:cNvPr id="47" name="Straight Connector 46">
-              <a:extLst>
-                <a:ext uri="{FF2B5EF4-FFF2-40B4-BE49-F238E27FC236}">
-                  <a16:creationId xmlns:a16="http://schemas.microsoft.com/office/drawing/2014/main" id="{4C6FA95A-53C4-61FC-D56D-9C215970F306}"/>
-                </a:ext>
-              </a:extLst>
-            </p:cNvPr>
-            <p:cNvCxnSpPr>
-              <a:cxnSpLocks/>
-            </p:cNvCxnSpPr>
+            <p:cNvPr id="47" name="Straight Connector 46"/>
+            <p:cNvCxnSpPr/>
             <p:nvPr/>
           </p:nvCxnSpPr>
           <p:spPr>
@@ -5886,13 +5597,7 @@
         </p:cxnSp>
         <p:sp>
           <p:nvSpPr>
-            <p:cNvPr id="56" name="TextBox 55">
-              <a:extLst>
-                <a:ext uri="{FF2B5EF4-FFF2-40B4-BE49-F238E27FC236}">
-                  <a16:creationId xmlns:a16="http://schemas.microsoft.com/office/drawing/2014/main" id="{80D59E4F-AC4C-400F-8A16-839D5FCC90FC}"/>
-                </a:ext>
-              </a:extLst>
-            </p:cNvPr>
+            <p:cNvPr id="56" name="TextBox 55"/>
             <p:cNvSpPr txBox="1"/>
             <p:nvPr/>
           </p:nvSpPr>
@@ -5914,23 +5619,21 @@
             <a:p>
               <a:r>
                 <a:rPr lang="en-US" sz="2800" dirty="0">
-                  <a:latin typeface="Arial" panose="020B0604020202020204" pitchFamily="34" charset="0"/>
-                  <a:cs typeface="Arial" panose="020B0604020202020204" pitchFamily="34" charset="0"/>
+                  <a:latin typeface="Arial" panose="02080604020202020204" pitchFamily="34" charset="0"/>
+                  <a:cs typeface="Arial" panose="02080604020202020204" pitchFamily="34" charset="0"/>
                 </a:rPr>
                 <a:t>2.5</a:t>
               </a:r>
+              <a:endParaRPr lang="en-US" sz="2800" dirty="0">
+                <a:latin typeface="Arial" panose="02080604020202020204" pitchFamily="34" charset="0"/>
+                <a:cs typeface="Arial" panose="02080604020202020204" pitchFamily="34" charset="0"/>
+              </a:endParaRPr>
             </a:p>
           </p:txBody>
         </p:sp>
         <p:sp>
           <p:nvSpPr>
-            <p:cNvPr id="57" name="TextBox 56">
-              <a:extLst>
-                <a:ext uri="{FF2B5EF4-FFF2-40B4-BE49-F238E27FC236}">
-                  <a16:creationId xmlns:a16="http://schemas.microsoft.com/office/drawing/2014/main" id="{9E246A74-514C-5F54-7507-B2C791C67AF1}"/>
-                </a:ext>
-              </a:extLst>
-            </p:cNvPr>
+            <p:cNvPr id="57" name="TextBox 56"/>
             <p:cNvSpPr txBox="1"/>
             <p:nvPr/>
           </p:nvSpPr>
@@ -5952,23 +5655,21 @@
             <a:p>
               <a:r>
                 <a:rPr lang="en-US" sz="2800" dirty="0">
-                  <a:latin typeface="Arial" panose="020B0604020202020204" pitchFamily="34" charset="0"/>
-                  <a:cs typeface="Arial" panose="020B0604020202020204" pitchFamily="34" charset="0"/>
+                  <a:latin typeface="Arial" panose="02080604020202020204" pitchFamily="34" charset="0"/>
+                  <a:cs typeface="Arial" panose="02080604020202020204" pitchFamily="34" charset="0"/>
                 </a:rPr>
                 <a:t>-2.5</a:t>
               </a:r>
+              <a:endParaRPr lang="en-US" sz="2800" dirty="0">
+                <a:latin typeface="Arial" panose="02080604020202020204" pitchFamily="34" charset="0"/>
+                <a:cs typeface="Arial" panose="02080604020202020204" pitchFamily="34" charset="0"/>
+              </a:endParaRPr>
             </a:p>
           </p:txBody>
         </p:sp>
         <p:sp>
           <p:nvSpPr>
-            <p:cNvPr id="64" name="TextBox 63">
-              <a:extLst>
-                <a:ext uri="{FF2B5EF4-FFF2-40B4-BE49-F238E27FC236}">
-                  <a16:creationId xmlns:a16="http://schemas.microsoft.com/office/drawing/2014/main" id="{9A09B7DA-6093-CE30-D008-A37748EED03A}"/>
-                </a:ext>
-              </a:extLst>
-            </p:cNvPr>
+            <p:cNvPr id="64" name="TextBox 63"/>
             <p:cNvSpPr txBox="1"/>
             <p:nvPr/>
           </p:nvSpPr>
@@ -5990,23 +5691,21 @@
             <a:p>
               <a:r>
                 <a:rPr lang="en-US" sz="2800" dirty="0">
-                  <a:latin typeface="Arial" panose="020B0604020202020204" pitchFamily="34" charset="0"/>
-                  <a:cs typeface="Arial" panose="020B0604020202020204" pitchFamily="34" charset="0"/>
+                  <a:latin typeface="Arial" panose="02080604020202020204" pitchFamily="34" charset="0"/>
+                  <a:cs typeface="Arial" panose="02080604020202020204" pitchFamily="34" charset="0"/>
                 </a:rPr>
                 <a:t>-1.25</a:t>
               </a:r>
+              <a:endParaRPr lang="en-US" sz="2800" dirty="0">
+                <a:latin typeface="Arial" panose="02080604020202020204" pitchFamily="34" charset="0"/>
+                <a:cs typeface="Arial" panose="02080604020202020204" pitchFamily="34" charset="0"/>
+              </a:endParaRPr>
             </a:p>
           </p:txBody>
         </p:sp>
         <p:sp>
           <p:nvSpPr>
-            <p:cNvPr id="65" name="TextBox 64">
-              <a:extLst>
-                <a:ext uri="{FF2B5EF4-FFF2-40B4-BE49-F238E27FC236}">
-                  <a16:creationId xmlns:a16="http://schemas.microsoft.com/office/drawing/2014/main" id="{C47473C4-99F9-1AA4-9C9D-0888CF243F3B}"/>
-                </a:ext>
-              </a:extLst>
-            </p:cNvPr>
+            <p:cNvPr id="65" name="TextBox 64"/>
             <p:cNvSpPr txBox="1"/>
             <p:nvPr/>
           </p:nvSpPr>
@@ -6028,26 +5727,22 @@
             <a:p>
               <a:r>
                 <a:rPr lang="en-US" sz="2800" dirty="0">
-                  <a:latin typeface="Arial" panose="020B0604020202020204" pitchFamily="34" charset="0"/>
-                  <a:cs typeface="Arial" panose="020B0604020202020204" pitchFamily="34" charset="0"/>
+                  <a:latin typeface="Arial" panose="02080604020202020204" pitchFamily="34" charset="0"/>
+                  <a:cs typeface="Arial" panose="02080604020202020204" pitchFamily="34" charset="0"/>
                 </a:rPr>
                 <a:t>1.25</a:t>
               </a:r>
+              <a:endParaRPr lang="en-US" sz="2800" dirty="0">
+                <a:latin typeface="Arial" panose="02080604020202020204" pitchFamily="34" charset="0"/>
+                <a:cs typeface="Arial" panose="02080604020202020204" pitchFamily="34" charset="0"/>
+              </a:endParaRPr>
             </a:p>
           </p:txBody>
         </p:sp>
         <p:cxnSp>
           <p:nvCxnSpPr>
-            <p:cNvPr id="66" name="Straight Connector 65">
-              <a:extLst>
-                <a:ext uri="{FF2B5EF4-FFF2-40B4-BE49-F238E27FC236}">
-                  <a16:creationId xmlns:a16="http://schemas.microsoft.com/office/drawing/2014/main" id="{2A8346A1-F477-9927-F2B0-98A9AB380A2F}"/>
-                </a:ext>
-              </a:extLst>
-            </p:cNvPr>
-            <p:cNvCxnSpPr>
-              <a:cxnSpLocks/>
-            </p:cNvCxnSpPr>
+            <p:cNvPr id="66" name="Straight Connector 65"/>
+            <p:cNvCxnSpPr/>
             <p:nvPr/>
           </p:nvCxnSpPr>
           <p:spPr>
@@ -6081,16 +5776,8 @@
         </p:cxnSp>
         <p:cxnSp>
           <p:nvCxnSpPr>
-            <p:cNvPr id="67" name="Straight Connector 66">
-              <a:extLst>
-                <a:ext uri="{FF2B5EF4-FFF2-40B4-BE49-F238E27FC236}">
-                  <a16:creationId xmlns:a16="http://schemas.microsoft.com/office/drawing/2014/main" id="{A2C64778-B98C-EDB3-9023-BD63ADC0757F}"/>
-                </a:ext>
-              </a:extLst>
-            </p:cNvPr>
-            <p:cNvCxnSpPr>
-              <a:cxnSpLocks/>
-            </p:cNvCxnSpPr>
+            <p:cNvPr id="67" name="Straight Connector 66"/>
+            <p:cNvCxnSpPr/>
             <p:nvPr/>
           </p:nvCxnSpPr>
           <p:spPr>
@@ -6124,16 +5811,8 @@
         </p:cxnSp>
         <p:cxnSp>
           <p:nvCxnSpPr>
-            <p:cNvPr id="68" name="Straight Connector 67">
-              <a:extLst>
-                <a:ext uri="{FF2B5EF4-FFF2-40B4-BE49-F238E27FC236}">
-                  <a16:creationId xmlns:a16="http://schemas.microsoft.com/office/drawing/2014/main" id="{6FA2CD2B-5469-AD36-39FC-B2F26E0753E6}"/>
-                </a:ext>
-              </a:extLst>
-            </p:cNvPr>
-            <p:cNvCxnSpPr>
-              <a:cxnSpLocks/>
-            </p:cNvCxnSpPr>
+            <p:cNvPr id="68" name="Straight Connector 67"/>
+            <p:cNvCxnSpPr/>
             <p:nvPr/>
           </p:nvCxnSpPr>
           <p:spPr>
@@ -6167,13 +5846,7 @@
         </p:cxnSp>
         <p:sp>
           <p:nvSpPr>
-            <p:cNvPr id="69" name="TextBox 68">
-              <a:extLst>
-                <a:ext uri="{FF2B5EF4-FFF2-40B4-BE49-F238E27FC236}">
-                  <a16:creationId xmlns:a16="http://schemas.microsoft.com/office/drawing/2014/main" id="{496184F0-1968-ABD0-EF0F-958E800E49FD}"/>
-                </a:ext>
-              </a:extLst>
-            </p:cNvPr>
+            <p:cNvPr id="69" name="TextBox 68"/>
             <p:cNvSpPr txBox="1"/>
             <p:nvPr/>
           </p:nvSpPr>
@@ -6195,23 +5868,21 @@
             <a:p>
               <a:r>
                 <a:rPr lang="en-US" sz="2800" dirty="0">
-                  <a:latin typeface="Arial" panose="020B0604020202020204" pitchFamily="34" charset="0"/>
-                  <a:cs typeface="Arial" panose="020B0604020202020204" pitchFamily="34" charset="0"/>
+                  <a:latin typeface="Arial" panose="02080604020202020204" pitchFamily="34" charset="0"/>
+                  <a:cs typeface="Arial" panose="02080604020202020204" pitchFamily="34" charset="0"/>
                 </a:rPr>
                 <a:t>0.0</a:t>
               </a:r>
+              <a:endParaRPr lang="en-US" sz="2800" dirty="0">
+                <a:latin typeface="Arial" panose="02080604020202020204" pitchFamily="34" charset="0"/>
+                <a:cs typeface="Arial" panose="02080604020202020204" pitchFamily="34" charset="0"/>
+              </a:endParaRPr>
             </a:p>
           </p:txBody>
         </p:sp>
         <p:sp>
           <p:nvSpPr>
-            <p:cNvPr id="70" name="TextBox 69">
-              <a:extLst>
-                <a:ext uri="{FF2B5EF4-FFF2-40B4-BE49-F238E27FC236}">
-                  <a16:creationId xmlns:a16="http://schemas.microsoft.com/office/drawing/2014/main" id="{AF5B8A87-6DCA-69A5-14EA-6713FAB76756}"/>
-                </a:ext>
-              </a:extLst>
-            </p:cNvPr>
+            <p:cNvPr id="70" name="TextBox 69"/>
             <p:cNvSpPr txBox="1"/>
             <p:nvPr/>
           </p:nvSpPr>
@@ -6233,23 +5904,21 @@
             <a:p>
               <a:r>
                 <a:rPr lang="en-US" sz="2800" dirty="0">
-                  <a:latin typeface="Arial" panose="020B0604020202020204" pitchFamily="34" charset="0"/>
-                  <a:cs typeface="Arial" panose="020B0604020202020204" pitchFamily="34" charset="0"/>
+                  <a:latin typeface="Arial" panose="02080604020202020204" pitchFamily="34" charset="0"/>
+                  <a:cs typeface="Arial" panose="02080604020202020204" pitchFamily="34" charset="0"/>
                 </a:rPr>
                 <a:t>-1.25</a:t>
               </a:r>
+              <a:endParaRPr lang="en-US" sz="2800" dirty="0">
+                <a:latin typeface="Arial" panose="02080604020202020204" pitchFamily="34" charset="0"/>
+                <a:cs typeface="Arial" panose="02080604020202020204" pitchFamily="34" charset="0"/>
+              </a:endParaRPr>
             </a:p>
           </p:txBody>
         </p:sp>
         <p:sp>
           <p:nvSpPr>
-            <p:cNvPr id="71" name="TextBox 70">
-              <a:extLst>
-                <a:ext uri="{FF2B5EF4-FFF2-40B4-BE49-F238E27FC236}">
-                  <a16:creationId xmlns:a16="http://schemas.microsoft.com/office/drawing/2014/main" id="{E885F7CF-B175-B32C-67EA-7284DA1701C7}"/>
-                </a:ext>
-              </a:extLst>
-            </p:cNvPr>
+            <p:cNvPr id="71" name="TextBox 70"/>
             <p:cNvSpPr txBox="1"/>
             <p:nvPr/>
           </p:nvSpPr>
@@ -6271,26 +5940,22 @@
             <a:p>
               <a:r>
                 <a:rPr lang="en-US" sz="2800" dirty="0">
-                  <a:latin typeface="Arial" panose="020B0604020202020204" pitchFamily="34" charset="0"/>
-                  <a:cs typeface="Arial" panose="020B0604020202020204" pitchFamily="34" charset="0"/>
+                  <a:latin typeface="Arial" panose="02080604020202020204" pitchFamily="34" charset="0"/>
+                  <a:cs typeface="Arial" panose="02080604020202020204" pitchFamily="34" charset="0"/>
                 </a:rPr>
                 <a:t>1.25</a:t>
               </a:r>
+              <a:endParaRPr lang="en-US" sz="2800" dirty="0">
+                <a:latin typeface="Arial" panose="02080604020202020204" pitchFamily="34" charset="0"/>
+                <a:cs typeface="Arial" panose="02080604020202020204" pitchFamily="34" charset="0"/>
+              </a:endParaRPr>
             </a:p>
           </p:txBody>
         </p:sp>
         <p:cxnSp>
           <p:nvCxnSpPr>
-            <p:cNvPr id="72" name="Straight Connector 71">
-              <a:extLst>
-                <a:ext uri="{FF2B5EF4-FFF2-40B4-BE49-F238E27FC236}">
-                  <a16:creationId xmlns:a16="http://schemas.microsoft.com/office/drawing/2014/main" id="{5A3FC565-CE94-3D13-2AD9-493D3C5E3C0A}"/>
-                </a:ext>
-              </a:extLst>
-            </p:cNvPr>
-            <p:cNvCxnSpPr>
-              <a:cxnSpLocks/>
-            </p:cNvCxnSpPr>
+            <p:cNvPr id="72" name="Straight Connector 71"/>
+            <p:cNvCxnSpPr/>
             <p:nvPr/>
           </p:nvCxnSpPr>
           <p:spPr>
@@ -6324,13 +5989,7 @@
         </p:cxnSp>
         <p:sp>
           <p:nvSpPr>
-            <p:cNvPr id="73" name="TextBox 72">
-              <a:extLst>
-                <a:ext uri="{FF2B5EF4-FFF2-40B4-BE49-F238E27FC236}">
-                  <a16:creationId xmlns:a16="http://schemas.microsoft.com/office/drawing/2014/main" id="{65141169-502B-6BD0-87B0-98DCA6D75B77}"/>
-                </a:ext>
-              </a:extLst>
-            </p:cNvPr>
+            <p:cNvPr id="73" name="TextBox 72"/>
             <p:cNvSpPr txBox="1"/>
             <p:nvPr/>
           </p:nvSpPr>
@@ -6352,21 +6011,20 @@
             <a:p>
               <a:r>
                 <a:rPr lang="en-US" sz="2800" dirty="0">
-                  <a:latin typeface="Arial" panose="020B0604020202020204" pitchFamily="34" charset="0"/>
-                  <a:cs typeface="Arial" panose="020B0604020202020204" pitchFamily="34" charset="0"/>
+                  <a:latin typeface="Arial" panose="02080604020202020204" pitchFamily="34" charset="0"/>
+                  <a:cs typeface="Arial" panose="02080604020202020204" pitchFamily="34" charset="0"/>
                 </a:rPr>
                 <a:t>2.5</a:t>
               </a:r>
+              <a:endParaRPr lang="en-US" sz="2800" dirty="0">
+                <a:latin typeface="Arial" panose="02080604020202020204" pitchFamily="34" charset="0"/>
+                <a:cs typeface="Arial" panose="02080604020202020204" pitchFamily="34" charset="0"/>
+              </a:endParaRPr>
             </a:p>
           </p:txBody>
         </p:sp>
       </p:grpSp>
     </p:spTree>
-    <p:extLst>
-      <p:ext uri="{BB962C8B-B14F-4D97-AF65-F5344CB8AC3E}">
-        <p14:creationId xmlns:p14="http://schemas.microsoft.com/office/powerpoint/2010/main" val="250240709"/>
-      </p:ext>
-    </p:extLst>
   </p:cSld>
   <p:clrMapOvr>
     <a:masterClrMapping/>
@@ -6393,13 +6051,7 @@
       </p:grpSpPr>
       <p:grpSp>
         <p:nvGrpSpPr>
-          <p:cNvPr id="14" name="Group 13">
-            <a:extLst>
-              <a:ext uri="{FF2B5EF4-FFF2-40B4-BE49-F238E27FC236}">
-                <a16:creationId xmlns:a16="http://schemas.microsoft.com/office/drawing/2014/main" id="{AC933E5E-4FF4-4A26-3BFC-2FEF6396583E}"/>
-              </a:ext>
-            </a:extLst>
-          </p:cNvPr>
+          <p:cNvPr id="14" name="Group 13"/>
           <p:cNvGrpSpPr/>
           <p:nvPr/>
         </p:nvGrpSpPr>
@@ -6413,13 +6065,38 @@
         </p:grpSpPr>
         <p:pic>
           <p:nvPicPr>
-            <p:cNvPr id="9" name="Picture 8">
+            <p:cNvPr id="9" name="Picture 8"/>
+            <p:cNvPicPr>
+              <a:picLocks noChangeAspect="1"/>
+            </p:cNvPicPr>
+            <p:nvPr/>
+          </p:nvPicPr>
+          <p:blipFill>
+            <a:blip r:embed="rId1">
               <a:extLst>
-                <a:ext uri="{FF2B5EF4-FFF2-40B4-BE49-F238E27FC236}">
-                  <a16:creationId xmlns:a16="http://schemas.microsoft.com/office/drawing/2014/main" id="{AF7858B1-EAFA-FFBF-722B-0071D87CEAAA}"/>
+                <a:ext uri="{28A0092B-C50C-407E-A947-70E740481C1C}">
+                  <a14:useLocalDpi xmlns:a14="http://schemas.microsoft.com/office/drawing/2010/main" val="0"/>
                 </a:ext>
               </a:extLst>
-            </p:cNvPr>
+            </a:blip>
+            <a:srcRect/>
+            <a:stretch>
+              <a:fillRect/>
+            </a:stretch>
+          </p:blipFill>
+          <p:spPr>
+            <a:xfrm>
+              <a:off x="6681247" y="203053"/>
+              <a:ext cx="5097804" cy="4746538"/>
+            </a:xfrm>
+            <a:prstGeom prst="rect">
+              <a:avLst/>
+            </a:prstGeom>
+          </p:spPr>
+        </p:pic>
+        <p:pic>
+          <p:nvPicPr>
+            <p:cNvPr id="11" name="Picture 10"/>
             <p:cNvPicPr>
               <a:picLocks noChangeAspect="1"/>
             </p:cNvPicPr>
@@ -6434,42 +6111,9 @@
               </a:extLst>
             </a:blip>
             <a:srcRect/>
-            <a:stretch/>
-          </p:blipFill>
-          <p:spPr>
-            <a:xfrm>
-              <a:off x="6681247" y="203053"/>
-              <a:ext cx="5097804" cy="4746538"/>
-            </a:xfrm>
-            <a:prstGeom prst="rect">
-              <a:avLst/>
-            </a:prstGeom>
-          </p:spPr>
-        </p:pic>
-        <p:pic>
-          <p:nvPicPr>
-            <p:cNvPr id="11" name="Picture 10">
-              <a:extLst>
-                <a:ext uri="{FF2B5EF4-FFF2-40B4-BE49-F238E27FC236}">
-                  <a16:creationId xmlns:a16="http://schemas.microsoft.com/office/drawing/2014/main" id="{8793455D-29F9-9A1E-63B0-DF260CFB21DE}"/>
-                </a:ext>
-              </a:extLst>
-            </p:cNvPr>
-            <p:cNvPicPr>
-              <a:picLocks noChangeAspect="1"/>
-            </p:cNvPicPr>
-            <p:nvPr/>
-          </p:nvPicPr>
-          <p:blipFill>
-            <a:blip r:embed="rId3">
-              <a:extLst>
-                <a:ext uri="{28A0092B-C50C-407E-A947-70E740481C1C}">
-                  <a14:useLocalDpi xmlns:a14="http://schemas.microsoft.com/office/drawing/2010/main" val="0"/>
-                </a:ext>
-              </a:extLst>
-            </a:blip>
-            <a:srcRect/>
-            <a:stretch/>
+            <a:stretch>
+              <a:fillRect/>
+            </a:stretch>
           </p:blipFill>
           <p:spPr>
             <a:xfrm>
@@ -6483,13 +6127,7 @@
         </p:pic>
         <p:sp>
           <p:nvSpPr>
-            <p:cNvPr id="12" name="TextBox 11">
-              <a:extLst>
-                <a:ext uri="{FF2B5EF4-FFF2-40B4-BE49-F238E27FC236}">
-                  <a16:creationId xmlns:a16="http://schemas.microsoft.com/office/drawing/2014/main" id="{80D24E4E-A8CB-E370-D40C-A108C324A876}"/>
-                </a:ext>
-              </a:extLst>
-            </p:cNvPr>
+            <p:cNvPr id="12" name="TextBox 11"/>
             <p:cNvSpPr txBox="1"/>
             <p:nvPr/>
           </p:nvSpPr>
@@ -6511,23 +6149,21 @@
             <a:p>
               <a:r>
                 <a:rPr lang="en-US" sz="1600" dirty="0">
-                  <a:latin typeface="Arial" panose="020B0604020202020204" pitchFamily="34" charset="0"/>
-                  <a:cs typeface="Arial" panose="020B0604020202020204" pitchFamily="34" charset="0"/>
+                  <a:latin typeface="Arial" panose="02080604020202020204" pitchFamily="34" charset="0"/>
+                  <a:cs typeface="Arial" panose="02080604020202020204" pitchFamily="34" charset="0"/>
                 </a:rPr>
                 <a:t>(a)</a:t>
               </a:r>
+              <a:endParaRPr lang="en-US" sz="1600" dirty="0">
+                <a:latin typeface="Arial" panose="02080604020202020204" pitchFamily="34" charset="0"/>
+                <a:cs typeface="Arial" panose="02080604020202020204" pitchFamily="34" charset="0"/>
+              </a:endParaRPr>
             </a:p>
           </p:txBody>
         </p:sp>
         <p:sp>
           <p:nvSpPr>
-            <p:cNvPr id="13" name="TextBox 12">
-              <a:extLst>
-                <a:ext uri="{FF2B5EF4-FFF2-40B4-BE49-F238E27FC236}">
-                  <a16:creationId xmlns:a16="http://schemas.microsoft.com/office/drawing/2014/main" id="{464287A0-3171-F48D-A382-AD14F37D173A}"/>
-                </a:ext>
-              </a:extLst>
-            </p:cNvPr>
+            <p:cNvPr id="13" name="TextBox 12"/>
             <p:cNvSpPr txBox="1"/>
             <p:nvPr/>
           </p:nvSpPr>
@@ -6549,21 +6185,20 @@
             <a:p>
               <a:r>
                 <a:rPr lang="en-US" sz="1600" dirty="0">
-                  <a:latin typeface="Arial" panose="020B0604020202020204" pitchFamily="34" charset="0"/>
-                  <a:cs typeface="Arial" panose="020B0604020202020204" pitchFamily="34" charset="0"/>
+                  <a:latin typeface="Arial" panose="02080604020202020204" pitchFamily="34" charset="0"/>
+                  <a:cs typeface="Arial" panose="02080604020202020204" pitchFamily="34" charset="0"/>
                 </a:rPr>
                 <a:t>(b)</a:t>
               </a:r>
+              <a:endParaRPr lang="en-US" sz="1600" dirty="0">
+                <a:latin typeface="Arial" panose="02080604020202020204" pitchFamily="34" charset="0"/>
+                <a:cs typeface="Arial" panose="02080604020202020204" pitchFamily="34" charset="0"/>
+              </a:endParaRPr>
             </a:p>
           </p:txBody>
         </p:sp>
       </p:grpSp>
     </p:spTree>
-    <p:extLst>
-      <p:ext uri="{BB962C8B-B14F-4D97-AF65-F5344CB8AC3E}">
-        <p14:creationId xmlns:p14="http://schemas.microsoft.com/office/powerpoint/2010/main" val="2523238595"/>
-      </p:ext>
-    </p:extLst>
   </p:cSld>
   <p:clrMapOvr>
     <a:masterClrMapping/>
@@ -6590,13 +6225,7 @@
       </p:grpSpPr>
       <p:grpSp>
         <p:nvGrpSpPr>
-          <p:cNvPr id="48" name="Group 47">
-            <a:extLst>
-              <a:ext uri="{FF2B5EF4-FFF2-40B4-BE49-F238E27FC236}">
-                <a16:creationId xmlns:a16="http://schemas.microsoft.com/office/drawing/2014/main" id="{EAF8F510-1C93-9408-EEA0-919AB135351F}"/>
-              </a:ext>
-            </a:extLst>
-          </p:cNvPr>
+          <p:cNvPr id="48" name="Group 47"/>
           <p:cNvGrpSpPr/>
           <p:nvPr/>
         </p:nvGrpSpPr>
@@ -6610,13 +6239,7 @@
         </p:grpSpPr>
         <p:sp>
           <p:nvSpPr>
-            <p:cNvPr id="45" name="Rectangle 44">
-              <a:extLst>
-                <a:ext uri="{FF2B5EF4-FFF2-40B4-BE49-F238E27FC236}">
-                  <a16:creationId xmlns:a16="http://schemas.microsoft.com/office/drawing/2014/main" id="{C2DB5DFC-C8C4-BB5A-39E6-858D57501EB4}"/>
-                </a:ext>
-              </a:extLst>
-            </p:cNvPr>
+            <p:cNvPr id="45" name="Rectangle 44"/>
             <p:cNvSpPr/>
             <p:nvPr/>
           </p:nvSpPr>
@@ -6666,13 +6289,7 @@
         </p:sp>
         <p:sp>
           <p:nvSpPr>
-            <p:cNvPr id="44" name="Rectangle 43">
-              <a:extLst>
-                <a:ext uri="{FF2B5EF4-FFF2-40B4-BE49-F238E27FC236}">
-                  <a16:creationId xmlns:a16="http://schemas.microsoft.com/office/drawing/2014/main" id="{33F051B2-9753-953C-FBB1-49D222BAC2B2}"/>
-                </a:ext>
-              </a:extLst>
-            </p:cNvPr>
+            <p:cNvPr id="44" name="Rectangle 43"/>
             <p:cNvSpPr/>
             <p:nvPr/>
           </p:nvSpPr>
@@ -6722,13 +6339,7 @@
         </p:sp>
         <p:sp>
           <p:nvSpPr>
-            <p:cNvPr id="43" name="Rectangle 42">
-              <a:extLst>
-                <a:ext uri="{FF2B5EF4-FFF2-40B4-BE49-F238E27FC236}">
-                  <a16:creationId xmlns:a16="http://schemas.microsoft.com/office/drawing/2014/main" id="{9E4947DB-8E88-9234-4750-B3422CB9FCA7}"/>
-                </a:ext>
-              </a:extLst>
-            </p:cNvPr>
+            <p:cNvPr id="43" name="Rectangle 42"/>
             <p:cNvSpPr/>
             <p:nvPr/>
           </p:nvSpPr>
@@ -6779,13 +6390,7 @@
         </p:sp>
         <p:grpSp>
           <p:nvGrpSpPr>
-            <p:cNvPr id="42" name="Group 41">
-              <a:extLst>
-                <a:ext uri="{FF2B5EF4-FFF2-40B4-BE49-F238E27FC236}">
-                  <a16:creationId xmlns:a16="http://schemas.microsoft.com/office/drawing/2014/main" id="{433BCBB5-1EE8-9F61-36B4-4A6F799D75F5}"/>
-                </a:ext>
-              </a:extLst>
-            </p:cNvPr>
+            <p:cNvPr id="42" name="Group 41"/>
             <p:cNvGrpSpPr/>
             <p:nvPr/>
           </p:nvGrpSpPr>
@@ -6799,13 +6404,7 @@
           </p:grpSpPr>
           <p:grpSp>
             <p:nvGrpSpPr>
-              <p:cNvPr id="38" name="Group 37">
-                <a:extLst>
-                  <a:ext uri="{FF2B5EF4-FFF2-40B4-BE49-F238E27FC236}">
-                    <a16:creationId xmlns:a16="http://schemas.microsoft.com/office/drawing/2014/main" id="{822EB74F-CF8A-24CE-6E97-F7BE255CAAAC}"/>
-                  </a:ext>
-                </a:extLst>
-              </p:cNvPr>
+              <p:cNvPr id="38" name="Group 37"/>
               <p:cNvGrpSpPr/>
               <p:nvPr/>
             </p:nvGrpSpPr>
@@ -6819,13 +6418,69 @@
             </p:grpSpPr>
             <p:pic>
               <p:nvPicPr>
-                <p:cNvPr id="3" name="Picture 2">
+                <p:cNvPr id="3" name="Picture 2"/>
+                <p:cNvPicPr>
+                  <a:picLocks noChangeAspect="1"/>
+                </p:cNvPicPr>
+                <p:nvPr/>
+              </p:nvPicPr>
+              <p:blipFill>
+                <a:blip r:embed="rId1">
                   <a:extLst>
-                    <a:ext uri="{FF2B5EF4-FFF2-40B4-BE49-F238E27FC236}">
-                      <a16:creationId xmlns:a16="http://schemas.microsoft.com/office/drawing/2014/main" id="{50FD7F7B-B132-3797-DB73-E26975EDA272}"/>
+                    <a:ext uri="{28A0092B-C50C-407E-A947-70E740481C1C}">
+                      <a14:useLocalDpi xmlns:a14="http://schemas.microsoft.com/office/drawing/2010/main" val="0"/>
                     </a:ext>
                   </a:extLst>
-                </p:cNvPr>
+                </a:blip>
+                <a:srcRect/>
+                <a:stretch>
+                  <a:fillRect/>
+                </a:stretch>
+              </p:blipFill>
+              <p:spPr>
+                <a:xfrm>
+                  <a:off x="959013" y="145713"/>
+                  <a:ext cx="2720907" cy="2701776"/>
+                </a:xfrm>
+                <a:prstGeom prst="rect">
+                  <a:avLst/>
+                </a:prstGeom>
+              </p:spPr>
+            </p:pic>
+            <p:pic>
+              <p:nvPicPr>
+                <p:cNvPr id="5" name="Picture 4"/>
+                <p:cNvPicPr>
+                  <a:picLocks noChangeAspect="1"/>
+                </p:cNvPicPr>
+                <p:nvPr/>
+              </p:nvPicPr>
+              <p:blipFill>
+                <a:blip r:embed="rId2">
+                  <a:extLst>
+                    <a:ext uri="{28A0092B-C50C-407E-A947-70E740481C1C}">
+                      <a14:useLocalDpi xmlns:a14="http://schemas.microsoft.com/office/drawing/2010/main" val="0"/>
+                    </a:ext>
+                  </a:extLst>
+                </a:blip>
+                <a:srcRect/>
+                <a:stretch>
+                  <a:fillRect/>
+                </a:stretch>
+              </p:blipFill>
+              <p:spPr>
+                <a:xfrm>
+                  <a:off x="955787" y="3033573"/>
+                  <a:ext cx="2727358" cy="2706068"/>
+                </a:xfrm>
+                <a:prstGeom prst="rect">
+                  <a:avLst/>
+                </a:prstGeom>
+              </p:spPr>
+            </p:pic>
+            <p:pic>
+              <p:nvPicPr>
+                <p:cNvPr id="6" name="Picture 5"/>
                 <p:cNvPicPr>
                   <a:picLocks noChangeAspect="1"/>
                 </p:cNvPicPr>
@@ -6840,11 +6495,13 @@
                   </a:extLst>
                 </a:blip>
                 <a:srcRect/>
-                <a:stretch/>
+                <a:stretch>
+                  <a:fillRect/>
+                </a:stretch>
               </p:blipFill>
               <p:spPr>
                 <a:xfrm>
-                  <a:off x="959013" y="145713"/>
+                  <a:off x="4206307" y="145713"/>
                   <a:ext cx="2720907" cy="2701776"/>
                 </a:xfrm>
                 <a:prstGeom prst="rect">
@@ -6854,13 +6511,7 @@
             </p:pic>
             <p:pic>
               <p:nvPicPr>
-                <p:cNvPr id="5" name="Picture 4">
-                  <a:extLst>
-                    <a:ext uri="{FF2B5EF4-FFF2-40B4-BE49-F238E27FC236}">
-                      <a16:creationId xmlns:a16="http://schemas.microsoft.com/office/drawing/2014/main" id="{47B85F37-DF17-9ADF-EA14-403254207AC2}"/>
-                    </a:ext>
-                  </a:extLst>
-                </p:cNvPr>
+                <p:cNvPr id="7" name="Picture 6"/>
                 <p:cNvPicPr>
                   <a:picLocks noChangeAspect="1"/>
                 </p:cNvPicPr>
@@ -6875,12 +6526,14 @@
                   </a:extLst>
                 </a:blip>
                 <a:srcRect/>
-                <a:stretch/>
+                <a:stretch>
+                  <a:fillRect/>
+                </a:stretch>
               </p:blipFill>
               <p:spPr>
                 <a:xfrm>
-                  <a:off x="955787" y="3033573"/>
-                  <a:ext cx="2727358" cy="2706068"/>
+                  <a:off x="4205211" y="3033573"/>
+                  <a:ext cx="2723100" cy="2706068"/>
                 </a:xfrm>
                 <a:prstGeom prst="rect">
                   <a:avLst/>
@@ -6889,13 +6542,7 @@
             </p:pic>
             <p:pic>
               <p:nvPicPr>
-                <p:cNvPr id="6" name="Picture 5">
-                  <a:extLst>
-                    <a:ext uri="{FF2B5EF4-FFF2-40B4-BE49-F238E27FC236}">
-                      <a16:creationId xmlns:a16="http://schemas.microsoft.com/office/drawing/2014/main" id="{A7314E40-5777-C8DD-4728-BDA750FA0100}"/>
-                    </a:ext>
-                  </a:extLst>
-                </p:cNvPr>
+                <p:cNvPr id="8" name="Picture 7"/>
                 <p:cNvPicPr>
                   <a:picLocks noChangeAspect="1"/>
                 </p:cNvPicPr>
@@ -6910,12 +6557,14 @@
                   </a:extLst>
                 </a:blip>
                 <a:srcRect/>
-                <a:stretch/>
+                <a:stretch>
+                  <a:fillRect/>
+                </a:stretch>
               </p:blipFill>
               <p:spPr>
                 <a:xfrm>
-                  <a:off x="4206307" y="145713"/>
-                  <a:ext cx="2720907" cy="2701776"/>
+                  <a:off x="7421402" y="145713"/>
+                  <a:ext cx="2718781" cy="2701776"/>
                 </a:xfrm>
                 <a:prstGeom prst="rect">
                   <a:avLst/>
@@ -6924,13 +6573,7 @@
             </p:pic>
             <p:pic>
               <p:nvPicPr>
-                <p:cNvPr id="7" name="Picture 6">
-                  <a:extLst>
-                    <a:ext uri="{FF2B5EF4-FFF2-40B4-BE49-F238E27FC236}">
-                      <a16:creationId xmlns:a16="http://schemas.microsoft.com/office/drawing/2014/main" id="{4192E061-E165-D99F-DF79-59A6FFA22D9A}"/>
-                    </a:ext>
-                  </a:extLst>
-                </p:cNvPr>
+                <p:cNvPr id="10" name="Picture 9"/>
                 <p:cNvPicPr>
                   <a:picLocks noChangeAspect="1"/>
                 </p:cNvPicPr>
@@ -6945,77 +6588,9 @@
                   </a:extLst>
                 </a:blip>
                 <a:srcRect/>
-                <a:stretch/>
-              </p:blipFill>
-              <p:spPr>
-                <a:xfrm>
-                  <a:off x="4205211" y="3033573"/>
-                  <a:ext cx="2723100" cy="2706068"/>
-                </a:xfrm>
-                <a:prstGeom prst="rect">
-                  <a:avLst/>
-                </a:prstGeom>
-              </p:spPr>
-            </p:pic>
-            <p:pic>
-              <p:nvPicPr>
-                <p:cNvPr id="8" name="Picture 7">
-                  <a:extLst>
-                    <a:ext uri="{FF2B5EF4-FFF2-40B4-BE49-F238E27FC236}">
-                      <a16:creationId xmlns:a16="http://schemas.microsoft.com/office/drawing/2014/main" id="{FC7CF4DD-73D9-F621-E351-FB321B0BE514}"/>
-                    </a:ext>
-                  </a:extLst>
-                </p:cNvPr>
-                <p:cNvPicPr>
-                  <a:picLocks noChangeAspect="1"/>
-                </p:cNvPicPr>
-                <p:nvPr/>
-              </p:nvPicPr>
-              <p:blipFill>
-                <a:blip r:embed="rId7">
-                  <a:extLst>
-                    <a:ext uri="{28A0092B-C50C-407E-A947-70E740481C1C}">
-                      <a14:useLocalDpi xmlns:a14="http://schemas.microsoft.com/office/drawing/2010/main" val="0"/>
-                    </a:ext>
-                  </a:extLst>
-                </a:blip>
-                <a:srcRect/>
-                <a:stretch/>
-              </p:blipFill>
-              <p:spPr>
-                <a:xfrm>
-                  <a:off x="7421402" y="145713"/>
-                  <a:ext cx="2718781" cy="2701776"/>
-                </a:xfrm>
-                <a:prstGeom prst="rect">
-                  <a:avLst/>
-                </a:prstGeom>
-              </p:spPr>
-            </p:pic>
-            <p:pic>
-              <p:nvPicPr>
-                <p:cNvPr id="10" name="Picture 9">
-                  <a:extLst>
-                    <a:ext uri="{FF2B5EF4-FFF2-40B4-BE49-F238E27FC236}">
-                      <a16:creationId xmlns:a16="http://schemas.microsoft.com/office/drawing/2014/main" id="{706C770C-FFDA-8C8A-7CD6-D88F28ACCBF3}"/>
-                    </a:ext>
-                  </a:extLst>
-                </p:cNvPr>
-                <p:cNvPicPr>
-                  <a:picLocks noChangeAspect="1"/>
-                </p:cNvPicPr>
-                <p:nvPr/>
-              </p:nvPicPr>
-              <p:blipFill>
-                <a:blip r:embed="rId8">
-                  <a:extLst>
-                    <a:ext uri="{28A0092B-C50C-407E-A947-70E740481C1C}">
-                      <a14:useLocalDpi xmlns:a14="http://schemas.microsoft.com/office/drawing/2010/main" val="0"/>
-                    </a:ext>
-                  </a:extLst>
-                </a:blip>
-                <a:srcRect/>
-                <a:stretch/>
+                <a:stretch>
+                  <a:fillRect/>
+                </a:stretch>
               </p:blipFill>
               <p:spPr>
                 <a:xfrm>
@@ -7029,13 +6604,7 @@
             </p:pic>
             <p:sp>
               <p:nvSpPr>
-                <p:cNvPr id="15" name="TextBox 14">
-                  <a:extLst>
-                    <a:ext uri="{FF2B5EF4-FFF2-40B4-BE49-F238E27FC236}">
-                      <a16:creationId xmlns:a16="http://schemas.microsoft.com/office/drawing/2014/main" id="{C53E2374-07EF-0A13-2292-1734DED1915B}"/>
-                    </a:ext>
-                  </a:extLst>
-                </p:cNvPr>
+                <p:cNvPr id="15" name="TextBox 14"/>
                 <p:cNvSpPr txBox="1"/>
                 <p:nvPr/>
               </p:nvSpPr>
@@ -7057,23 +6626,21 @@
                 <a:p>
                   <a:r>
                     <a:rPr lang="en-US" b="1" dirty="0">
-                      <a:latin typeface="Arial" panose="020B0604020202020204" pitchFamily="34" charset="0"/>
-                      <a:cs typeface="Arial" panose="020B0604020202020204" pitchFamily="34" charset="0"/>
+                      <a:latin typeface="Arial" panose="02080604020202020204" pitchFamily="34" charset="0"/>
+                      <a:cs typeface="Arial" panose="02080604020202020204" pitchFamily="34" charset="0"/>
                     </a:rPr>
                     <a:t>a.</a:t>
                   </a:r>
+                  <a:endParaRPr lang="en-US" b="1" dirty="0">
+                    <a:latin typeface="Arial" panose="02080604020202020204" pitchFamily="34" charset="0"/>
+                    <a:cs typeface="Arial" panose="02080604020202020204" pitchFamily="34" charset="0"/>
+                  </a:endParaRPr>
                 </a:p>
               </p:txBody>
             </p:sp>
             <p:sp>
               <p:nvSpPr>
-                <p:cNvPr id="16" name="TextBox 15">
-                  <a:extLst>
-                    <a:ext uri="{FF2B5EF4-FFF2-40B4-BE49-F238E27FC236}">
-                      <a16:creationId xmlns:a16="http://schemas.microsoft.com/office/drawing/2014/main" id="{158CBB4F-AE4A-0E2E-4383-6DBCD4B610F7}"/>
-                    </a:ext>
-                  </a:extLst>
-                </p:cNvPr>
+                <p:cNvPr id="16" name="TextBox 15"/>
                 <p:cNvSpPr txBox="1"/>
                 <p:nvPr/>
               </p:nvSpPr>
@@ -7095,23 +6662,21 @@
                 <a:p>
                   <a:r>
                     <a:rPr lang="en-US" b="1" dirty="0">
-                      <a:latin typeface="Arial" panose="020B0604020202020204" pitchFamily="34" charset="0"/>
-                      <a:cs typeface="Arial" panose="020B0604020202020204" pitchFamily="34" charset="0"/>
+                      <a:latin typeface="Arial" panose="02080604020202020204" pitchFamily="34" charset="0"/>
+                      <a:cs typeface="Arial" panose="02080604020202020204" pitchFamily="34" charset="0"/>
                     </a:rPr>
                     <a:t>b.</a:t>
                   </a:r>
+                  <a:endParaRPr lang="en-US" b="1" dirty="0">
+                    <a:latin typeface="Arial" panose="02080604020202020204" pitchFamily="34" charset="0"/>
+                    <a:cs typeface="Arial" panose="02080604020202020204" pitchFamily="34" charset="0"/>
+                  </a:endParaRPr>
                 </a:p>
               </p:txBody>
             </p:sp>
             <p:sp>
               <p:nvSpPr>
-                <p:cNvPr id="17" name="TextBox 16">
-                  <a:extLst>
-                    <a:ext uri="{FF2B5EF4-FFF2-40B4-BE49-F238E27FC236}">
-                      <a16:creationId xmlns:a16="http://schemas.microsoft.com/office/drawing/2014/main" id="{A5E1C5FF-5143-C73A-2D30-1E0A8EE2FBCC}"/>
-                    </a:ext>
-                  </a:extLst>
-                </p:cNvPr>
+                <p:cNvPr id="17" name="TextBox 16"/>
                 <p:cNvSpPr txBox="1"/>
                 <p:nvPr/>
               </p:nvSpPr>
@@ -7133,23 +6698,21 @@
                 <a:p>
                   <a:r>
                     <a:rPr lang="en-US" b="1" dirty="0">
-                      <a:latin typeface="Arial" panose="020B0604020202020204" pitchFamily="34" charset="0"/>
-                      <a:cs typeface="Arial" panose="020B0604020202020204" pitchFamily="34" charset="0"/>
+                      <a:latin typeface="Arial" panose="02080604020202020204" pitchFamily="34" charset="0"/>
+                      <a:cs typeface="Arial" panose="02080604020202020204" pitchFamily="34" charset="0"/>
                     </a:rPr>
                     <a:t>c.</a:t>
                   </a:r>
+                  <a:endParaRPr lang="en-US" b="1" dirty="0">
+                    <a:latin typeface="Arial" panose="02080604020202020204" pitchFamily="34" charset="0"/>
+                    <a:cs typeface="Arial" panose="02080604020202020204" pitchFamily="34" charset="0"/>
+                  </a:endParaRPr>
                 </a:p>
               </p:txBody>
             </p:sp>
             <p:sp>
               <p:nvSpPr>
-                <p:cNvPr id="18" name="TextBox 17">
-                  <a:extLst>
-                    <a:ext uri="{FF2B5EF4-FFF2-40B4-BE49-F238E27FC236}">
-                      <a16:creationId xmlns:a16="http://schemas.microsoft.com/office/drawing/2014/main" id="{33358399-DB7C-63BC-5D72-36A71C060FEC}"/>
-                    </a:ext>
-                  </a:extLst>
-                </p:cNvPr>
+                <p:cNvPr id="18" name="TextBox 17"/>
                 <p:cNvSpPr txBox="1"/>
                 <p:nvPr/>
               </p:nvSpPr>
@@ -7171,23 +6734,21 @@
                 <a:p>
                   <a:r>
                     <a:rPr lang="en-US" b="1" dirty="0">
-                      <a:latin typeface="Arial" panose="020B0604020202020204" pitchFamily="34" charset="0"/>
-                      <a:cs typeface="Arial" panose="020B0604020202020204" pitchFamily="34" charset="0"/>
+                      <a:latin typeface="Arial" panose="02080604020202020204" pitchFamily="34" charset="0"/>
+                      <a:cs typeface="Arial" panose="02080604020202020204" pitchFamily="34" charset="0"/>
                     </a:rPr>
                     <a:t>d.</a:t>
                   </a:r>
+                  <a:endParaRPr lang="en-US" b="1" dirty="0">
+                    <a:latin typeface="Arial" panose="02080604020202020204" pitchFamily="34" charset="0"/>
+                    <a:cs typeface="Arial" panose="02080604020202020204" pitchFamily="34" charset="0"/>
+                  </a:endParaRPr>
                 </a:p>
               </p:txBody>
             </p:sp>
             <p:sp>
               <p:nvSpPr>
-                <p:cNvPr id="19" name="TextBox 18">
-                  <a:extLst>
-                    <a:ext uri="{FF2B5EF4-FFF2-40B4-BE49-F238E27FC236}">
-                      <a16:creationId xmlns:a16="http://schemas.microsoft.com/office/drawing/2014/main" id="{E0B36CB9-28B2-2B86-1156-C4961D1A69C8}"/>
-                    </a:ext>
-                  </a:extLst>
-                </p:cNvPr>
+                <p:cNvPr id="19" name="TextBox 18"/>
                 <p:cNvSpPr txBox="1"/>
                 <p:nvPr/>
               </p:nvSpPr>
@@ -7209,23 +6770,21 @@
                 <a:p>
                   <a:r>
                     <a:rPr lang="en-US" b="1" dirty="0">
-                      <a:latin typeface="Arial" panose="020B0604020202020204" pitchFamily="34" charset="0"/>
-                      <a:cs typeface="Arial" panose="020B0604020202020204" pitchFamily="34" charset="0"/>
+                      <a:latin typeface="Arial" panose="02080604020202020204" pitchFamily="34" charset="0"/>
+                      <a:cs typeface="Arial" panose="02080604020202020204" pitchFamily="34" charset="0"/>
                     </a:rPr>
                     <a:t>e.</a:t>
                   </a:r>
+                  <a:endParaRPr lang="en-US" b="1" dirty="0">
+                    <a:latin typeface="Arial" panose="02080604020202020204" pitchFamily="34" charset="0"/>
+                    <a:cs typeface="Arial" panose="02080604020202020204" pitchFamily="34" charset="0"/>
+                  </a:endParaRPr>
                 </a:p>
               </p:txBody>
             </p:sp>
             <p:sp>
               <p:nvSpPr>
-                <p:cNvPr id="20" name="TextBox 19">
-                  <a:extLst>
-                    <a:ext uri="{FF2B5EF4-FFF2-40B4-BE49-F238E27FC236}">
-                      <a16:creationId xmlns:a16="http://schemas.microsoft.com/office/drawing/2014/main" id="{4DB13010-9686-A4BC-0709-FF9AF217471D}"/>
-                    </a:ext>
-                  </a:extLst>
-                </p:cNvPr>
+                <p:cNvPr id="20" name="TextBox 19"/>
                 <p:cNvSpPr txBox="1"/>
                 <p:nvPr/>
               </p:nvSpPr>
@@ -7247,23 +6806,21 @@
                 <a:p>
                   <a:r>
                     <a:rPr lang="en-US" b="1" dirty="0">
-                      <a:latin typeface="Arial" panose="020B0604020202020204" pitchFamily="34" charset="0"/>
-                      <a:cs typeface="Arial" panose="020B0604020202020204" pitchFamily="34" charset="0"/>
+                      <a:latin typeface="Arial" panose="02080604020202020204" pitchFamily="34" charset="0"/>
+                      <a:cs typeface="Arial" panose="02080604020202020204" pitchFamily="34" charset="0"/>
                     </a:rPr>
                     <a:t>f.</a:t>
                   </a:r>
+                  <a:endParaRPr lang="en-US" b="1" dirty="0">
+                    <a:latin typeface="Arial" panose="02080604020202020204" pitchFamily="34" charset="0"/>
+                    <a:cs typeface="Arial" panose="02080604020202020204" pitchFamily="34" charset="0"/>
+                  </a:endParaRPr>
                 </a:p>
               </p:txBody>
             </p:sp>
             <p:sp>
               <p:nvSpPr>
-                <p:cNvPr id="21" name="Rectangle 20">
-                  <a:extLst>
-                    <a:ext uri="{FF2B5EF4-FFF2-40B4-BE49-F238E27FC236}">
-                      <a16:creationId xmlns:a16="http://schemas.microsoft.com/office/drawing/2014/main" id="{A066E6F5-48DA-D7C7-AA86-5C488C5A0A47}"/>
-                    </a:ext>
-                  </a:extLst>
-                </p:cNvPr>
+                <p:cNvPr id="21" name="Rectangle 20"/>
                 <p:cNvSpPr/>
                 <p:nvPr/>
               </p:nvSpPr>
@@ -7309,13 +6866,7 @@
             </p:sp>
             <p:sp>
               <p:nvSpPr>
-                <p:cNvPr id="22" name="Rectangle 21">
-                  <a:extLst>
-                    <a:ext uri="{FF2B5EF4-FFF2-40B4-BE49-F238E27FC236}">
-                      <a16:creationId xmlns:a16="http://schemas.microsoft.com/office/drawing/2014/main" id="{CF924C0C-CE23-97E7-B81A-3E706ADFA6BA}"/>
-                    </a:ext>
-                  </a:extLst>
-                </p:cNvPr>
+                <p:cNvPr id="22" name="Rectangle 21"/>
                 <p:cNvSpPr/>
                 <p:nvPr/>
               </p:nvSpPr>
@@ -7361,16 +6912,8 @@
             </p:sp>
             <p:cxnSp>
               <p:nvCxnSpPr>
-                <p:cNvPr id="25" name="Straight Arrow Connector 24">
-                  <a:extLst>
-                    <a:ext uri="{FF2B5EF4-FFF2-40B4-BE49-F238E27FC236}">
-                      <a16:creationId xmlns:a16="http://schemas.microsoft.com/office/drawing/2014/main" id="{B9DF2C5C-B31A-183A-A68B-9CD050BAC11B}"/>
-                    </a:ext>
-                  </a:extLst>
-                </p:cNvPr>
-                <p:cNvCxnSpPr>
-                  <a:cxnSpLocks/>
-                </p:cNvCxnSpPr>
+                <p:cNvPr id="25" name="Straight Arrow Connector 24"/>
+                <p:cNvCxnSpPr/>
                 <p:nvPr/>
               </p:nvCxnSpPr>
               <p:spPr>
@@ -7402,16 +6945,8 @@
             </p:cxnSp>
             <p:cxnSp>
               <p:nvCxnSpPr>
-                <p:cNvPr id="27" name="Straight Arrow Connector 26">
-                  <a:extLst>
-                    <a:ext uri="{FF2B5EF4-FFF2-40B4-BE49-F238E27FC236}">
-                      <a16:creationId xmlns:a16="http://schemas.microsoft.com/office/drawing/2014/main" id="{594548A9-F308-D159-D6B4-4812BF565C5E}"/>
-                    </a:ext>
-                  </a:extLst>
-                </p:cNvPr>
-                <p:cNvCxnSpPr>
-                  <a:cxnSpLocks/>
-                </p:cNvCxnSpPr>
+                <p:cNvPr id="27" name="Straight Arrow Connector 26"/>
+                <p:cNvCxnSpPr/>
                 <p:nvPr/>
               </p:nvCxnSpPr>
               <p:spPr>
@@ -7443,13 +6978,7 @@
             </p:cxnSp>
             <p:sp>
               <p:nvSpPr>
-                <p:cNvPr id="30" name="TextBox 29">
-                  <a:extLst>
-                    <a:ext uri="{FF2B5EF4-FFF2-40B4-BE49-F238E27FC236}">
-                      <a16:creationId xmlns:a16="http://schemas.microsoft.com/office/drawing/2014/main" id="{0327B5B9-66D6-B922-8540-E5749CEEFB6E}"/>
-                    </a:ext>
-                  </a:extLst>
-                </p:cNvPr>
+                <p:cNvPr id="30" name="TextBox 29"/>
                 <p:cNvSpPr txBox="1"/>
                 <p:nvPr/>
               </p:nvSpPr>
@@ -7471,23 +7000,21 @@
                 <a:p>
                   <a:r>
                     <a:rPr lang="en-US" sz="1200" dirty="0">
-                      <a:latin typeface="Arial" panose="020B0604020202020204" pitchFamily="34" charset="0"/>
-                      <a:cs typeface="Arial" panose="020B0604020202020204" pitchFamily="34" charset="0"/>
+                      <a:latin typeface="Arial" panose="02080604020202020204" pitchFamily="34" charset="0"/>
+                      <a:cs typeface="Arial" panose="02080604020202020204" pitchFamily="34" charset="0"/>
                     </a:rPr>
                     <a:t>Effect of the absorber</a:t>
                   </a:r>
+                  <a:endParaRPr lang="en-US" sz="1200" dirty="0">
+                    <a:latin typeface="Arial" panose="02080604020202020204" pitchFamily="34" charset="0"/>
+                    <a:cs typeface="Arial" panose="02080604020202020204" pitchFamily="34" charset="0"/>
+                  </a:endParaRPr>
                 </a:p>
               </p:txBody>
             </p:sp>
             <p:sp>
               <p:nvSpPr>
-                <p:cNvPr id="31" name="Rectangle 30">
-                  <a:extLst>
-                    <a:ext uri="{FF2B5EF4-FFF2-40B4-BE49-F238E27FC236}">
-                      <a16:creationId xmlns:a16="http://schemas.microsoft.com/office/drawing/2014/main" id="{10542C23-C9E4-530E-03A4-4F428DE9AA59}"/>
-                    </a:ext>
-                  </a:extLst>
-                </p:cNvPr>
+                <p:cNvPr id="31" name="Rectangle 30"/>
                 <p:cNvSpPr/>
                 <p:nvPr/>
               </p:nvSpPr>
@@ -7533,16 +7060,8 @@
             </p:sp>
             <p:cxnSp>
               <p:nvCxnSpPr>
-                <p:cNvPr id="32" name="Straight Arrow Connector 31">
-                  <a:extLst>
-                    <a:ext uri="{FF2B5EF4-FFF2-40B4-BE49-F238E27FC236}">
-                      <a16:creationId xmlns:a16="http://schemas.microsoft.com/office/drawing/2014/main" id="{328C52A0-FB05-A3AD-B9EC-22BD52BC6536}"/>
-                    </a:ext>
-                  </a:extLst>
-                </p:cNvPr>
-                <p:cNvCxnSpPr>
-                  <a:cxnSpLocks/>
-                </p:cNvCxnSpPr>
+                <p:cNvPr id="32" name="Straight Arrow Connector 31"/>
+                <p:cNvCxnSpPr/>
                 <p:nvPr/>
               </p:nvCxnSpPr>
               <p:spPr>
@@ -7574,16 +7093,8 @@
             </p:cxnSp>
             <p:cxnSp>
               <p:nvCxnSpPr>
-                <p:cNvPr id="33" name="Straight Arrow Connector 32">
-                  <a:extLst>
-                    <a:ext uri="{FF2B5EF4-FFF2-40B4-BE49-F238E27FC236}">
-                      <a16:creationId xmlns:a16="http://schemas.microsoft.com/office/drawing/2014/main" id="{E625C63D-75DF-2CCA-4CE8-EB7F3DA1891F}"/>
-                    </a:ext>
-                  </a:extLst>
-                </p:cNvPr>
-                <p:cNvCxnSpPr>
-                  <a:cxnSpLocks/>
-                </p:cNvCxnSpPr>
+                <p:cNvPr id="33" name="Straight Arrow Connector 32"/>
+                <p:cNvCxnSpPr/>
                 <p:nvPr/>
               </p:nvCxnSpPr>
               <p:spPr>
@@ -7615,13 +7126,7 @@
             </p:cxnSp>
             <p:sp>
               <p:nvSpPr>
-                <p:cNvPr id="34" name="TextBox 33">
-                  <a:extLst>
-                    <a:ext uri="{FF2B5EF4-FFF2-40B4-BE49-F238E27FC236}">
-                      <a16:creationId xmlns:a16="http://schemas.microsoft.com/office/drawing/2014/main" id="{DB81E5B6-903C-17C6-0DFA-D3527447EBDA}"/>
-                    </a:ext>
-                  </a:extLst>
-                </p:cNvPr>
+                <p:cNvPr id="34" name="TextBox 33"/>
                 <p:cNvSpPr txBox="1"/>
                 <p:nvPr/>
               </p:nvSpPr>
@@ -7643,23 +7148,21 @@
                 <a:p>
                   <a:r>
                     <a:rPr lang="en-US" sz="1200" dirty="0">
-                      <a:latin typeface="Arial" panose="020B0604020202020204" pitchFamily="34" charset="0"/>
-                      <a:cs typeface="Arial" panose="020B0604020202020204" pitchFamily="34" charset="0"/>
+                      <a:latin typeface="Arial" panose="02080604020202020204" pitchFamily="34" charset="0"/>
+                      <a:cs typeface="Arial" panose="02080604020202020204" pitchFamily="34" charset="0"/>
                     </a:rPr>
                     <a:t>Effect of the absorber</a:t>
                   </a:r>
+                  <a:endParaRPr lang="en-US" sz="1200" dirty="0">
+                    <a:latin typeface="Arial" panose="02080604020202020204" pitchFamily="34" charset="0"/>
+                    <a:cs typeface="Arial" panose="02080604020202020204" pitchFamily="34" charset="0"/>
+                  </a:endParaRPr>
                 </a:p>
               </p:txBody>
             </p:sp>
             <p:sp>
               <p:nvSpPr>
-                <p:cNvPr id="35" name="Rectangle 34">
-                  <a:extLst>
-                    <a:ext uri="{FF2B5EF4-FFF2-40B4-BE49-F238E27FC236}">
-                      <a16:creationId xmlns:a16="http://schemas.microsoft.com/office/drawing/2014/main" id="{8D5D42D9-E07A-CD47-0973-E7BC047E5B39}"/>
-                    </a:ext>
-                  </a:extLst>
-                </p:cNvPr>
+                <p:cNvPr id="35" name="Rectangle 34"/>
                 <p:cNvSpPr/>
                 <p:nvPr/>
               </p:nvSpPr>
@@ -7705,13 +7208,7 @@
             </p:sp>
             <p:sp>
               <p:nvSpPr>
-                <p:cNvPr id="36" name="Rectangle 35">
-                  <a:extLst>
-                    <a:ext uri="{FF2B5EF4-FFF2-40B4-BE49-F238E27FC236}">
-                      <a16:creationId xmlns:a16="http://schemas.microsoft.com/office/drawing/2014/main" id="{D6084F66-EC40-3A11-B3AD-399009ACD118}"/>
-                    </a:ext>
-                  </a:extLst>
-                </p:cNvPr>
+                <p:cNvPr id="36" name="Rectangle 35"/>
                 <p:cNvSpPr/>
                 <p:nvPr/>
               </p:nvSpPr>
@@ -7757,13 +7254,7 @@
             </p:sp>
             <p:sp>
               <p:nvSpPr>
-                <p:cNvPr id="37" name="Rectangle 36">
-                  <a:extLst>
-                    <a:ext uri="{FF2B5EF4-FFF2-40B4-BE49-F238E27FC236}">
-                      <a16:creationId xmlns:a16="http://schemas.microsoft.com/office/drawing/2014/main" id="{44A83784-C815-EDB1-ECED-36EACF21801D}"/>
-                    </a:ext>
-                  </a:extLst>
-                </p:cNvPr>
+                <p:cNvPr id="37" name="Rectangle 36"/>
                 <p:cNvSpPr/>
                 <p:nvPr/>
               </p:nvSpPr>
@@ -7810,13 +7301,7 @@
           </p:grpSp>
           <p:sp>
             <p:nvSpPr>
-              <p:cNvPr id="39" name="TextBox 38">
-                <a:extLst>
-                  <a:ext uri="{FF2B5EF4-FFF2-40B4-BE49-F238E27FC236}">
-                    <a16:creationId xmlns:a16="http://schemas.microsoft.com/office/drawing/2014/main" id="{25F92619-B603-B7E2-8D71-003FD40D104D}"/>
-                  </a:ext>
-                </a:extLst>
-              </p:cNvPr>
+              <p:cNvPr id="39" name="TextBox 38"/>
               <p:cNvSpPr txBox="1"/>
               <p:nvPr/>
             </p:nvSpPr>
@@ -7838,23 +7323,21 @@
               <a:p>
                 <a:r>
                   <a:rPr lang="en-US" sz="1200" dirty="0">
-                    <a:latin typeface="Arial" panose="020B0604020202020204" pitchFamily="34" charset="0"/>
-                    <a:cs typeface="Arial" panose="020B0604020202020204" pitchFamily="34" charset="0"/>
+                    <a:latin typeface="Arial" panose="02080604020202020204" pitchFamily="34" charset="0"/>
+                    <a:cs typeface="Arial" panose="02080604020202020204" pitchFamily="34" charset="0"/>
                   </a:rPr>
                   <a:t>Adaptive Pursuit</a:t>
                 </a:r>
+                <a:endParaRPr lang="en-US" sz="1200" dirty="0">
+                  <a:latin typeface="Arial" panose="02080604020202020204" pitchFamily="34" charset="0"/>
+                  <a:cs typeface="Arial" panose="02080604020202020204" pitchFamily="34" charset="0"/>
+                </a:endParaRPr>
               </a:p>
             </p:txBody>
           </p:sp>
           <p:sp>
             <p:nvSpPr>
-              <p:cNvPr id="40" name="TextBox 39">
-                <a:extLst>
-                  <a:ext uri="{FF2B5EF4-FFF2-40B4-BE49-F238E27FC236}">
-                    <a16:creationId xmlns:a16="http://schemas.microsoft.com/office/drawing/2014/main" id="{1B369AFE-7ED3-3EA5-02F6-0ED521CACAA4}"/>
-                  </a:ext>
-                </a:extLst>
-              </p:cNvPr>
+              <p:cNvPr id="40" name="TextBox 39"/>
               <p:cNvSpPr txBox="1"/>
               <p:nvPr/>
             </p:nvSpPr>
@@ -7876,23 +7359,21 @@
               <a:p>
                 <a:r>
                   <a:rPr lang="en-US" sz="1200" dirty="0">
-                    <a:latin typeface="Arial" panose="020B0604020202020204" pitchFamily="34" charset="0"/>
-                    <a:cs typeface="Arial" panose="020B0604020202020204" pitchFamily="34" charset="0"/>
+                    <a:latin typeface="Arial" panose="02080604020202020204" pitchFamily="34" charset="0"/>
+                    <a:cs typeface="Arial" panose="02080604020202020204" pitchFamily="34" charset="0"/>
                   </a:rPr>
                   <a:t>Epsilon greedy</a:t>
                 </a:r>
+                <a:endParaRPr lang="en-US" sz="1200" dirty="0">
+                  <a:latin typeface="Arial" panose="02080604020202020204" pitchFamily="34" charset="0"/>
+                  <a:cs typeface="Arial" panose="02080604020202020204" pitchFamily="34" charset="0"/>
+                </a:endParaRPr>
               </a:p>
             </p:txBody>
           </p:sp>
           <p:sp>
             <p:nvSpPr>
-              <p:cNvPr id="41" name="TextBox 40">
-                <a:extLst>
-                  <a:ext uri="{FF2B5EF4-FFF2-40B4-BE49-F238E27FC236}">
-                    <a16:creationId xmlns:a16="http://schemas.microsoft.com/office/drawing/2014/main" id="{7193C7CD-4CE5-4029-8563-8F253971F45C}"/>
-                  </a:ext>
-                </a:extLst>
-              </p:cNvPr>
+              <p:cNvPr id="41" name="TextBox 40"/>
               <p:cNvSpPr txBox="1"/>
               <p:nvPr/>
             </p:nvSpPr>
@@ -7914,22 +7395,21 @@
               <a:p>
                 <a:r>
                   <a:rPr lang="en-US" sz="1200" dirty="0">
-                    <a:latin typeface="Arial" panose="020B0604020202020204" pitchFamily="34" charset="0"/>
-                    <a:cs typeface="Arial" panose="020B0604020202020204" pitchFamily="34" charset="0"/>
+                    <a:latin typeface="Arial" panose="02080604020202020204" pitchFamily="34" charset="0"/>
+                    <a:cs typeface="Arial" panose="02080604020202020204" pitchFamily="34" charset="0"/>
                   </a:rPr>
                   <a:t>Random Selection</a:t>
                 </a:r>
+                <a:endParaRPr lang="en-US" sz="1200" dirty="0">
+                  <a:latin typeface="Arial" panose="02080604020202020204" pitchFamily="34" charset="0"/>
+                  <a:cs typeface="Arial" panose="02080604020202020204" pitchFamily="34" charset="0"/>
+                </a:endParaRPr>
               </a:p>
             </p:txBody>
           </p:sp>
         </p:grpSp>
       </p:grpSp>
     </p:spTree>
-    <p:extLst>
-      <p:ext uri="{BB962C8B-B14F-4D97-AF65-F5344CB8AC3E}">
-        <p14:creationId xmlns:p14="http://schemas.microsoft.com/office/powerpoint/2010/main" val="1401095536"/>
-      </p:ext>
-    </p:extLst>
   </p:cSld>
   <p:clrMapOvr>
     <a:masterClrMapping/>
@@ -7956,13 +7436,7 @@
       </p:grpSpPr>
       <p:grpSp>
         <p:nvGrpSpPr>
-          <p:cNvPr id="45" name="Group 44">
-            <a:extLst>
-              <a:ext uri="{FF2B5EF4-FFF2-40B4-BE49-F238E27FC236}">
-                <a16:creationId xmlns:a16="http://schemas.microsoft.com/office/drawing/2014/main" id="{6CFA8404-04E4-7A5B-65F0-5106CF8C0D83}"/>
-              </a:ext>
-            </a:extLst>
-          </p:cNvPr>
+          <p:cNvPr id="45" name="Group 44"/>
           <p:cNvGrpSpPr/>
           <p:nvPr/>
         </p:nvGrpSpPr>
@@ -7976,13 +7450,7 @@
         </p:grpSpPr>
         <p:grpSp>
           <p:nvGrpSpPr>
-            <p:cNvPr id="42" name="Group 41">
-              <a:extLst>
-                <a:ext uri="{FF2B5EF4-FFF2-40B4-BE49-F238E27FC236}">
-                  <a16:creationId xmlns:a16="http://schemas.microsoft.com/office/drawing/2014/main" id="{433BCBB5-1EE8-9F61-36B4-4A6F799D75F5}"/>
-                </a:ext>
-              </a:extLst>
-            </p:cNvPr>
+            <p:cNvPr id="42" name="Group 41"/>
             <p:cNvGrpSpPr/>
             <p:nvPr/>
           </p:nvGrpSpPr>
@@ -7996,13 +7464,7 @@
           </p:grpSpPr>
           <p:grpSp>
             <p:nvGrpSpPr>
-              <p:cNvPr id="38" name="Group 37">
-                <a:extLst>
-                  <a:ext uri="{FF2B5EF4-FFF2-40B4-BE49-F238E27FC236}">
-                    <a16:creationId xmlns:a16="http://schemas.microsoft.com/office/drawing/2014/main" id="{822EB74F-CF8A-24CE-6E97-F7BE255CAAAC}"/>
-                  </a:ext>
-                </a:extLst>
-              </p:cNvPr>
+              <p:cNvPr id="38" name="Group 37"/>
               <p:cNvGrpSpPr/>
               <p:nvPr/>
             </p:nvGrpSpPr>
@@ -8016,13 +7478,7 @@
             </p:grpSpPr>
             <p:sp>
               <p:nvSpPr>
-                <p:cNvPr id="15" name="TextBox 14">
-                  <a:extLst>
-                    <a:ext uri="{FF2B5EF4-FFF2-40B4-BE49-F238E27FC236}">
-                      <a16:creationId xmlns:a16="http://schemas.microsoft.com/office/drawing/2014/main" id="{C53E2374-07EF-0A13-2292-1734DED1915B}"/>
-                    </a:ext>
-                  </a:extLst>
-                </p:cNvPr>
+                <p:cNvPr id="15" name="TextBox 14"/>
                 <p:cNvSpPr txBox="1"/>
                 <p:nvPr/>
               </p:nvSpPr>
@@ -8044,23 +7500,21 @@
                 <a:p>
                   <a:r>
                     <a:rPr lang="en-US" b="1" dirty="0">
-                      <a:latin typeface="Arial" panose="020B0604020202020204" pitchFamily="34" charset="0"/>
-                      <a:cs typeface="Arial" panose="020B0604020202020204" pitchFamily="34" charset="0"/>
+                      <a:latin typeface="Arial" panose="02080604020202020204" pitchFamily="34" charset="0"/>
+                      <a:cs typeface="Arial" panose="02080604020202020204" pitchFamily="34" charset="0"/>
                     </a:rPr>
                     <a:t>a.</a:t>
                   </a:r>
+                  <a:endParaRPr lang="en-US" b="1" dirty="0">
+                    <a:latin typeface="Arial" panose="02080604020202020204" pitchFamily="34" charset="0"/>
+                    <a:cs typeface="Arial" panose="02080604020202020204" pitchFamily="34" charset="0"/>
+                  </a:endParaRPr>
                 </a:p>
               </p:txBody>
             </p:sp>
             <p:sp>
               <p:nvSpPr>
-                <p:cNvPr id="16" name="TextBox 15">
-                  <a:extLst>
-                    <a:ext uri="{FF2B5EF4-FFF2-40B4-BE49-F238E27FC236}">
-                      <a16:creationId xmlns:a16="http://schemas.microsoft.com/office/drawing/2014/main" id="{158CBB4F-AE4A-0E2E-4383-6DBCD4B610F7}"/>
-                    </a:ext>
-                  </a:extLst>
-                </p:cNvPr>
+                <p:cNvPr id="16" name="TextBox 15"/>
                 <p:cNvSpPr txBox="1"/>
                 <p:nvPr/>
               </p:nvSpPr>
@@ -8082,23 +7536,21 @@
                 <a:p>
                   <a:r>
                     <a:rPr lang="en-US" b="1" dirty="0">
-                      <a:latin typeface="Arial" panose="020B0604020202020204" pitchFamily="34" charset="0"/>
-                      <a:cs typeface="Arial" panose="020B0604020202020204" pitchFamily="34" charset="0"/>
+                      <a:latin typeface="Arial" panose="02080604020202020204" pitchFamily="34" charset="0"/>
+                      <a:cs typeface="Arial" panose="02080604020202020204" pitchFamily="34" charset="0"/>
                     </a:rPr>
                     <a:t>b.</a:t>
                   </a:r>
+                  <a:endParaRPr lang="en-US" b="1" dirty="0">
+                    <a:latin typeface="Arial" panose="02080604020202020204" pitchFamily="34" charset="0"/>
+                    <a:cs typeface="Arial" panose="02080604020202020204" pitchFamily="34" charset="0"/>
+                  </a:endParaRPr>
                 </a:p>
               </p:txBody>
             </p:sp>
             <p:sp>
               <p:nvSpPr>
-                <p:cNvPr id="17" name="TextBox 16">
-                  <a:extLst>
-                    <a:ext uri="{FF2B5EF4-FFF2-40B4-BE49-F238E27FC236}">
-                      <a16:creationId xmlns:a16="http://schemas.microsoft.com/office/drawing/2014/main" id="{A5E1C5FF-5143-C73A-2D30-1E0A8EE2FBCC}"/>
-                    </a:ext>
-                  </a:extLst>
-                </p:cNvPr>
+                <p:cNvPr id="17" name="TextBox 16"/>
                 <p:cNvSpPr txBox="1"/>
                 <p:nvPr/>
               </p:nvSpPr>
@@ -8120,23 +7572,21 @@
                 <a:p>
                   <a:r>
                     <a:rPr lang="en-US" b="1" dirty="0">
-                      <a:latin typeface="Arial" panose="020B0604020202020204" pitchFamily="34" charset="0"/>
-                      <a:cs typeface="Arial" panose="020B0604020202020204" pitchFamily="34" charset="0"/>
+                      <a:latin typeface="Arial" panose="02080604020202020204" pitchFamily="34" charset="0"/>
+                      <a:cs typeface="Arial" panose="02080604020202020204" pitchFamily="34" charset="0"/>
                     </a:rPr>
                     <a:t>c.</a:t>
                   </a:r>
+                  <a:endParaRPr lang="en-US" b="1" dirty="0">
+                    <a:latin typeface="Arial" panose="02080604020202020204" pitchFamily="34" charset="0"/>
+                    <a:cs typeface="Arial" panose="02080604020202020204" pitchFamily="34" charset="0"/>
+                  </a:endParaRPr>
                 </a:p>
               </p:txBody>
             </p:sp>
             <p:sp>
               <p:nvSpPr>
-                <p:cNvPr id="18" name="TextBox 17">
-                  <a:extLst>
-                    <a:ext uri="{FF2B5EF4-FFF2-40B4-BE49-F238E27FC236}">
-                      <a16:creationId xmlns:a16="http://schemas.microsoft.com/office/drawing/2014/main" id="{33358399-DB7C-63BC-5D72-36A71C060FEC}"/>
-                    </a:ext>
-                  </a:extLst>
-                </p:cNvPr>
+                <p:cNvPr id="18" name="TextBox 17"/>
                 <p:cNvSpPr txBox="1"/>
                 <p:nvPr/>
               </p:nvSpPr>
@@ -8158,23 +7608,21 @@
                 <a:p>
                   <a:r>
                     <a:rPr lang="en-US" b="1" dirty="0">
-                      <a:latin typeface="Arial" panose="020B0604020202020204" pitchFamily="34" charset="0"/>
-                      <a:cs typeface="Arial" panose="020B0604020202020204" pitchFamily="34" charset="0"/>
+                      <a:latin typeface="Arial" panose="02080604020202020204" pitchFamily="34" charset="0"/>
+                      <a:cs typeface="Arial" panose="02080604020202020204" pitchFamily="34" charset="0"/>
                     </a:rPr>
                     <a:t>d.</a:t>
                   </a:r>
+                  <a:endParaRPr lang="en-US" b="1" dirty="0">
+                    <a:latin typeface="Arial" panose="02080604020202020204" pitchFamily="34" charset="0"/>
+                    <a:cs typeface="Arial" panose="02080604020202020204" pitchFamily="34" charset="0"/>
+                  </a:endParaRPr>
                 </a:p>
               </p:txBody>
             </p:sp>
             <p:sp>
               <p:nvSpPr>
-                <p:cNvPr id="19" name="TextBox 18">
-                  <a:extLst>
-                    <a:ext uri="{FF2B5EF4-FFF2-40B4-BE49-F238E27FC236}">
-                      <a16:creationId xmlns:a16="http://schemas.microsoft.com/office/drawing/2014/main" id="{E0B36CB9-28B2-2B86-1156-C4961D1A69C8}"/>
-                    </a:ext>
-                  </a:extLst>
-                </p:cNvPr>
+                <p:cNvPr id="19" name="TextBox 18"/>
                 <p:cNvSpPr txBox="1"/>
                 <p:nvPr/>
               </p:nvSpPr>
@@ -8196,23 +7644,21 @@
                 <a:p>
                   <a:r>
                     <a:rPr lang="en-US" b="1" dirty="0">
-                      <a:latin typeface="Arial" panose="020B0604020202020204" pitchFamily="34" charset="0"/>
-                      <a:cs typeface="Arial" panose="020B0604020202020204" pitchFamily="34" charset="0"/>
+                      <a:latin typeface="Arial" panose="02080604020202020204" pitchFamily="34" charset="0"/>
+                      <a:cs typeface="Arial" panose="02080604020202020204" pitchFamily="34" charset="0"/>
                     </a:rPr>
                     <a:t>e.</a:t>
                   </a:r>
+                  <a:endParaRPr lang="en-US" b="1" dirty="0">
+                    <a:latin typeface="Arial" panose="02080604020202020204" pitchFamily="34" charset="0"/>
+                    <a:cs typeface="Arial" panose="02080604020202020204" pitchFamily="34" charset="0"/>
+                  </a:endParaRPr>
                 </a:p>
               </p:txBody>
             </p:sp>
             <p:sp>
               <p:nvSpPr>
-                <p:cNvPr id="20" name="TextBox 19">
-                  <a:extLst>
-                    <a:ext uri="{FF2B5EF4-FFF2-40B4-BE49-F238E27FC236}">
-                      <a16:creationId xmlns:a16="http://schemas.microsoft.com/office/drawing/2014/main" id="{4DB13010-9686-A4BC-0709-FF9AF217471D}"/>
-                    </a:ext>
-                  </a:extLst>
-                </p:cNvPr>
+                <p:cNvPr id="20" name="TextBox 19"/>
                 <p:cNvSpPr txBox="1"/>
                 <p:nvPr/>
               </p:nvSpPr>
@@ -8234,24 +7680,22 @@
                 <a:p>
                   <a:r>
                     <a:rPr lang="en-US" b="1" dirty="0">
-                      <a:latin typeface="Arial" panose="020B0604020202020204" pitchFamily="34" charset="0"/>
-                      <a:cs typeface="Arial" panose="020B0604020202020204" pitchFamily="34" charset="0"/>
+                      <a:latin typeface="Arial" panose="02080604020202020204" pitchFamily="34" charset="0"/>
+                      <a:cs typeface="Arial" panose="02080604020202020204" pitchFamily="34" charset="0"/>
                     </a:rPr>
                     <a:t>f.</a:t>
                   </a:r>
+                  <a:endParaRPr lang="en-US" b="1" dirty="0">
+                    <a:latin typeface="Arial" panose="02080604020202020204" pitchFamily="34" charset="0"/>
+                    <a:cs typeface="Arial" panose="02080604020202020204" pitchFamily="34" charset="0"/>
+                  </a:endParaRPr>
                 </a:p>
               </p:txBody>
             </p:sp>
           </p:grpSp>
           <p:sp>
             <p:nvSpPr>
-              <p:cNvPr id="39" name="TextBox 38">
-                <a:extLst>
-                  <a:ext uri="{FF2B5EF4-FFF2-40B4-BE49-F238E27FC236}">
-                    <a16:creationId xmlns:a16="http://schemas.microsoft.com/office/drawing/2014/main" id="{25F92619-B603-B7E2-8D71-003FD40D104D}"/>
-                  </a:ext>
-                </a:extLst>
-              </p:cNvPr>
+              <p:cNvPr id="39" name="TextBox 38"/>
               <p:cNvSpPr txBox="1"/>
               <p:nvPr/>
             </p:nvSpPr>
@@ -8273,23 +7717,21 @@
               <a:p>
                 <a:r>
                   <a:rPr lang="en-US" sz="1200" dirty="0">
-                    <a:latin typeface="Arial" panose="020B0604020202020204" pitchFamily="34" charset="0"/>
-                    <a:cs typeface="Arial" panose="020B0604020202020204" pitchFamily="34" charset="0"/>
+                    <a:latin typeface="Arial" panose="02080604020202020204" pitchFamily="34" charset="0"/>
+                    <a:cs typeface="Arial" panose="02080604020202020204" pitchFamily="34" charset="0"/>
                   </a:rPr>
                   <a:t>Adaptive Pursuit</a:t>
                 </a:r>
+                <a:endParaRPr lang="en-US" sz="1200" dirty="0">
+                  <a:latin typeface="Arial" panose="02080604020202020204" pitchFamily="34" charset="0"/>
+                  <a:cs typeface="Arial" panose="02080604020202020204" pitchFamily="34" charset="0"/>
+                </a:endParaRPr>
               </a:p>
             </p:txBody>
           </p:sp>
           <p:sp>
             <p:nvSpPr>
-              <p:cNvPr id="40" name="TextBox 39">
-                <a:extLst>
-                  <a:ext uri="{FF2B5EF4-FFF2-40B4-BE49-F238E27FC236}">
-                    <a16:creationId xmlns:a16="http://schemas.microsoft.com/office/drawing/2014/main" id="{1B369AFE-7ED3-3EA5-02F6-0ED521CACAA4}"/>
-                  </a:ext>
-                </a:extLst>
-              </p:cNvPr>
+              <p:cNvPr id="40" name="TextBox 39"/>
               <p:cNvSpPr txBox="1"/>
               <p:nvPr/>
             </p:nvSpPr>
@@ -8311,23 +7753,21 @@
               <a:p>
                 <a:r>
                   <a:rPr lang="en-US" sz="1200" dirty="0">
-                    <a:latin typeface="Arial" panose="020B0604020202020204" pitchFamily="34" charset="0"/>
-                    <a:cs typeface="Arial" panose="020B0604020202020204" pitchFamily="34" charset="0"/>
+                    <a:latin typeface="Arial" panose="02080604020202020204" pitchFamily="34" charset="0"/>
+                    <a:cs typeface="Arial" panose="02080604020202020204" pitchFamily="34" charset="0"/>
                   </a:rPr>
                   <a:t>Epsilon greedy</a:t>
                 </a:r>
+                <a:endParaRPr lang="en-US" sz="1200" dirty="0">
+                  <a:latin typeface="Arial" panose="02080604020202020204" pitchFamily="34" charset="0"/>
+                  <a:cs typeface="Arial" panose="02080604020202020204" pitchFamily="34" charset="0"/>
+                </a:endParaRPr>
               </a:p>
             </p:txBody>
           </p:sp>
           <p:sp>
             <p:nvSpPr>
-              <p:cNvPr id="41" name="TextBox 40">
-                <a:extLst>
-                  <a:ext uri="{FF2B5EF4-FFF2-40B4-BE49-F238E27FC236}">
-                    <a16:creationId xmlns:a16="http://schemas.microsoft.com/office/drawing/2014/main" id="{7193C7CD-4CE5-4029-8563-8F253971F45C}"/>
-                  </a:ext>
-                </a:extLst>
-              </p:cNvPr>
+              <p:cNvPr id="41" name="TextBox 40"/>
               <p:cNvSpPr txBox="1"/>
               <p:nvPr/>
             </p:nvSpPr>
@@ -8349,37 +7789,35 @@
               <a:p>
                 <a:r>
                   <a:rPr lang="en-US" sz="1200" dirty="0">
-                    <a:latin typeface="Arial" panose="020B0604020202020204" pitchFamily="34" charset="0"/>
-                    <a:cs typeface="Arial" panose="020B0604020202020204" pitchFamily="34" charset="0"/>
+                    <a:latin typeface="Arial" panose="02080604020202020204" pitchFamily="34" charset="0"/>
+                    <a:cs typeface="Arial" panose="02080604020202020204" pitchFamily="34" charset="0"/>
                   </a:rPr>
                   <a:t>Random Selection</a:t>
                 </a:r>
+                <a:endParaRPr lang="en-US" sz="1200" dirty="0">
+                  <a:latin typeface="Arial" panose="02080604020202020204" pitchFamily="34" charset="0"/>
+                  <a:cs typeface="Arial" panose="02080604020202020204" pitchFamily="34" charset="0"/>
+                </a:endParaRPr>
               </a:p>
             </p:txBody>
           </p:sp>
         </p:grpSp>
         <p:pic>
           <p:nvPicPr>
-            <p:cNvPr id="4" name="Graphic 3" descr="Abacus with solid fill">
-              <a:extLst>
-                <a:ext uri="{FF2B5EF4-FFF2-40B4-BE49-F238E27FC236}">
-                  <a16:creationId xmlns:a16="http://schemas.microsoft.com/office/drawing/2014/main" id="{DBE18A55-21E7-10F9-12FC-E56C53B67C0E}"/>
-                </a:ext>
-              </a:extLst>
-            </p:cNvPr>
+            <p:cNvPr id="4" name="Graphic 3" descr="Abacus with solid fill"/>
             <p:cNvPicPr>
               <a:picLocks noChangeAspect="1"/>
             </p:cNvPicPr>
             <p:nvPr/>
           </p:nvPicPr>
           <p:blipFill>
-            <a:blip r:embed="rId3">
+            <a:blip r:embed="rId1">
               <a:extLst>
                 <a:ext uri="{28A0092B-C50C-407E-A947-70E740481C1C}">
                   <a14:useLocalDpi xmlns:a14="http://schemas.microsoft.com/office/drawing/2010/main" val="0"/>
                 </a:ext>
                 <a:ext uri="{96DAC541-7B7A-43D3-8B79-37D633B846F1}">
-                  <asvg:svgBlip xmlns:asvg="http://schemas.microsoft.com/office/drawing/2016/SVG/main" r:embed="rId4"/>
+                  <asvg:svgBlip xmlns:asvg="http://schemas.microsoft.com/office/drawing/2016/SVG/main" r:embed="rId2"/>
                 </a:ext>
               </a:extLst>
             </a:blip>
@@ -8399,26 +7837,20 @@
         </p:pic>
         <p:pic>
           <p:nvPicPr>
-            <p:cNvPr id="9" name="Graphic 8" descr="Abacus with solid fill">
-              <a:extLst>
-                <a:ext uri="{FF2B5EF4-FFF2-40B4-BE49-F238E27FC236}">
-                  <a16:creationId xmlns:a16="http://schemas.microsoft.com/office/drawing/2014/main" id="{A30B6496-F93F-2B28-8A21-6BD1CC50CBA3}"/>
-                </a:ext>
-              </a:extLst>
-            </p:cNvPr>
+            <p:cNvPr id="9" name="Graphic 8" descr="Abacus with solid fill"/>
             <p:cNvPicPr>
               <a:picLocks noChangeAspect="1"/>
             </p:cNvPicPr>
             <p:nvPr/>
           </p:nvPicPr>
           <p:blipFill>
-            <a:blip r:embed="rId3">
+            <a:blip r:embed="rId1">
               <a:extLst>
                 <a:ext uri="{28A0092B-C50C-407E-A947-70E740481C1C}">
                   <a14:useLocalDpi xmlns:a14="http://schemas.microsoft.com/office/drawing/2010/main" val="0"/>
                 </a:ext>
                 <a:ext uri="{96DAC541-7B7A-43D3-8B79-37D633B846F1}">
-                  <asvg:svgBlip xmlns:asvg="http://schemas.microsoft.com/office/drawing/2016/SVG/main" r:embed="rId4"/>
+                  <asvg:svgBlip xmlns:asvg="http://schemas.microsoft.com/office/drawing/2016/SVG/main" r:embed="rId2"/>
                 </a:ext>
               </a:extLst>
             </a:blip>
@@ -8438,26 +7870,20 @@
         </p:pic>
         <p:pic>
           <p:nvPicPr>
-            <p:cNvPr id="28" name="Graphic 27" descr="Abacus with solid fill">
-              <a:extLst>
-                <a:ext uri="{FF2B5EF4-FFF2-40B4-BE49-F238E27FC236}">
-                  <a16:creationId xmlns:a16="http://schemas.microsoft.com/office/drawing/2014/main" id="{6FE5E354-A147-594E-02A2-EB64477D6D8C}"/>
-                </a:ext>
-              </a:extLst>
-            </p:cNvPr>
+            <p:cNvPr id="28" name="Graphic 27" descr="Abacus with solid fill"/>
             <p:cNvPicPr>
               <a:picLocks noChangeAspect="1"/>
             </p:cNvPicPr>
             <p:nvPr/>
           </p:nvPicPr>
           <p:blipFill>
-            <a:blip r:embed="rId3">
+            <a:blip r:embed="rId1">
               <a:extLst>
                 <a:ext uri="{28A0092B-C50C-407E-A947-70E740481C1C}">
                   <a14:useLocalDpi xmlns:a14="http://schemas.microsoft.com/office/drawing/2010/main" val="0"/>
                 </a:ext>
                 <a:ext uri="{96DAC541-7B7A-43D3-8B79-37D633B846F1}">
-                  <asvg:svgBlip xmlns:asvg="http://schemas.microsoft.com/office/drawing/2016/SVG/main" r:embed="rId4"/>
+                  <asvg:svgBlip xmlns:asvg="http://schemas.microsoft.com/office/drawing/2016/SVG/main" r:embed="rId2"/>
                 </a:ext>
               </a:extLst>
             </a:blip>
@@ -8477,26 +7903,20 @@
         </p:pic>
         <p:pic>
           <p:nvPicPr>
-            <p:cNvPr id="29" name="Graphic 28" descr="Abacus with solid fill">
-              <a:extLst>
-                <a:ext uri="{FF2B5EF4-FFF2-40B4-BE49-F238E27FC236}">
-                  <a16:creationId xmlns:a16="http://schemas.microsoft.com/office/drawing/2014/main" id="{090BC649-2055-B822-528B-9E0258603F30}"/>
-                </a:ext>
-              </a:extLst>
-            </p:cNvPr>
+            <p:cNvPr id="29" name="Graphic 28" descr="Abacus with solid fill"/>
             <p:cNvPicPr>
               <a:picLocks noChangeAspect="1"/>
             </p:cNvPicPr>
             <p:nvPr/>
           </p:nvPicPr>
           <p:blipFill>
-            <a:blip r:embed="rId3">
+            <a:blip r:embed="rId1">
               <a:extLst>
                 <a:ext uri="{28A0092B-C50C-407E-A947-70E740481C1C}">
                   <a14:useLocalDpi xmlns:a14="http://schemas.microsoft.com/office/drawing/2010/main" val="0"/>
                 </a:ext>
                 <a:ext uri="{96DAC541-7B7A-43D3-8B79-37D633B846F1}">
-                  <asvg:svgBlip xmlns:asvg="http://schemas.microsoft.com/office/drawing/2016/SVG/main" r:embed="rId4"/>
+                  <asvg:svgBlip xmlns:asvg="http://schemas.microsoft.com/office/drawing/2016/SVG/main" r:embed="rId2"/>
                 </a:ext>
               </a:extLst>
             </a:blip>
@@ -8516,26 +7936,20 @@
         </p:pic>
         <p:pic>
           <p:nvPicPr>
-            <p:cNvPr id="43" name="Graphic 42" descr="Abacus with solid fill">
-              <a:extLst>
-                <a:ext uri="{FF2B5EF4-FFF2-40B4-BE49-F238E27FC236}">
-                  <a16:creationId xmlns:a16="http://schemas.microsoft.com/office/drawing/2014/main" id="{6CF3BAA1-EEFA-44AB-8179-FF07094E5527}"/>
-                </a:ext>
-              </a:extLst>
-            </p:cNvPr>
+            <p:cNvPr id="43" name="Graphic 42" descr="Abacus with solid fill"/>
             <p:cNvPicPr>
               <a:picLocks noChangeAspect="1"/>
             </p:cNvPicPr>
             <p:nvPr/>
           </p:nvPicPr>
           <p:blipFill>
-            <a:blip r:embed="rId3">
+            <a:blip r:embed="rId1">
               <a:extLst>
                 <a:ext uri="{28A0092B-C50C-407E-A947-70E740481C1C}">
                   <a14:useLocalDpi xmlns:a14="http://schemas.microsoft.com/office/drawing/2010/main" val="0"/>
                 </a:ext>
                 <a:ext uri="{96DAC541-7B7A-43D3-8B79-37D633B846F1}">
-                  <asvg:svgBlip xmlns:asvg="http://schemas.microsoft.com/office/drawing/2016/SVG/main" r:embed="rId4"/>
+                  <asvg:svgBlip xmlns:asvg="http://schemas.microsoft.com/office/drawing/2016/SVG/main" r:embed="rId2"/>
                 </a:ext>
               </a:extLst>
             </a:blip>
@@ -8555,26 +7969,20 @@
         </p:pic>
         <p:pic>
           <p:nvPicPr>
-            <p:cNvPr id="44" name="Graphic 43" descr="Abacus with solid fill">
-              <a:extLst>
-                <a:ext uri="{FF2B5EF4-FFF2-40B4-BE49-F238E27FC236}">
-                  <a16:creationId xmlns:a16="http://schemas.microsoft.com/office/drawing/2014/main" id="{F283FF4E-4622-7E63-32B4-A75FA9848716}"/>
-                </a:ext>
-              </a:extLst>
-            </p:cNvPr>
+            <p:cNvPr id="44" name="Graphic 43" descr="Abacus with solid fill"/>
             <p:cNvPicPr>
               <a:picLocks noChangeAspect="1"/>
             </p:cNvPicPr>
             <p:nvPr/>
           </p:nvPicPr>
           <p:blipFill>
-            <a:blip r:embed="rId3">
+            <a:blip r:embed="rId1">
               <a:extLst>
                 <a:ext uri="{28A0092B-C50C-407E-A947-70E740481C1C}">
                   <a14:useLocalDpi xmlns:a14="http://schemas.microsoft.com/office/drawing/2010/main" val="0"/>
                 </a:ext>
                 <a:ext uri="{96DAC541-7B7A-43D3-8B79-37D633B846F1}">
-                  <asvg:svgBlip xmlns:asvg="http://schemas.microsoft.com/office/drawing/2016/SVG/main" r:embed="rId4"/>
+                  <asvg:svgBlip xmlns:asvg="http://schemas.microsoft.com/office/drawing/2016/SVG/main" r:embed="rId2"/>
                 </a:ext>
               </a:extLst>
             </a:blip>
@@ -8594,11 +8002,6 @@
         </p:pic>
       </p:grpSp>
     </p:spTree>
-    <p:extLst>
-      <p:ext uri="{BB962C8B-B14F-4D97-AF65-F5344CB8AC3E}">
-        <p14:creationId xmlns:p14="http://schemas.microsoft.com/office/powerpoint/2010/main" val="2355707492"/>
-      </p:ext>
-    </p:extLst>
   </p:cSld>
   <p:clrMapOvr>
     <a:masterClrMapping/>
@@ -8625,13 +8028,7 @@
       </p:grpSpPr>
       <p:grpSp>
         <p:nvGrpSpPr>
-          <p:cNvPr id="308" name="Group 307">
-            <a:extLst>
-              <a:ext uri="{FF2B5EF4-FFF2-40B4-BE49-F238E27FC236}">
-                <a16:creationId xmlns:a16="http://schemas.microsoft.com/office/drawing/2014/main" id="{9F603476-A60A-096E-0E00-071E893FE521}"/>
-              </a:ext>
-            </a:extLst>
-          </p:cNvPr>
+          <p:cNvPr id="308" name="Group 307"/>
           <p:cNvGrpSpPr/>
           <p:nvPr/>
         </p:nvGrpSpPr>
@@ -8645,13 +8042,7 @@
         </p:grpSpPr>
         <p:grpSp>
           <p:nvGrpSpPr>
-            <p:cNvPr id="293" name="Group 292">
-              <a:extLst>
-                <a:ext uri="{FF2B5EF4-FFF2-40B4-BE49-F238E27FC236}">
-                  <a16:creationId xmlns:a16="http://schemas.microsoft.com/office/drawing/2014/main" id="{2D0F64B4-654F-B194-2D0B-3D43E3E5BF90}"/>
-                </a:ext>
-              </a:extLst>
-            </p:cNvPr>
+            <p:cNvPr id="293" name="Group 292"/>
             <p:cNvGrpSpPr/>
             <p:nvPr/>
           </p:nvGrpSpPr>
@@ -8665,13 +8056,7 @@
           </p:grpSpPr>
           <p:grpSp>
             <p:nvGrpSpPr>
-              <p:cNvPr id="289" name="Group 288">
-                <a:extLst>
-                  <a:ext uri="{FF2B5EF4-FFF2-40B4-BE49-F238E27FC236}">
-                    <a16:creationId xmlns:a16="http://schemas.microsoft.com/office/drawing/2014/main" id="{7D2368EA-E0AE-F261-A969-4567C7F32797}"/>
-                  </a:ext>
-                </a:extLst>
-              </p:cNvPr>
+              <p:cNvPr id="289" name="Group 288"/>
               <p:cNvGrpSpPr/>
               <p:nvPr/>
             </p:nvGrpSpPr>
@@ -8685,13 +8070,7 @@
             </p:grpSpPr>
             <p:grpSp>
               <p:nvGrpSpPr>
-                <p:cNvPr id="22" name="Group 21">
-                  <a:extLst>
-                    <a:ext uri="{FF2B5EF4-FFF2-40B4-BE49-F238E27FC236}">
-                      <a16:creationId xmlns:a16="http://schemas.microsoft.com/office/drawing/2014/main" id="{44A043FB-5BBA-7EB8-268A-BE0CE1D32557}"/>
-                    </a:ext>
-                  </a:extLst>
-                </p:cNvPr>
+                <p:cNvPr id="22" name="Group 21"/>
                 <p:cNvGrpSpPr/>
                 <p:nvPr/>
               </p:nvGrpSpPr>
@@ -8705,13 +8084,7 @@
               </p:grpSpPr>
               <p:sp>
                 <p:nvSpPr>
-                  <p:cNvPr id="17" name="Rectangle 16">
-                    <a:extLst>
-                      <a:ext uri="{FF2B5EF4-FFF2-40B4-BE49-F238E27FC236}">
-                        <a16:creationId xmlns:a16="http://schemas.microsoft.com/office/drawing/2014/main" id="{38B78A21-6960-2829-53F9-0EBE4F0F1803}"/>
-                      </a:ext>
-                    </a:extLst>
-                  </p:cNvPr>
+                  <p:cNvPr id="17" name="Rectangle 16"/>
                   <p:cNvSpPr/>
                   <p:nvPr/>
                 </p:nvSpPr>
@@ -8759,20 +8132,14 @@
               </p:sp>
               <p:pic>
                 <p:nvPicPr>
-                  <p:cNvPr id="5" name="Picture 4" descr="A red dot with a rectangle&#10;&#10;Description automatically generated">
-                    <a:extLst>
-                      <a:ext uri="{FF2B5EF4-FFF2-40B4-BE49-F238E27FC236}">
-                        <a16:creationId xmlns:a16="http://schemas.microsoft.com/office/drawing/2014/main" id="{45BAE428-EFBF-8A1B-C9C1-82D3E92541E4}"/>
-                      </a:ext>
-                    </a:extLst>
-                  </p:cNvPr>
+                  <p:cNvPr id="5" name="Picture 4" descr="A red dot with a rectangle&#10;&#10;Description automatically generated"/>
                   <p:cNvPicPr>
                     <a:picLocks noChangeAspect="1"/>
                   </p:cNvPicPr>
                   <p:nvPr/>
                 </p:nvPicPr>
                 <p:blipFill>
-                  <a:blip r:embed="rId3">
+                  <a:blip r:embed="rId1">
                     <a:extLst>
                       <a:ext uri="{28A0092B-C50C-407E-A947-70E740481C1C}">
                         <a14:useLocalDpi xmlns:a14="http://schemas.microsoft.com/office/drawing/2010/main" val="0"/>
@@ -8796,16 +8163,8 @@
             </p:grpSp>
             <p:cxnSp>
               <p:nvCxnSpPr>
-                <p:cNvPr id="32" name="Straight Arrow Connector 31">
-                  <a:extLst>
-                    <a:ext uri="{FF2B5EF4-FFF2-40B4-BE49-F238E27FC236}">
-                      <a16:creationId xmlns:a16="http://schemas.microsoft.com/office/drawing/2014/main" id="{F9DFC682-01D0-572E-78CE-A96786851B14}"/>
-                    </a:ext>
-                  </a:extLst>
-                </p:cNvPr>
-                <p:cNvCxnSpPr>
-                  <a:cxnSpLocks/>
-                </p:cNvCxnSpPr>
+                <p:cNvPr id="32" name="Straight Arrow Connector 31"/>
+                <p:cNvCxnSpPr/>
                 <p:nvPr/>
               </p:nvCxnSpPr>
               <p:spPr>
@@ -8842,13 +8201,7 @@
             </p:cxnSp>
             <p:grpSp>
               <p:nvGrpSpPr>
-                <p:cNvPr id="279" name="Group 278">
-                  <a:extLst>
-                    <a:ext uri="{FF2B5EF4-FFF2-40B4-BE49-F238E27FC236}">
-                      <a16:creationId xmlns:a16="http://schemas.microsoft.com/office/drawing/2014/main" id="{F3F71015-DB42-2312-FF0F-44429B0131A4}"/>
-                    </a:ext>
-                  </a:extLst>
-                </p:cNvPr>
+                <p:cNvPr id="279" name="Group 278"/>
                 <p:cNvGrpSpPr/>
                 <p:nvPr/>
               </p:nvGrpSpPr>
@@ -8862,13 +8215,7 @@
               </p:grpSpPr>
               <p:sp>
                 <p:nvSpPr>
-                  <p:cNvPr id="62" name="Oval 61">
-                    <a:extLst>
-                      <a:ext uri="{FF2B5EF4-FFF2-40B4-BE49-F238E27FC236}">
-                        <a16:creationId xmlns:a16="http://schemas.microsoft.com/office/drawing/2014/main" id="{C74A454C-6B52-13BA-CF43-70B488384DEE}"/>
-                      </a:ext>
-                    </a:extLst>
-                  </p:cNvPr>
+                  <p:cNvPr id="62" name="Oval 61"/>
                   <p:cNvSpPr/>
                   <p:nvPr/>
                 </p:nvSpPr>
@@ -8919,13 +8266,7 @@
               </p:sp>
               <p:sp>
                 <p:nvSpPr>
-                  <p:cNvPr id="63" name="TextBox 62">
-                    <a:extLst>
-                      <a:ext uri="{FF2B5EF4-FFF2-40B4-BE49-F238E27FC236}">
-                        <a16:creationId xmlns:a16="http://schemas.microsoft.com/office/drawing/2014/main" id="{68A86754-AAA2-F747-9233-42CCCF259B99}"/>
-                      </a:ext>
-                    </a:extLst>
-                  </p:cNvPr>
+                  <p:cNvPr id="63" name="TextBox 62"/>
                   <p:cNvSpPr txBox="1"/>
                   <p:nvPr/>
                 </p:nvSpPr>
@@ -8947,27 +8288,23 @@
                   <a:p>
                     <a:r>
                       <a:rPr lang="en-US" sz="2400" dirty="0">
-                        <a:latin typeface="Arial" panose="020B0604020202020204" pitchFamily="34" charset="0"/>
-                        <a:cs typeface="Arial" panose="020B0604020202020204" pitchFamily="34" charset="0"/>
+                        <a:latin typeface="Arial" panose="02080604020202020204" pitchFamily="34" charset="0"/>
+                        <a:cs typeface="Arial" panose="02080604020202020204" pitchFamily="34" charset="0"/>
                       </a:rPr>
                       <a:t>2</a:t>
                     </a:r>
+                    <a:endParaRPr lang="en-US" sz="2400" dirty="0">
+                      <a:latin typeface="Arial" panose="02080604020202020204" pitchFamily="34" charset="0"/>
+                      <a:cs typeface="Arial" panose="02080604020202020204" pitchFamily="34" charset="0"/>
+                    </a:endParaRPr>
                   </a:p>
                 </p:txBody>
               </p:sp>
             </p:grpSp>
             <p:cxnSp>
               <p:nvCxnSpPr>
-                <p:cNvPr id="82" name="Straight Arrow Connector 81">
-                  <a:extLst>
-                    <a:ext uri="{FF2B5EF4-FFF2-40B4-BE49-F238E27FC236}">
-                      <a16:creationId xmlns:a16="http://schemas.microsoft.com/office/drawing/2014/main" id="{EFBFD586-655D-D9F2-3FC3-33F4769CAB02}"/>
-                    </a:ext>
-                  </a:extLst>
-                </p:cNvPr>
-                <p:cNvCxnSpPr>
-                  <a:cxnSpLocks/>
-                </p:cNvCxnSpPr>
+                <p:cNvPr id="82" name="Straight Arrow Connector 81"/>
+                <p:cNvCxnSpPr/>
                 <p:nvPr/>
               </p:nvCxnSpPr>
               <p:spPr>
@@ -9004,16 +8341,8 @@
             </p:cxnSp>
             <p:cxnSp>
               <p:nvCxnSpPr>
-                <p:cNvPr id="83" name="Straight Arrow Connector 82">
-                  <a:extLst>
-                    <a:ext uri="{FF2B5EF4-FFF2-40B4-BE49-F238E27FC236}">
-                      <a16:creationId xmlns:a16="http://schemas.microsoft.com/office/drawing/2014/main" id="{BEEC1C9C-A351-BF94-8B29-7FB128C190FF}"/>
-                    </a:ext>
-                  </a:extLst>
-                </p:cNvPr>
-                <p:cNvCxnSpPr>
-                  <a:cxnSpLocks/>
-                </p:cNvCxnSpPr>
+                <p:cNvPr id="83" name="Straight Arrow Connector 82"/>
+                <p:cNvCxnSpPr/>
                 <p:nvPr/>
               </p:nvCxnSpPr>
               <p:spPr>
@@ -9050,16 +8379,8 @@
             </p:cxnSp>
             <p:cxnSp>
               <p:nvCxnSpPr>
-                <p:cNvPr id="89" name="Straight Arrow Connector 88">
-                  <a:extLst>
-                    <a:ext uri="{FF2B5EF4-FFF2-40B4-BE49-F238E27FC236}">
-                      <a16:creationId xmlns:a16="http://schemas.microsoft.com/office/drawing/2014/main" id="{C12C9530-B40C-4512-727C-66EFCECBD60C}"/>
-                    </a:ext>
-                  </a:extLst>
-                </p:cNvPr>
-                <p:cNvCxnSpPr>
-                  <a:cxnSpLocks/>
-                </p:cNvCxnSpPr>
+                <p:cNvPr id="89" name="Straight Arrow Connector 88"/>
+                <p:cNvCxnSpPr/>
                 <p:nvPr/>
               </p:nvCxnSpPr>
               <p:spPr>
@@ -9094,16 +8415,8 @@
             </p:cxnSp>
             <p:cxnSp>
               <p:nvCxnSpPr>
-                <p:cNvPr id="90" name="Straight Arrow Connector 89">
-                  <a:extLst>
-                    <a:ext uri="{FF2B5EF4-FFF2-40B4-BE49-F238E27FC236}">
-                      <a16:creationId xmlns:a16="http://schemas.microsoft.com/office/drawing/2014/main" id="{F252425E-AFE3-3A4B-5C05-D6B07631620A}"/>
-                    </a:ext>
-                  </a:extLst>
-                </p:cNvPr>
-                <p:cNvCxnSpPr>
-                  <a:cxnSpLocks/>
-                </p:cNvCxnSpPr>
+                <p:cNvPr id="90" name="Straight Arrow Connector 89"/>
+                <p:cNvCxnSpPr/>
                 <p:nvPr/>
               </p:nvCxnSpPr>
               <p:spPr>
@@ -9135,13 +8448,7 @@
             </p:cxnSp>
             <p:sp>
               <p:nvSpPr>
-                <p:cNvPr id="91" name="TextBox 90">
-                  <a:extLst>
-                    <a:ext uri="{FF2B5EF4-FFF2-40B4-BE49-F238E27FC236}">
-                      <a16:creationId xmlns:a16="http://schemas.microsoft.com/office/drawing/2014/main" id="{64C75BBC-23C7-CD94-260F-565387B1D431}"/>
-                    </a:ext>
-                  </a:extLst>
-                </p:cNvPr>
+                <p:cNvPr id="91" name="TextBox 90"/>
                 <p:cNvSpPr txBox="1"/>
                 <p:nvPr/>
               </p:nvSpPr>
@@ -9163,23 +8470,21 @@
                 <a:p>
                   <a:r>
                     <a:rPr lang="en-US" sz="2400" dirty="0">
-                      <a:latin typeface="Arial" panose="020B0604020202020204" pitchFamily="34" charset="0"/>
-                      <a:cs typeface="Arial" panose="020B0604020202020204" pitchFamily="34" charset="0"/>
+                      <a:latin typeface="Arial" panose="02080604020202020204" pitchFamily="34" charset="0"/>
+                      <a:cs typeface="Arial" panose="02080604020202020204" pitchFamily="34" charset="0"/>
                     </a:rPr>
                     <a:t>Y(m)</a:t>
                   </a:r>
+                  <a:endParaRPr lang="en-US" sz="2400" dirty="0">
+                    <a:latin typeface="Arial" panose="02080604020202020204" pitchFamily="34" charset="0"/>
+                    <a:cs typeface="Arial" panose="02080604020202020204" pitchFamily="34" charset="0"/>
+                  </a:endParaRPr>
                 </a:p>
               </p:txBody>
             </p:sp>
             <p:sp>
               <p:nvSpPr>
-                <p:cNvPr id="92" name="TextBox 91">
-                  <a:extLst>
-                    <a:ext uri="{FF2B5EF4-FFF2-40B4-BE49-F238E27FC236}">
-                      <a16:creationId xmlns:a16="http://schemas.microsoft.com/office/drawing/2014/main" id="{66835CEC-B6C4-F873-816A-DC911D952056}"/>
-                    </a:ext>
-                  </a:extLst>
-                </p:cNvPr>
+                <p:cNvPr id="92" name="TextBox 91"/>
                 <p:cNvSpPr txBox="1"/>
                 <p:nvPr/>
               </p:nvSpPr>
@@ -9201,26 +8506,22 @@
                 <a:p>
                   <a:r>
                     <a:rPr lang="en-US" sz="2400" dirty="0">
-                      <a:latin typeface="Arial" panose="020B0604020202020204" pitchFamily="34" charset="0"/>
-                      <a:cs typeface="Arial" panose="020B0604020202020204" pitchFamily="34" charset="0"/>
+                      <a:latin typeface="Arial" panose="02080604020202020204" pitchFamily="34" charset="0"/>
+                      <a:cs typeface="Arial" panose="02080604020202020204" pitchFamily="34" charset="0"/>
                     </a:rPr>
                     <a:t>X(m)</a:t>
                   </a:r>
+                  <a:endParaRPr lang="en-US" sz="2400" dirty="0">
+                    <a:latin typeface="Arial" panose="02080604020202020204" pitchFamily="34" charset="0"/>
+                    <a:cs typeface="Arial" panose="02080604020202020204" pitchFamily="34" charset="0"/>
+                  </a:endParaRPr>
                 </a:p>
               </p:txBody>
             </p:sp>
             <p:cxnSp>
               <p:nvCxnSpPr>
-                <p:cNvPr id="94" name="Straight Connector 93">
-                  <a:extLst>
-                    <a:ext uri="{FF2B5EF4-FFF2-40B4-BE49-F238E27FC236}">
-                      <a16:creationId xmlns:a16="http://schemas.microsoft.com/office/drawing/2014/main" id="{C5C3B6BA-E18F-D794-41D5-C9D9BAAB88CC}"/>
-                    </a:ext>
-                  </a:extLst>
-                </p:cNvPr>
-                <p:cNvCxnSpPr>
-                  <a:cxnSpLocks/>
-                </p:cNvCxnSpPr>
+                <p:cNvPr id="94" name="Straight Connector 93"/>
+                <p:cNvCxnSpPr/>
                 <p:nvPr/>
               </p:nvCxnSpPr>
               <p:spPr>
@@ -9255,13 +8556,7 @@
             </p:cxnSp>
             <p:sp>
               <p:nvSpPr>
-                <p:cNvPr id="103" name="TextBox 102">
-                  <a:extLst>
-                    <a:ext uri="{FF2B5EF4-FFF2-40B4-BE49-F238E27FC236}">
-                      <a16:creationId xmlns:a16="http://schemas.microsoft.com/office/drawing/2014/main" id="{7FF8D9FF-9290-3C93-1B8F-74BD1C0A8C02}"/>
-                    </a:ext>
-                  </a:extLst>
-                </p:cNvPr>
+                <p:cNvPr id="103" name="TextBox 102"/>
                 <p:cNvSpPr txBox="1"/>
                 <p:nvPr/>
               </p:nvSpPr>
@@ -9285,23 +8580,21 @@
                 <a:p>
                   <a:r>
                     <a:rPr lang="en-US" sz="2400" dirty="0">
-                      <a:latin typeface="Arial" panose="020B0604020202020204" pitchFamily="34" charset="0"/>
-                      <a:cs typeface="Arial" panose="020B0604020202020204" pitchFamily="34" charset="0"/>
+                      <a:latin typeface="Arial" panose="02080604020202020204" pitchFamily="34" charset="0"/>
+                      <a:cs typeface="Arial" panose="02080604020202020204" pitchFamily="34" charset="0"/>
                     </a:rPr>
                     <a:t>2m</a:t>
                   </a:r>
+                  <a:endParaRPr lang="en-US" sz="2400" dirty="0">
+                    <a:latin typeface="Arial" panose="02080604020202020204" pitchFamily="34" charset="0"/>
+                    <a:cs typeface="Arial" panose="02080604020202020204" pitchFamily="34" charset="0"/>
+                  </a:endParaRPr>
                 </a:p>
               </p:txBody>
             </p:sp>
             <p:sp>
               <p:nvSpPr>
-                <p:cNvPr id="2" name="TextBox 1">
-                  <a:extLst>
-                    <a:ext uri="{FF2B5EF4-FFF2-40B4-BE49-F238E27FC236}">
-                      <a16:creationId xmlns:a16="http://schemas.microsoft.com/office/drawing/2014/main" id="{78F63132-9836-89E7-C9EE-91EBD06DAF54}"/>
-                    </a:ext>
-                  </a:extLst>
-                </p:cNvPr>
+                <p:cNvPr id="2" name="TextBox 1"/>
                 <p:cNvSpPr txBox="1"/>
                 <p:nvPr/>
               </p:nvSpPr>
@@ -9323,23 +8616,21 @@
                 <a:p>
                   <a:r>
                     <a:rPr lang="en-US" sz="2400" dirty="0">
-                      <a:latin typeface="Arial" panose="020B0604020202020204" pitchFamily="34" charset="0"/>
-                      <a:cs typeface="Arial" panose="020B0604020202020204" pitchFamily="34" charset="0"/>
+                      <a:latin typeface="Arial" panose="02080604020202020204" pitchFamily="34" charset="0"/>
+                      <a:cs typeface="Arial" panose="02080604020202020204" pitchFamily="34" charset="0"/>
                     </a:rPr>
                     <a:t>0.0</a:t>
                   </a:r>
+                  <a:endParaRPr lang="en-US" sz="2400" dirty="0">
+                    <a:latin typeface="Arial" panose="02080604020202020204" pitchFamily="34" charset="0"/>
+                    <a:cs typeface="Arial" panose="02080604020202020204" pitchFamily="34" charset="0"/>
+                  </a:endParaRPr>
                 </a:p>
               </p:txBody>
             </p:sp>
             <p:sp>
               <p:nvSpPr>
-                <p:cNvPr id="3" name="TextBox 2">
-                  <a:extLst>
-                    <a:ext uri="{FF2B5EF4-FFF2-40B4-BE49-F238E27FC236}">
-                      <a16:creationId xmlns:a16="http://schemas.microsoft.com/office/drawing/2014/main" id="{71D136F1-EE0C-B800-E6CA-6150D3BEB5F7}"/>
-                    </a:ext>
-                  </a:extLst>
-                </p:cNvPr>
+                <p:cNvPr id="3" name="TextBox 2"/>
                 <p:cNvSpPr txBox="1"/>
                 <p:nvPr/>
               </p:nvSpPr>
@@ -9361,23 +8652,21 @@
                 <a:p>
                   <a:r>
                     <a:rPr lang="en-US" sz="2400" dirty="0">
-                      <a:latin typeface="Arial" panose="020B0604020202020204" pitchFamily="34" charset="0"/>
-                      <a:cs typeface="Arial" panose="020B0604020202020204" pitchFamily="34" charset="0"/>
+                      <a:latin typeface="Arial" panose="02080604020202020204" pitchFamily="34" charset="0"/>
+                      <a:cs typeface="Arial" panose="02080604020202020204" pitchFamily="34" charset="0"/>
                     </a:rPr>
                     <a:t>2.5</a:t>
                   </a:r>
+                  <a:endParaRPr lang="en-US" sz="2400" dirty="0">
+                    <a:latin typeface="Arial" panose="02080604020202020204" pitchFamily="34" charset="0"/>
+                    <a:cs typeface="Arial" panose="02080604020202020204" pitchFamily="34" charset="0"/>
+                  </a:endParaRPr>
                 </a:p>
               </p:txBody>
             </p:sp>
             <p:sp>
               <p:nvSpPr>
-                <p:cNvPr id="4" name="TextBox 3">
-                  <a:extLst>
-                    <a:ext uri="{FF2B5EF4-FFF2-40B4-BE49-F238E27FC236}">
-                      <a16:creationId xmlns:a16="http://schemas.microsoft.com/office/drawing/2014/main" id="{BD2E72B3-64FE-D42E-4BA1-B8CEBB2D2570}"/>
-                    </a:ext>
-                  </a:extLst>
-                </p:cNvPr>
+                <p:cNvPr id="4" name="TextBox 3"/>
                 <p:cNvSpPr txBox="1"/>
                 <p:nvPr/>
               </p:nvSpPr>
@@ -9399,23 +8688,21 @@
                 <a:p>
                   <a:r>
                     <a:rPr lang="en-US" sz="2400" dirty="0">
-                      <a:latin typeface="Arial" panose="020B0604020202020204" pitchFamily="34" charset="0"/>
-                      <a:cs typeface="Arial" panose="020B0604020202020204" pitchFamily="34" charset="0"/>
+                      <a:latin typeface="Arial" panose="02080604020202020204" pitchFamily="34" charset="0"/>
+                      <a:cs typeface="Arial" panose="02080604020202020204" pitchFamily="34" charset="0"/>
                     </a:rPr>
                     <a:t>-2.5</a:t>
                   </a:r>
+                  <a:endParaRPr lang="en-US" sz="2400" dirty="0">
+                    <a:latin typeface="Arial" panose="02080604020202020204" pitchFamily="34" charset="0"/>
+                    <a:cs typeface="Arial" panose="02080604020202020204" pitchFamily="34" charset="0"/>
+                  </a:endParaRPr>
                 </a:p>
               </p:txBody>
             </p:sp>
             <p:sp>
               <p:nvSpPr>
-                <p:cNvPr id="6" name="TextBox 5">
-                  <a:extLst>
-                    <a:ext uri="{FF2B5EF4-FFF2-40B4-BE49-F238E27FC236}">
-                      <a16:creationId xmlns:a16="http://schemas.microsoft.com/office/drawing/2014/main" id="{6EE6E725-9DFF-15B1-BEB9-5883DA63824C}"/>
-                    </a:ext>
-                  </a:extLst>
-                </p:cNvPr>
+                <p:cNvPr id="6" name="TextBox 5"/>
                 <p:cNvSpPr txBox="1"/>
                 <p:nvPr/>
               </p:nvSpPr>
@@ -9437,23 +8724,21 @@
                 <a:p>
                   <a:r>
                     <a:rPr lang="en-US" sz="2400" dirty="0">
-                      <a:latin typeface="Arial" panose="020B0604020202020204" pitchFamily="34" charset="0"/>
-                      <a:cs typeface="Arial" panose="020B0604020202020204" pitchFamily="34" charset="0"/>
+                      <a:latin typeface="Arial" panose="02080604020202020204" pitchFamily="34" charset="0"/>
+                      <a:cs typeface="Arial" panose="02080604020202020204" pitchFamily="34" charset="0"/>
                     </a:rPr>
                     <a:t>-1.25</a:t>
                   </a:r>
+                  <a:endParaRPr lang="en-US" sz="2400" dirty="0">
+                    <a:latin typeface="Arial" panose="02080604020202020204" pitchFamily="34" charset="0"/>
+                    <a:cs typeface="Arial" panose="02080604020202020204" pitchFamily="34" charset="0"/>
+                  </a:endParaRPr>
                 </a:p>
               </p:txBody>
             </p:sp>
             <p:sp>
               <p:nvSpPr>
-                <p:cNvPr id="7" name="TextBox 6">
-                  <a:extLst>
-                    <a:ext uri="{FF2B5EF4-FFF2-40B4-BE49-F238E27FC236}">
-                      <a16:creationId xmlns:a16="http://schemas.microsoft.com/office/drawing/2014/main" id="{67CF5A61-44FB-00B8-59FA-6301F45181AC}"/>
-                    </a:ext>
-                  </a:extLst>
-                </p:cNvPr>
+                <p:cNvPr id="7" name="TextBox 6"/>
                 <p:cNvSpPr txBox="1"/>
                 <p:nvPr/>
               </p:nvSpPr>
@@ -9475,23 +8760,21 @@
                 <a:p>
                   <a:r>
                     <a:rPr lang="en-US" sz="2400" dirty="0">
-                      <a:latin typeface="Arial" panose="020B0604020202020204" pitchFamily="34" charset="0"/>
-                      <a:cs typeface="Arial" panose="020B0604020202020204" pitchFamily="34" charset="0"/>
+                      <a:latin typeface="Arial" panose="02080604020202020204" pitchFamily="34" charset="0"/>
+                      <a:cs typeface="Arial" panose="02080604020202020204" pitchFamily="34" charset="0"/>
                     </a:rPr>
                     <a:t>1.25</a:t>
                   </a:r>
+                  <a:endParaRPr lang="en-US" sz="2400" dirty="0">
+                    <a:latin typeface="Arial" panose="02080604020202020204" pitchFamily="34" charset="0"/>
+                    <a:cs typeface="Arial" panose="02080604020202020204" pitchFamily="34" charset="0"/>
+                  </a:endParaRPr>
                 </a:p>
               </p:txBody>
             </p:sp>
             <p:sp>
               <p:nvSpPr>
-                <p:cNvPr id="8" name="TextBox 7">
-                  <a:extLst>
-                    <a:ext uri="{FF2B5EF4-FFF2-40B4-BE49-F238E27FC236}">
-                      <a16:creationId xmlns:a16="http://schemas.microsoft.com/office/drawing/2014/main" id="{2ABCE6F5-AA25-3435-26DF-C2038AE19794}"/>
-                    </a:ext>
-                  </a:extLst>
-                </p:cNvPr>
+                <p:cNvPr id="8" name="TextBox 7"/>
                 <p:cNvSpPr txBox="1"/>
                 <p:nvPr/>
               </p:nvSpPr>
@@ -9513,23 +8796,21 @@
                 <a:p>
                   <a:r>
                     <a:rPr lang="en-US" sz="2400" dirty="0">
-                      <a:latin typeface="Arial" panose="020B0604020202020204" pitchFamily="34" charset="0"/>
-                      <a:cs typeface="Arial" panose="020B0604020202020204" pitchFamily="34" charset="0"/>
+                      <a:latin typeface="Arial" panose="02080604020202020204" pitchFamily="34" charset="0"/>
+                      <a:cs typeface="Arial" panose="02080604020202020204" pitchFamily="34" charset="0"/>
                     </a:rPr>
                     <a:t>0.0</a:t>
                   </a:r>
+                  <a:endParaRPr lang="en-US" sz="2400" dirty="0">
+                    <a:latin typeface="Arial" panose="02080604020202020204" pitchFamily="34" charset="0"/>
+                    <a:cs typeface="Arial" panose="02080604020202020204" pitchFamily="34" charset="0"/>
+                  </a:endParaRPr>
                 </a:p>
               </p:txBody>
             </p:sp>
             <p:sp>
               <p:nvSpPr>
-                <p:cNvPr id="9" name="TextBox 8">
-                  <a:extLst>
-                    <a:ext uri="{FF2B5EF4-FFF2-40B4-BE49-F238E27FC236}">
-                      <a16:creationId xmlns:a16="http://schemas.microsoft.com/office/drawing/2014/main" id="{6310C271-2F01-7FD0-7F38-C7580B1F6761}"/>
-                    </a:ext>
-                  </a:extLst>
-                </p:cNvPr>
+                <p:cNvPr id="9" name="TextBox 8"/>
                 <p:cNvSpPr txBox="1"/>
                 <p:nvPr/>
               </p:nvSpPr>
@@ -9551,23 +8832,21 @@
                 <a:p>
                   <a:r>
                     <a:rPr lang="en-US" sz="2400" dirty="0">
-                      <a:latin typeface="Arial" panose="020B0604020202020204" pitchFamily="34" charset="0"/>
-                      <a:cs typeface="Arial" panose="020B0604020202020204" pitchFamily="34" charset="0"/>
+                      <a:latin typeface="Arial" panose="02080604020202020204" pitchFamily="34" charset="0"/>
+                      <a:cs typeface="Arial" panose="02080604020202020204" pitchFamily="34" charset="0"/>
                     </a:rPr>
                     <a:t>-1.25</a:t>
                   </a:r>
+                  <a:endParaRPr lang="en-US" sz="2400" dirty="0">
+                    <a:latin typeface="Arial" panose="02080604020202020204" pitchFamily="34" charset="0"/>
+                    <a:cs typeface="Arial" panose="02080604020202020204" pitchFamily="34" charset="0"/>
+                  </a:endParaRPr>
                 </a:p>
               </p:txBody>
             </p:sp>
             <p:sp>
               <p:nvSpPr>
-                <p:cNvPr id="10" name="TextBox 9">
-                  <a:extLst>
-                    <a:ext uri="{FF2B5EF4-FFF2-40B4-BE49-F238E27FC236}">
-                      <a16:creationId xmlns:a16="http://schemas.microsoft.com/office/drawing/2014/main" id="{53D816FB-8B6B-B512-E366-A74DCDEF355F}"/>
-                    </a:ext>
-                  </a:extLst>
-                </p:cNvPr>
+                <p:cNvPr id="10" name="TextBox 9"/>
                 <p:cNvSpPr txBox="1"/>
                 <p:nvPr/>
               </p:nvSpPr>
@@ -9589,23 +8868,21 @@
                 <a:p>
                   <a:r>
                     <a:rPr lang="en-US" sz="2400" dirty="0">
-                      <a:latin typeface="Arial" panose="020B0604020202020204" pitchFamily="34" charset="0"/>
-                      <a:cs typeface="Arial" panose="020B0604020202020204" pitchFamily="34" charset="0"/>
+                      <a:latin typeface="Arial" panose="02080604020202020204" pitchFamily="34" charset="0"/>
+                      <a:cs typeface="Arial" panose="02080604020202020204" pitchFamily="34" charset="0"/>
                     </a:rPr>
                     <a:t>1.25</a:t>
                   </a:r>
+                  <a:endParaRPr lang="en-US" sz="2400" dirty="0">
+                    <a:latin typeface="Arial" panose="02080604020202020204" pitchFamily="34" charset="0"/>
+                    <a:cs typeface="Arial" panose="02080604020202020204" pitchFamily="34" charset="0"/>
+                  </a:endParaRPr>
                 </a:p>
               </p:txBody>
             </p:sp>
             <p:sp>
               <p:nvSpPr>
-                <p:cNvPr id="11" name="TextBox 10">
-                  <a:extLst>
-                    <a:ext uri="{FF2B5EF4-FFF2-40B4-BE49-F238E27FC236}">
-                      <a16:creationId xmlns:a16="http://schemas.microsoft.com/office/drawing/2014/main" id="{5BED1F2C-F620-7F70-1BAD-FFAF9BA5F36D}"/>
-                    </a:ext>
-                  </a:extLst>
-                </p:cNvPr>
+                <p:cNvPr id="11" name="TextBox 10"/>
                 <p:cNvSpPr txBox="1"/>
                 <p:nvPr/>
               </p:nvSpPr>
@@ -9627,26 +8904,22 @@
                 <a:p>
                   <a:r>
                     <a:rPr lang="en-US" sz="2400" dirty="0">
-                      <a:latin typeface="Arial" panose="020B0604020202020204" pitchFamily="34" charset="0"/>
-                      <a:cs typeface="Arial" panose="020B0604020202020204" pitchFamily="34" charset="0"/>
+                      <a:latin typeface="Arial" panose="02080604020202020204" pitchFamily="34" charset="0"/>
+                      <a:cs typeface="Arial" panose="02080604020202020204" pitchFamily="34" charset="0"/>
                     </a:rPr>
                     <a:t>2.5</a:t>
                   </a:r>
+                  <a:endParaRPr lang="en-US" sz="2400" dirty="0">
+                    <a:latin typeface="Arial" panose="02080604020202020204" pitchFamily="34" charset="0"/>
+                    <a:cs typeface="Arial" panose="02080604020202020204" pitchFamily="34" charset="0"/>
+                  </a:endParaRPr>
                 </a:p>
               </p:txBody>
             </p:sp>
             <p:cxnSp>
               <p:nvCxnSpPr>
-                <p:cNvPr id="12" name="Straight Connector 11">
-                  <a:extLst>
-                    <a:ext uri="{FF2B5EF4-FFF2-40B4-BE49-F238E27FC236}">
-                      <a16:creationId xmlns:a16="http://schemas.microsoft.com/office/drawing/2014/main" id="{21963E22-B865-EDCC-F863-750F63A41DC4}"/>
-                    </a:ext>
-                  </a:extLst>
-                </p:cNvPr>
-                <p:cNvCxnSpPr>
-                  <a:cxnSpLocks/>
-                </p:cNvCxnSpPr>
+                <p:cNvPr id="12" name="Straight Connector 11"/>
+                <p:cNvCxnSpPr/>
                 <p:nvPr/>
               </p:nvCxnSpPr>
               <p:spPr>
@@ -9680,16 +8953,8 @@
             </p:cxnSp>
             <p:cxnSp>
               <p:nvCxnSpPr>
-                <p:cNvPr id="18" name="Straight Connector 17">
-                  <a:extLst>
-                    <a:ext uri="{FF2B5EF4-FFF2-40B4-BE49-F238E27FC236}">
-                      <a16:creationId xmlns:a16="http://schemas.microsoft.com/office/drawing/2014/main" id="{2B15ECC5-6224-A9A1-36F0-4CC23BD4EF0D}"/>
-                    </a:ext>
-                  </a:extLst>
-                </p:cNvPr>
-                <p:cNvCxnSpPr>
-                  <a:cxnSpLocks/>
-                </p:cNvCxnSpPr>
+                <p:cNvPr id="18" name="Straight Connector 17"/>
+                <p:cNvCxnSpPr/>
                 <p:nvPr/>
               </p:nvCxnSpPr>
               <p:spPr>
@@ -9723,16 +8988,8 @@
             </p:cxnSp>
             <p:cxnSp>
               <p:nvCxnSpPr>
-                <p:cNvPr id="27" name="Straight Connector 26">
-                  <a:extLst>
-                    <a:ext uri="{FF2B5EF4-FFF2-40B4-BE49-F238E27FC236}">
-                      <a16:creationId xmlns:a16="http://schemas.microsoft.com/office/drawing/2014/main" id="{05FB5796-4B61-5598-EE05-02F3D048F25D}"/>
-                    </a:ext>
-                  </a:extLst>
-                </p:cNvPr>
-                <p:cNvCxnSpPr>
-                  <a:cxnSpLocks/>
-                </p:cNvCxnSpPr>
+                <p:cNvPr id="27" name="Straight Connector 26"/>
+                <p:cNvCxnSpPr/>
                 <p:nvPr/>
               </p:nvCxnSpPr>
               <p:spPr>
@@ -9766,16 +9023,8 @@
             </p:cxnSp>
             <p:cxnSp>
               <p:nvCxnSpPr>
-                <p:cNvPr id="35" name="Straight Connector 34">
-                  <a:extLst>
-                    <a:ext uri="{FF2B5EF4-FFF2-40B4-BE49-F238E27FC236}">
-                      <a16:creationId xmlns:a16="http://schemas.microsoft.com/office/drawing/2014/main" id="{3DCD9004-6DDD-05EC-BF23-D3DDA846A832}"/>
-                    </a:ext>
-                  </a:extLst>
-                </p:cNvPr>
-                <p:cNvCxnSpPr>
-                  <a:cxnSpLocks/>
-                </p:cNvCxnSpPr>
+                <p:cNvPr id="35" name="Straight Connector 34"/>
+                <p:cNvCxnSpPr/>
                 <p:nvPr/>
               </p:nvCxnSpPr>
               <p:spPr>
@@ -9809,16 +9058,8 @@
             </p:cxnSp>
             <p:cxnSp>
               <p:nvCxnSpPr>
-                <p:cNvPr id="37" name="Straight Connector 36">
-                  <a:extLst>
-                    <a:ext uri="{FF2B5EF4-FFF2-40B4-BE49-F238E27FC236}">
-                      <a16:creationId xmlns:a16="http://schemas.microsoft.com/office/drawing/2014/main" id="{9F85451E-5649-E3C9-2331-FB788FBA81C0}"/>
-                    </a:ext>
-                  </a:extLst>
-                </p:cNvPr>
-                <p:cNvCxnSpPr>
-                  <a:cxnSpLocks/>
-                </p:cNvCxnSpPr>
+                <p:cNvPr id="37" name="Straight Connector 36"/>
+                <p:cNvCxnSpPr/>
                 <p:nvPr/>
               </p:nvCxnSpPr>
               <p:spPr>
@@ -9852,16 +9093,8 @@
             </p:cxnSp>
             <p:cxnSp>
               <p:nvCxnSpPr>
-                <p:cNvPr id="38" name="Straight Connector 37">
-                  <a:extLst>
-                    <a:ext uri="{FF2B5EF4-FFF2-40B4-BE49-F238E27FC236}">
-                      <a16:creationId xmlns:a16="http://schemas.microsoft.com/office/drawing/2014/main" id="{9C76D16F-FE14-C1EE-542C-766BA530DD00}"/>
-                    </a:ext>
-                  </a:extLst>
-                </p:cNvPr>
-                <p:cNvCxnSpPr>
-                  <a:cxnSpLocks/>
-                </p:cNvCxnSpPr>
+                <p:cNvPr id="38" name="Straight Connector 37"/>
+                <p:cNvCxnSpPr/>
                 <p:nvPr/>
               </p:nvCxnSpPr>
               <p:spPr>
@@ -9895,16 +9128,8 @@
             </p:cxnSp>
             <p:cxnSp>
               <p:nvCxnSpPr>
-                <p:cNvPr id="39" name="Straight Connector 38">
-                  <a:extLst>
-                    <a:ext uri="{FF2B5EF4-FFF2-40B4-BE49-F238E27FC236}">
-                      <a16:creationId xmlns:a16="http://schemas.microsoft.com/office/drawing/2014/main" id="{A3A4EF0B-188D-4756-3542-1A8B0C2EA49D}"/>
-                    </a:ext>
-                  </a:extLst>
-                </p:cNvPr>
-                <p:cNvCxnSpPr>
-                  <a:cxnSpLocks/>
-                </p:cNvCxnSpPr>
+                <p:cNvPr id="39" name="Straight Connector 38"/>
+                <p:cNvCxnSpPr/>
                 <p:nvPr/>
               </p:nvCxnSpPr>
               <p:spPr>
@@ -9938,16 +9163,8 @@
             </p:cxnSp>
             <p:cxnSp>
               <p:nvCxnSpPr>
-                <p:cNvPr id="42" name="Straight Connector 41">
-                  <a:extLst>
-                    <a:ext uri="{FF2B5EF4-FFF2-40B4-BE49-F238E27FC236}">
-                      <a16:creationId xmlns:a16="http://schemas.microsoft.com/office/drawing/2014/main" id="{DEDBF5C9-A1D6-77C2-1F16-0C23609C46F4}"/>
-                    </a:ext>
-                  </a:extLst>
-                </p:cNvPr>
-                <p:cNvCxnSpPr>
-                  <a:cxnSpLocks/>
-                </p:cNvCxnSpPr>
+                <p:cNvPr id="42" name="Straight Connector 41"/>
+                <p:cNvCxnSpPr/>
                 <p:nvPr/>
               </p:nvCxnSpPr>
               <p:spPr>
@@ -9981,13 +9198,7 @@
             </p:cxnSp>
             <p:sp>
               <p:nvSpPr>
-                <p:cNvPr id="85" name="Oval 84">
-                  <a:extLst>
-                    <a:ext uri="{FF2B5EF4-FFF2-40B4-BE49-F238E27FC236}">
-                      <a16:creationId xmlns:a16="http://schemas.microsoft.com/office/drawing/2014/main" id="{F3699CB6-C3C7-95FE-8741-7E5BCBCFCF1D}"/>
-                    </a:ext>
-                  </a:extLst>
-                </p:cNvPr>
+                <p:cNvPr id="85" name="Oval 84"/>
                 <p:cNvSpPr/>
                 <p:nvPr/>
               </p:nvSpPr>
@@ -10037,13 +9248,7 @@
             </p:sp>
             <p:grpSp>
               <p:nvGrpSpPr>
-                <p:cNvPr id="110" name="Group 109">
-                  <a:extLst>
-                    <a:ext uri="{FF2B5EF4-FFF2-40B4-BE49-F238E27FC236}">
-                      <a16:creationId xmlns:a16="http://schemas.microsoft.com/office/drawing/2014/main" id="{F7A84FDA-2F26-7B04-6349-FF4AB50BDA9D}"/>
-                    </a:ext>
-                  </a:extLst>
-                </p:cNvPr>
+                <p:cNvPr id="110" name="Group 109"/>
                 <p:cNvGrpSpPr/>
                 <p:nvPr/>
               </p:nvGrpSpPr>
@@ -10057,16 +9262,8 @@
               </p:grpSpPr>
               <p:cxnSp>
                 <p:nvCxnSpPr>
-                  <p:cNvPr id="98" name="Straight Connector 97">
-                    <a:extLst>
-                      <a:ext uri="{FF2B5EF4-FFF2-40B4-BE49-F238E27FC236}">
-                        <a16:creationId xmlns:a16="http://schemas.microsoft.com/office/drawing/2014/main" id="{2E97A032-04A6-94C7-DEE5-C9F5F7FD0F93}"/>
-                      </a:ext>
-                    </a:extLst>
-                  </p:cNvPr>
-                  <p:cNvCxnSpPr>
-                    <a:cxnSpLocks/>
-                  </p:cNvCxnSpPr>
+                  <p:cNvPr id="98" name="Straight Connector 97"/>
+                  <p:cNvCxnSpPr/>
                   <p:nvPr/>
                 </p:nvCxnSpPr>
                 <p:spPr>
@@ -10100,16 +9297,8 @@
               </p:cxnSp>
               <p:cxnSp>
                 <p:nvCxnSpPr>
-                  <p:cNvPr id="102" name="Straight Connector 101">
-                    <a:extLst>
-                      <a:ext uri="{FF2B5EF4-FFF2-40B4-BE49-F238E27FC236}">
-                        <a16:creationId xmlns:a16="http://schemas.microsoft.com/office/drawing/2014/main" id="{C4FAEA95-8404-28E0-1F31-3E4AFA20BB22}"/>
-                      </a:ext>
-                    </a:extLst>
-                  </p:cNvPr>
-                  <p:cNvCxnSpPr>
-                    <a:cxnSpLocks/>
-                  </p:cNvCxnSpPr>
+                  <p:cNvPr id="102" name="Straight Connector 101"/>
+                  <p:cNvCxnSpPr/>
                   <p:nvPr/>
                 </p:nvCxnSpPr>
                 <p:spPr>
@@ -10144,16 +9333,8 @@
             </p:grpSp>
             <p:cxnSp>
               <p:nvCxnSpPr>
-                <p:cNvPr id="169" name="Straight Connector 168">
-                  <a:extLst>
-                    <a:ext uri="{FF2B5EF4-FFF2-40B4-BE49-F238E27FC236}">
-                      <a16:creationId xmlns:a16="http://schemas.microsoft.com/office/drawing/2014/main" id="{6357FB7B-545D-FB5F-12F8-94FAA327F4B2}"/>
-                    </a:ext>
-                  </a:extLst>
-                </p:cNvPr>
-                <p:cNvCxnSpPr>
-                  <a:cxnSpLocks/>
-                </p:cNvCxnSpPr>
+                <p:cNvPr id="169" name="Straight Connector 168"/>
+                <p:cNvCxnSpPr/>
                 <p:nvPr/>
               </p:nvCxnSpPr>
               <p:spPr>
@@ -10187,16 +9368,8 @@
             </p:cxnSp>
             <p:cxnSp>
               <p:nvCxnSpPr>
-                <p:cNvPr id="172" name="Straight Connector 171">
-                  <a:extLst>
-                    <a:ext uri="{FF2B5EF4-FFF2-40B4-BE49-F238E27FC236}">
-                      <a16:creationId xmlns:a16="http://schemas.microsoft.com/office/drawing/2014/main" id="{4DBD848F-15E1-7D1D-8142-EA59B10A80EB}"/>
-                    </a:ext>
-                  </a:extLst>
-                </p:cNvPr>
-                <p:cNvCxnSpPr>
-                  <a:cxnSpLocks/>
-                </p:cNvCxnSpPr>
+                <p:cNvPr id="172" name="Straight Connector 171"/>
+                <p:cNvCxnSpPr/>
                 <p:nvPr/>
               </p:nvCxnSpPr>
               <p:spPr>
@@ -10230,16 +9403,8 @@
             </p:cxnSp>
             <p:cxnSp>
               <p:nvCxnSpPr>
-                <p:cNvPr id="173" name="Straight Connector 172">
-                  <a:extLst>
-                    <a:ext uri="{FF2B5EF4-FFF2-40B4-BE49-F238E27FC236}">
-                      <a16:creationId xmlns:a16="http://schemas.microsoft.com/office/drawing/2014/main" id="{80F6830E-CB99-5AC3-2C04-EF4DB42F7AB1}"/>
-                    </a:ext>
-                  </a:extLst>
-                </p:cNvPr>
-                <p:cNvCxnSpPr>
-                  <a:cxnSpLocks/>
-                </p:cNvCxnSpPr>
+                <p:cNvPr id="173" name="Straight Connector 172"/>
+                <p:cNvCxnSpPr/>
                 <p:nvPr/>
               </p:nvCxnSpPr>
               <p:spPr>
@@ -10273,16 +9438,8 @@
             </p:cxnSp>
             <p:cxnSp>
               <p:nvCxnSpPr>
-                <p:cNvPr id="174" name="Straight Connector 173">
-                  <a:extLst>
-                    <a:ext uri="{FF2B5EF4-FFF2-40B4-BE49-F238E27FC236}">
-                      <a16:creationId xmlns:a16="http://schemas.microsoft.com/office/drawing/2014/main" id="{81C9FC45-6A41-38F4-B9ED-E70A6B4EC65B}"/>
-                    </a:ext>
-                  </a:extLst>
-                </p:cNvPr>
-                <p:cNvCxnSpPr>
-                  <a:cxnSpLocks/>
-                </p:cNvCxnSpPr>
+                <p:cNvPr id="174" name="Straight Connector 173"/>
+                <p:cNvCxnSpPr/>
                 <p:nvPr/>
               </p:nvCxnSpPr>
               <p:spPr>
@@ -10316,16 +9473,8 @@
             </p:cxnSp>
             <p:cxnSp>
               <p:nvCxnSpPr>
-                <p:cNvPr id="175" name="Straight Connector 174">
-                  <a:extLst>
-                    <a:ext uri="{FF2B5EF4-FFF2-40B4-BE49-F238E27FC236}">
-                      <a16:creationId xmlns:a16="http://schemas.microsoft.com/office/drawing/2014/main" id="{2852DDB0-0374-607C-3D09-8D8A6358DA19}"/>
-                    </a:ext>
-                  </a:extLst>
-                </p:cNvPr>
-                <p:cNvCxnSpPr>
-                  <a:cxnSpLocks/>
-                </p:cNvCxnSpPr>
+                <p:cNvPr id="175" name="Straight Connector 174"/>
+                <p:cNvCxnSpPr/>
                 <p:nvPr/>
               </p:nvCxnSpPr>
               <p:spPr>
@@ -10359,16 +9508,8 @@
             </p:cxnSp>
             <p:cxnSp>
               <p:nvCxnSpPr>
-                <p:cNvPr id="181" name="Straight Connector 180">
-                  <a:extLst>
-                    <a:ext uri="{FF2B5EF4-FFF2-40B4-BE49-F238E27FC236}">
-                      <a16:creationId xmlns:a16="http://schemas.microsoft.com/office/drawing/2014/main" id="{0FFC9B9F-ECF8-DEAE-A996-2E8067F08DC1}"/>
-                    </a:ext>
-                  </a:extLst>
-                </p:cNvPr>
-                <p:cNvCxnSpPr>
-                  <a:cxnSpLocks/>
-                </p:cNvCxnSpPr>
+                <p:cNvPr id="181" name="Straight Connector 180"/>
+                <p:cNvCxnSpPr/>
                 <p:nvPr/>
               </p:nvCxnSpPr>
               <p:spPr>
@@ -10402,16 +9543,8 @@
             </p:cxnSp>
             <p:cxnSp>
               <p:nvCxnSpPr>
-                <p:cNvPr id="182" name="Straight Connector 181">
-                  <a:extLst>
-                    <a:ext uri="{FF2B5EF4-FFF2-40B4-BE49-F238E27FC236}">
-                      <a16:creationId xmlns:a16="http://schemas.microsoft.com/office/drawing/2014/main" id="{8D7E63DA-DC8C-5B72-175B-C733F1EB2A54}"/>
-                    </a:ext>
-                  </a:extLst>
-                </p:cNvPr>
-                <p:cNvCxnSpPr>
-                  <a:cxnSpLocks/>
-                </p:cNvCxnSpPr>
+                <p:cNvPr id="182" name="Straight Connector 181"/>
+                <p:cNvCxnSpPr/>
                 <p:nvPr/>
               </p:nvCxnSpPr>
               <p:spPr>
@@ -10445,16 +9578,8 @@
             </p:cxnSp>
             <p:cxnSp>
               <p:nvCxnSpPr>
-                <p:cNvPr id="183" name="Straight Connector 182">
-                  <a:extLst>
-                    <a:ext uri="{FF2B5EF4-FFF2-40B4-BE49-F238E27FC236}">
-                      <a16:creationId xmlns:a16="http://schemas.microsoft.com/office/drawing/2014/main" id="{AF386E27-F7EF-48DF-D5E3-05797314A229}"/>
-                    </a:ext>
-                  </a:extLst>
-                </p:cNvPr>
-                <p:cNvCxnSpPr>
-                  <a:cxnSpLocks/>
-                </p:cNvCxnSpPr>
+                <p:cNvPr id="183" name="Straight Connector 182"/>
+                <p:cNvCxnSpPr/>
                 <p:nvPr/>
               </p:nvCxnSpPr>
               <p:spPr>
@@ -10488,16 +9613,8 @@
             </p:cxnSp>
             <p:cxnSp>
               <p:nvCxnSpPr>
-                <p:cNvPr id="184" name="Straight Connector 183">
-                  <a:extLst>
-                    <a:ext uri="{FF2B5EF4-FFF2-40B4-BE49-F238E27FC236}">
-                      <a16:creationId xmlns:a16="http://schemas.microsoft.com/office/drawing/2014/main" id="{133CE1BA-5B40-59D8-9431-E61CF901B3BC}"/>
-                    </a:ext>
-                  </a:extLst>
-                </p:cNvPr>
-                <p:cNvCxnSpPr>
-                  <a:cxnSpLocks/>
-                </p:cNvCxnSpPr>
+                <p:cNvPr id="184" name="Straight Connector 183"/>
+                <p:cNvCxnSpPr/>
                 <p:nvPr/>
               </p:nvCxnSpPr>
               <p:spPr>
@@ -10531,13 +9648,7 @@
             </p:cxnSp>
             <p:sp>
               <p:nvSpPr>
-                <p:cNvPr id="185" name="TextBox 184">
-                  <a:extLst>
-                    <a:ext uri="{FF2B5EF4-FFF2-40B4-BE49-F238E27FC236}">
-                      <a16:creationId xmlns:a16="http://schemas.microsoft.com/office/drawing/2014/main" id="{5B7A450A-A030-525A-4BD4-5023AC31C1CF}"/>
-                    </a:ext>
-                  </a:extLst>
-                </p:cNvPr>
+                <p:cNvPr id="185" name="TextBox 184"/>
                 <p:cNvSpPr txBox="1"/>
                 <p:nvPr/>
               </p:nvSpPr>
@@ -10559,23 +9670,21 @@
                 <a:p>
                   <a:r>
                     <a:rPr lang="en-US" sz="2400" dirty="0">
-                      <a:latin typeface="Arial" panose="020B0604020202020204" pitchFamily="34" charset="0"/>
-                      <a:cs typeface="Arial" panose="020B0604020202020204" pitchFamily="34" charset="0"/>
+                      <a:latin typeface="Arial" panose="02080604020202020204" pitchFamily="34" charset="0"/>
+                      <a:cs typeface="Arial" panose="02080604020202020204" pitchFamily="34" charset="0"/>
                     </a:rPr>
                     <a:t>100</a:t>
                   </a:r>
+                  <a:endParaRPr lang="en-US" sz="2400" dirty="0">
+                    <a:latin typeface="Arial" panose="02080604020202020204" pitchFamily="34" charset="0"/>
+                    <a:cs typeface="Arial" panose="02080604020202020204" pitchFamily="34" charset="0"/>
+                  </a:endParaRPr>
                 </a:p>
               </p:txBody>
             </p:sp>
             <p:sp>
               <p:nvSpPr>
-                <p:cNvPr id="186" name="TextBox 185">
-                  <a:extLst>
-                    <a:ext uri="{FF2B5EF4-FFF2-40B4-BE49-F238E27FC236}">
-                      <a16:creationId xmlns:a16="http://schemas.microsoft.com/office/drawing/2014/main" id="{04BFE6E7-C09B-466A-9B3C-B9CBF882806A}"/>
-                    </a:ext>
-                  </a:extLst>
-                </p:cNvPr>
+                <p:cNvPr id="186" name="TextBox 185"/>
                 <p:cNvSpPr txBox="1"/>
                 <p:nvPr/>
               </p:nvSpPr>
@@ -10597,23 +9706,21 @@
                 <a:p>
                   <a:r>
                     <a:rPr lang="en-US" sz="2400" dirty="0">
-                      <a:latin typeface="Arial" panose="020B0604020202020204" pitchFamily="34" charset="0"/>
-                      <a:cs typeface="Arial" panose="020B0604020202020204" pitchFamily="34" charset="0"/>
+                      <a:latin typeface="Arial" panose="02080604020202020204" pitchFamily="34" charset="0"/>
+                      <a:cs typeface="Arial" panose="02080604020202020204" pitchFamily="34" charset="0"/>
                     </a:rPr>
                     <a:t>200</a:t>
                   </a:r>
+                  <a:endParaRPr lang="en-US" sz="2400" dirty="0">
+                    <a:latin typeface="Arial" panose="02080604020202020204" pitchFamily="34" charset="0"/>
+                    <a:cs typeface="Arial" panose="02080604020202020204" pitchFamily="34" charset="0"/>
+                  </a:endParaRPr>
                 </a:p>
               </p:txBody>
             </p:sp>
             <p:sp>
               <p:nvSpPr>
-                <p:cNvPr id="187" name="TextBox 186">
-                  <a:extLst>
-                    <a:ext uri="{FF2B5EF4-FFF2-40B4-BE49-F238E27FC236}">
-                      <a16:creationId xmlns:a16="http://schemas.microsoft.com/office/drawing/2014/main" id="{2D59D7EF-6DE9-A693-6A96-E078A32C111C}"/>
-                    </a:ext>
-                  </a:extLst>
-                </p:cNvPr>
+                <p:cNvPr id="187" name="TextBox 186"/>
                 <p:cNvSpPr txBox="1"/>
                 <p:nvPr/>
               </p:nvSpPr>
@@ -10635,23 +9742,21 @@
                 <a:p>
                   <a:r>
                     <a:rPr lang="en-US" sz="2400" dirty="0">
-                      <a:latin typeface="Arial" panose="020B0604020202020204" pitchFamily="34" charset="0"/>
-                      <a:cs typeface="Arial" panose="020B0604020202020204" pitchFamily="34" charset="0"/>
+                      <a:latin typeface="Arial" panose="02080604020202020204" pitchFamily="34" charset="0"/>
+                      <a:cs typeface="Arial" panose="02080604020202020204" pitchFamily="34" charset="0"/>
                     </a:rPr>
                     <a:t>300</a:t>
                   </a:r>
+                  <a:endParaRPr lang="en-US" sz="2400" dirty="0">
+                    <a:latin typeface="Arial" panose="02080604020202020204" pitchFamily="34" charset="0"/>
+                    <a:cs typeface="Arial" panose="02080604020202020204" pitchFamily="34" charset="0"/>
+                  </a:endParaRPr>
                 </a:p>
               </p:txBody>
             </p:sp>
             <p:sp>
               <p:nvSpPr>
-                <p:cNvPr id="188" name="TextBox 187">
-                  <a:extLst>
-                    <a:ext uri="{FF2B5EF4-FFF2-40B4-BE49-F238E27FC236}">
-                      <a16:creationId xmlns:a16="http://schemas.microsoft.com/office/drawing/2014/main" id="{E6C3E368-AA1C-74ED-C4DB-C08658304B4C}"/>
-                    </a:ext>
-                  </a:extLst>
-                </p:cNvPr>
+                <p:cNvPr id="188" name="TextBox 187"/>
                 <p:cNvSpPr txBox="1"/>
                 <p:nvPr/>
               </p:nvSpPr>
@@ -10673,23 +9778,21 @@
                 <a:p>
                   <a:r>
                     <a:rPr lang="en-US" sz="2400" dirty="0">
-                      <a:latin typeface="Arial" panose="020B0604020202020204" pitchFamily="34" charset="0"/>
-                      <a:cs typeface="Arial" panose="020B0604020202020204" pitchFamily="34" charset="0"/>
+                      <a:latin typeface="Arial" panose="02080604020202020204" pitchFamily="34" charset="0"/>
+                      <a:cs typeface="Arial" panose="02080604020202020204" pitchFamily="34" charset="0"/>
                     </a:rPr>
                     <a:t>400</a:t>
                   </a:r>
+                  <a:endParaRPr lang="en-US" sz="2400" dirty="0">
+                    <a:latin typeface="Arial" panose="02080604020202020204" pitchFamily="34" charset="0"/>
+                    <a:cs typeface="Arial" panose="02080604020202020204" pitchFamily="34" charset="0"/>
+                  </a:endParaRPr>
                 </a:p>
               </p:txBody>
             </p:sp>
             <p:sp>
               <p:nvSpPr>
-                <p:cNvPr id="190" name="TextBox 189">
-                  <a:extLst>
-                    <a:ext uri="{FF2B5EF4-FFF2-40B4-BE49-F238E27FC236}">
-                      <a16:creationId xmlns:a16="http://schemas.microsoft.com/office/drawing/2014/main" id="{366E3409-22F8-93E1-6977-C9BF407301C0}"/>
-                    </a:ext>
-                  </a:extLst>
-                </p:cNvPr>
+                <p:cNvPr id="190" name="TextBox 189"/>
                 <p:cNvSpPr txBox="1"/>
                 <p:nvPr/>
               </p:nvSpPr>
@@ -10711,23 +9814,21 @@
                 <a:p>
                   <a:r>
                     <a:rPr lang="en-US" sz="2400" dirty="0">
-                      <a:latin typeface="Arial" panose="020B0604020202020204" pitchFamily="34" charset="0"/>
-                      <a:cs typeface="Arial" panose="020B0604020202020204" pitchFamily="34" charset="0"/>
+                      <a:latin typeface="Arial" panose="02080604020202020204" pitchFamily="34" charset="0"/>
+                      <a:cs typeface="Arial" panose="02080604020202020204" pitchFamily="34" charset="0"/>
                     </a:rPr>
                     <a:t>600</a:t>
                   </a:r>
+                  <a:endParaRPr lang="en-US" sz="2400" dirty="0">
+                    <a:latin typeface="Arial" panose="02080604020202020204" pitchFamily="34" charset="0"/>
+                    <a:cs typeface="Arial" panose="02080604020202020204" pitchFamily="34" charset="0"/>
+                  </a:endParaRPr>
                 </a:p>
               </p:txBody>
             </p:sp>
             <p:sp>
               <p:nvSpPr>
-                <p:cNvPr id="191" name="TextBox 190">
-                  <a:extLst>
-                    <a:ext uri="{FF2B5EF4-FFF2-40B4-BE49-F238E27FC236}">
-                      <a16:creationId xmlns:a16="http://schemas.microsoft.com/office/drawing/2014/main" id="{1201788E-A0A2-FA0E-1800-D1AB5C18EABB}"/>
-                    </a:ext>
-                  </a:extLst>
-                </p:cNvPr>
+                <p:cNvPr id="191" name="TextBox 190"/>
                 <p:cNvSpPr txBox="1"/>
                 <p:nvPr/>
               </p:nvSpPr>
@@ -10749,23 +9850,21 @@
                 <a:p>
                   <a:r>
                     <a:rPr lang="en-US" sz="2400" dirty="0">
-                      <a:latin typeface="Arial" panose="020B0604020202020204" pitchFamily="34" charset="0"/>
-                      <a:cs typeface="Arial" panose="020B0604020202020204" pitchFamily="34" charset="0"/>
+                      <a:latin typeface="Arial" panose="02080604020202020204" pitchFamily="34" charset="0"/>
+                      <a:cs typeface="Arial" panose="02080604020202020204" pitchFamily="34" charset="0"/>
                     </a:rPr>
                     <a:t>700</a:t>
                   </a:r>
+                  <a:endParaRPr lang="en-US" sz="2400" dirty="0">
+                    <a:latin typeface="Arial" panose="02080604020202020204" pitchFamily="34" charset="0"/>
+                    <a:cs typeface="Arial" panose="02080604020202020204" pitchFamily="34" charset="0"/>
+                  </a:endParaRPr>
                 </a:p>
               </p:txBody>
             </p:sp>
             <p:sp>
               <p:nvSpPr>
-                <p:cNvPr id="192" name="TextBox 191">
-                  <a:extLst>
-                    <a:ext uri="{FF2B5EF4-FFF2-40B4-BE49-F238E27FC236}">
-                      <a16:creationId xmlns:a16="http://schemas.microsoft.com/office/drawing/2014/main" id="{A4E76502-BEE4-5CC3-DEDF-87434C70147F}"/>
-                    </a:ext>
-                  </a:extLst>
-                </p:cNvPr>
+                <p:cNvPr id="192" name="TextBox 191"/>
                 <p:cNvSpPr txBox="1"/>
                 <p:nvPr/>
               </p:nvSpPr>
@@ -10787,23 +9886,21 @@
                 <a:p>
                   <a:r>
                     <a:rPr lang="en-US" sz="2400" dirty="0">
-                      <a:latin typeface="Arial" panose="020B0604020202020204" pitchFamily="34" charset="0"/>
-                      <a:cs typeface="Arial" panose="020B0604020202020204" pitchFamily="34" charset="0"/>
+                      <a:latin typeface="Arial" panose="02080604020202020204" pitchFamily="34" charset="0"/>
+                      <a:cs typeface="Arial" panose="02080604020202020204" pitchFamily="34" charset="0"/>
                     </a:rPr>
                     <a:t>800</a:t>
                   </a:r>
+                  <a:endParaRPr lang="en-US" sz="2400" dirty="0">
+                    <a:latin typeface="Arial" panose="02080604020202020204" pitchFamily="34" charset="0"/>
+                    <a:cs typeface="Arial" panose="02080604020202020204" pitchFamily="34" charset="0"/>
+                  </a:endParaRPr>
                 </a:p>
               </p:txBody>
             </p:sp>
             <p:sp>
               <p:nvSpPr>
-                <p:cNvPr id="193" name="TextBox 192">
-                  <a:extLst>
-                    <a:ext uri="{FF2B5EF4-FFF2-40B4-BE49-F238E27FC236}">
-                      <a16:creationId xmlns:a16="http://schemas.microsoft.com/office/drawing/2014/main" id="{36942887-F9A1-9224-E981-54D6E3C8C8C4}"/>
-                    </a:ext>
-                  </a:extLst>
-                </p:cNvPr>
+                <p:cNvPr id="193" name="TextBox 192"/>
                 <p:cNvSpPr txBox="1"/>
                 <p:nvPr/>
               </p:nvSpPr>
@@ -10825,23 +9922,21 @@
                 <a:p>
                   <a:r>
                     <a:rPr lang="en-US" sz="2400" dirty="0">
-                      <a:latin typeface="Arial" panose="020B0604020202020204" pitchFamily="34" charset="0"/>
-                      <a:cs typeface="Arial" panose="020B0604020202020204" pitchFamily="34" charset="0"/>
+                      <a:latin typeface="Arial" panose="02080604020202020204" pitchFamily="34" charset="0"/>
+                      <a:cs typeface="Arial" panose="02080604020202020204" pitchFamily="34" charset="0"/>
                     </a:rPr>
                     <a:t>900</a:t>
                   </a:r>
+                  <a:endParaRPr lang="en-US" sz="2400" dirty="0">
+                    <a:latin typeface="Arial" panose="02080604020202020204" pitchFamily="34" charset="0"/>
+                    <a:cs typeface="Arial" panose="02080604020202020204" pitchFamily="34" charset="0"/>
+                  </a:endParaRPr>
                 </a:p>
               </p:txBody>
             </p:sp>
             <p:sp>
               <p:nvSpPr>
-                <p:cNvPr id="194" name="TextBox 193">
-                  <a:extLst>
-                    <a:ext uri="{FF2B5EF4-FFF2-40B4-BE49-F238E27FC236}">
-                      <a16:creationId xmlns:a16="http://schemas.microsoft.com/office/drawing/2014/main" id="{59BFD41A-9FE3-E421-FC89-4B66940C49BF}"/>
-                    </a:ext>
-                  </a:extLst>
-                </p:cNvPr>
+                <p:cNvPr id="194" name="TextBox 193"/>
                 <p:cNvSpPr txBox="1"/>
                 <p:nvPr/>
               </p:nvSpPr>
@@ -10863,23 +9958,21 @@
                 <a:p>
                   <a:r>
                     <a:rPr lang="en-US" sz="2400" dirty="0">
-                      <a:latin typeface="Arial" panose="020B0604020202020204" pitchFamily="34" charset="0"/>
-                      <a:cs typeface="Arial" panose="020B0604020202020204" pitchFamily="34" charset="0"/>
+                      <a:latin typeface="Arial" panose="02080604020202020204" pitchFamily="34" charset="0"/>
+                      <a:cs typeface="Arial" panose="02080604020202020204" pitchFamily="34" charset="0"/>
                     </a:rPr>
                     <a:t>0</a:t>
                   </a:r>
+                  <a:endParaRPr lang="en-US" sz="2400" dirty="0">
+                    <a:latin typeface="Arial" panose="02080604020202020204" pitchFamily="34" charset="0"/>
+                    <a:cs typeface="Arial" panose="02080604020202020204" pitchFamily="34" charset="0"/>
+                  </a:endParaRPr>
                 </a:p>
               </p:txBody>
             </p:sp>
             <p:sp>
               <p:nvSpPr>
-                <p:cNvPr id="198" name="TextBox 197">
-                  <a:extLst>
-                    <a:ext uri="{FF2B5EF4-FFF2-40B4-BE49-F238E27FC236}">
-                      <a16:creationId xmlns:a16="http://schemas.microsoft.com/office/drawing/2014/main" id="{67F90B05-7E70-533E-D67B-87131E80A266}"/>
-                    </a:ext>
-                  </a:extLst>
-                </p:cNvPr>
+                <p:cNvPr id="198" name="TextBox 197"/>
                 <p:cNvSpPr txBox="1"/>
                 <p:nvPr/>
               </p:nvSpPr>
@@ -10901,26 +9994,22 @@
                 <a:p>
                   <a:r>
                     <a:rPr lang="en-US" sz="2400" dirty="0">
-                      <a:latin typeface="Arial" panose="020B0604020202020204" pitchFamily="34" charset="0"/>
-                      <a:cs typeface="Arial" panose="020B0604020202020204" pitchFamily="34" charset="0"/>
+                      <a:latin typeface="Arial" panose="02080604020202020204" pitchFamily="34" charset="0"/>
+                      <a:cs typeface="Arial" panose="02080604020202020204" pitchFamily="34" charset="0"/>
                     </a:rPr>
                     <a:t>500</a:t>
                   </a:r>
+                  <a:endParaRPr lang="en-US" sz="2400" dirty="0">
+                    <a:latin typeface="Arial" panose="02080604020202020204" pitchFamily="34" charset="0"/>
+                    <a:cs typeface="Arial" panose="02080604020202020204" pitchFamily="34" charset="0"/>
+                  </a:endParaRPr>
                 </a:p>
               </p:txBody>
             </p:sp>
             <p:cxnSp>
               <p:nvCxnSpPr>
-                <p:cNvPr id="199" name="Straight Connector 198">
-                  <a:extLst>
-                    <a:ext uri="{FF2B5EF4-FFF2-40B4-BE49-F238E27FC236}">
-                      <a16:creationId xmlns:a16="http://schemas.microsoft.com/office/drawing/2014/main" id="{0348533F-EC26-3D1A-FAD1-6A083967AE0A}"/>
-                    </a:ext>
-                  </a:extLst>
-                </p:cNvPr>
-                <p:cNvCxnSpPr>
-                  <a:cxnSpLocks/>
-                </p:cNvCxnSpPr>
+                <p:cNvPr id="199" name="Straight Connector 198"/>
+                <p:cNvCxnSpPr/>
                 <p:nvPr/>
               </p:nvCxnSpPr>
               <p:spPr>
@@ -10954,13 +10043,7 @@
             </p:cxnSp>
             <p:sp>
               <p:nvSpPr>
-                <p:cNvPr id="211" name="TextBox 210">
-                  <a:extLst>
-                    <a:ext uri="{FF2B5EF4-FFF2-40B4-BE49-F238E27FC236}">
-                      <a16:creationId xmlns:a16="http://schemas.microsoft.com/office/drawing/2014/main" id="{3F078158-C3A3-6BE5-F9A0-C3801426FC40}"/>
-                    </a:ext>
-                  </a:extLst>
-                </p:cNvPr>
+                <p:cNvPr id="211" name="TextBox 210"/>
                 <p:cNvSpPr txBox="1"/>
                 <p:nvPr/>
               </p:nvSpPr>
@@ -10983,23 +10066,21 @@
                   <a:pPr algn="ctr"/>
                   <a:r>
                     <a:rPr lang="en-US" sz="2400" dirty="0">
-                      <a:latin typeface="Arial" panose="020B0604020202020204" pitchFamily="34" charset="0"/>
-                      <a:cs typeface="Arial" panose="020B0604020202020204" pitchFamily="34" charset="0"/>
+                      <a:latin typeface="Arial" panose="02080604020202020204" pitchFamily="34" charset="0"/>
+                      <a:cs typeface="Arial" panose="02080604020202020204" pitchFamily="34" charset="0"/>
                     </a:rPr>
                     <a:t>Antenna States</a:t>
                   </a:r>
+                  <a:endParaRPr lang="en-US" sz="2400" dirty="0">
+                    <a:latin typeface="Arial" panose="02080604020202020204" pitchFamily="34" charset="0"/>
+                    <a:cs typeface="Arial" panose="02080604020202020204" pitchFamily="34" charset="0"/>
+                  </a:endParaRPr>
                 </a:p>
               </p:txBody>
             </p:sp>
             <p:sp>
               <p:nvSpPr>
-                <p:cNvPr id="227" name="TextBox 226">
-                  <a:extLst>
-                    <a:ext uri="{FF2B5EF4-FFF2-40B4-BE49-F238E27FC236}">
-                      <a16:creationId xmlns:a16="http://schemas.microsoft.com/office/drawing/2014/main" id="{E2AF808F-1D6E-B6A6-84B7-01497352E6CF}"/>
-                    </a:ext>
-                  </a:extLst>
-                </p:cNvPr>
+                <p:cNvPr id="227" name="TextBox 226"/>
                 <p:cNvSpPr txBox="1"/>
                 <p:nvPr/>
               </p:nvSpPr>
@@ -11022,35 +10103,36 @@
                   <a:pPr algn="ctr"/>
                   <a:r>
                     <a:rPr lang="en-US" sz="2400" dirty="0">
-                      <a:latin typeface="Arial" panose="020B0604020202020204" pitchFamily="34" charset="0"/>
-                      <a:cs typeface="Arial" panose="020B0604020202020204" pitchFamily="34" charset="0"/>
+                      <a:latin typeface="Arial" panose="02080604020202020204" pitchFamily="34" charset="0"/>
+                      <a:cs typeface="Arial" panose="02080604020202020204" pitchFamily="34" charset="0"/>
                     </a:rPr>
                     <a:t>User</a:t>
                   </a:r>
+                  <a:endParaRPr lang="en-US" sz="2400" dirty="0">
+                    <a:latin typeface="Arial" panose="02080604020202020204" pitchFamily="34" charset="0"/>
+                    <a:cs typeface="Arial" panose="02080604020202020204" pitchFamily="34" charset="0"/>
+                  </a:endParaRPr>
                 </a:p>
                 <a:p>
                   <a:pPr algn="ctr"/>
                   <a:r>
                     <a:rPr lang="en-US" sz="2400" dirty="0">
-                      <a:latin typeface="Arial" panose="020B0604020202020204" pitchFamily="34" charset="0"/>
-                      <a:cs typeface="Arial" panose="020B0604020202020204" pitchFamily="34" charset="0"/>
+                      <a:latin typeface="Arial" panose="02080604020202020204" pitchFamily="34" charset="0"/>
+                      <a:cs typeface="Arial" panose="02080604020202020204" pitchFamily="34" charset="0"/>
                     </a:rPr>
                     <a:t>Positions</a:t>
                   </a:r>
+                  <a:endParaRPr lang="en-US" sz="2400" dirty="0">
+                    <a:latin typeface="Arial" panose="02080604020202020204" pitchFamily="34" charset="0"/>
+                    <a:cs typeface="Arial" panose="02080604020202020204" pitchFamily="34" charset="0"/>
+                  </a:endParaRPr>
                 </a:p>
               </p:txBody>
             </p:sp>
             <p:cxnSp>
               <p:nvCxnSpPr>
-                <p:cNvPr id="228" name="Straight Arrow Connector 227">
-                  <a:extLst>
-                    <a:ext uri="{FF2B5EF4-FFF2-40B4-BE49-F238E27FC236}">
-                      <a16:creationId xmlns:a16="http://schemas.microsoft.com/office/drawing/2014/main" id="{A457110C-6969-6BEF-8D5B-70B51EE2BAEF}"/>
-                    </a:ext>
-                  </a:extLst>
-                </p:cNvPr>
+                <p:cNvPr id="228" name="Straight Arrow Connector 227"/>
                 <p:cNvCxnSpPr>
-                  <a:cxnSpLocks/>
                   <a:stCxn id="227" idx="0"/>
                   <a:endCxn id="191" idx="1"/>
                 </p:cNvCxnSpPr>
@@ -11090,15 +10172,8 @@
             </p:cxnSp>
             <p:cxnSp>
               <p:nvCxnSpPr>
-                <p:cNvPr id="231" name="Straight Arrow Connector 230">
-                  <a:extLst>
-                    <a:ext uri="{FF2B5EF4-FFF2-40B4-BE49-F238E27FC236}">
-                      <a16:creationId xmlns:a16="http://schemas.microsoft.com/office/drawing/2014/main" id="{0EF4EB69-EBF8-DA76-CF4A-3C3BC0A55B6F}"/>
-                    </a:ext>
-                  </a:extLst>
-                </p:cNvPr>
+                <p:cNvPr id="231" name="Straight Arrow Connector 230"/>
                 <p:cNvCxnSpPr>
-                  <a:cxnSpLocks/>
                   <a:stCxn id="227" idx="0"/>
                   <a:endCxn id="190" idx="2"/>
                 </p:cNvCxnSpPr>
@@ -11138,13 +10213,7 @@
             </p:cxnSp>
             <p:grpSp>
               <p:nvGrpSpPr>
-                <p:cNvPr id="278" name="Group 277">
-                  <a:extLst>
-                    <a:ext uri="{FF2B5EF4-FFF2-40B4-BE49-F238E27FC236}">
-                      <a16:creationId xmlns:a16="http://schemas.microsoft.com/office/drawing/2014/main" id="{773CA0F3-B120-3610-BC7E-0CA6FCE1E8FD}"/>
-                    </a:ext>
-                  </a:extLst>
-                </p:cNvPr>
+                <p:cNvPr id="278" name="Group 277"/>
                 <p:cNvGrpSpPr/>
                 <p:nvPr/>
               </p:nvGrpSpPr>
@@ -11158,13 +10227,7 @@
               </p:grpSpPr>
               <p:sp>
                 <p:nvSpPr>
-                  <p:cNvPr id="260" name="Oval 259">
-                    <a:extLst>
-                      <a:ext uri="{FF2B5EF4-FFF2-40B4-BE49-F238E27FC236}">
-                        <a16:creationId xmlns:a16="http://schemas.microsoft.com/office/drawing/2014/main" id="{C2CB8DE0-75FE-FE37-4B0E-0575381B8F56}"/>
-                      </a:ext>
-                    </a:extLst>
-                  </p:cNvPr>
+                  <p:cNvPr id="260" name="Oval 259"/>
                   <p:cNvSpPr/>
                   <p:nvPr/>
                 </p:nvSpPr>
@@ -11215,13 +10278,7 @@
               </p:sp>
               <p:sp>
                 <p:nvSpPr>
-                  <p:cNvPr id="261" name="TextBox 260">
-                    <a:extLst>
-                      <a:ext uri="{FF2B5EF4-FFF2-40B4-BE49-F238E27FC236}">
-                        <a16:creationId xmlns:a16="http://schemas.microsoft.com/office/drawing/2014/main" id="{06B3A0A9-6D80-233E-A328-D691D3D3159D}"/>
-                      </a:ext>
-                    </a:extLst>
-                  </p:cNvPr>
+                  <p:cNvPr id="261" name="TextBox 260"/>
                   <p:cNvSpPr txBox="1"/>
                   <p:nvPr/>
                 </p:nvSpPr>
@@ -11243,24 +10300,22 @@
                   <a:p>
                     <a:r>
                       <a:rPr lang="en-US" sz="2400" dirty="0">
-                        <a:latin typeface="Arial" panose="020B0604020202020204" pitchFamily="34" charset="0"/>
-                        <a:cs typeface="Arial" panose="020B0604020202020204" pitchFamily="34" charset="0"/>
+                        <a:latin typeface="Arial" panose="02080604020202020204" pitchFamily="34" charset="0"/>
+                        <a:cs typeface="Arial" panose="02080604020202020204" pitchFamily="34" charset="0"/>
                       </a:rPr>
                       <a:t>1</a:t>
                     </a:r>
+                    <a:endParaRPr lang="en-US" sz="2400" dirty="0">
+                      <a:latin typeface="Arial" panose="02080604020202020204" pitchFamily="34" charset="0"/>
+                      <a:cs typeface="Arial" panose="02080604020202020204" pitchFamily="34" charset="0"/>
+                    </a:endParaRPr>
                   </a:p>
                 </p:txBody>
               </p:sp>
             </p:grpSp>
             <p:grpSp>
               <p:nvGrpSpPr>
-                <p:cNvPr id="281" name="Group 280">
-                  <a:extLst>
-                    <a:ext uri="{FF2B5EF4-FFF2-40B4-BE49-F238E27FC236}">
-                      <a16:creationId xmlns:a16="http://schemas.microsoft.com/office/drawing/2014/main" id="{A5F078E2-FCA7-8D9E-1240-AA49F41A3092}"/>
-                    </a:ext>
-                  </a:extLst>
-                </p:cNvPr>
+                <p:cNvPr id="281" name="Group 280"/>
                 <p:cNvGrpSpPr/>
                 <p:nvPr/>
               </p:nvGrpSpPr>
@@ -11274,13 +10329,7 @@
               </p:grpSpPr>
               <p:sp>
                 <p:nvSpPr>
-                  <p:cNvPr id="266" name="Oval 265">
-                    <a:extLst>
-                      <a:ext uri="{FF2B5EF4-FFF2-40B4-BE49-F238E27FC236}">
-                        <a16:creationId xmlns:a16="http://schemas.microsoft.com/office/drawing/2014/main" id="{D5AFC348-94B7-94C2-A417-C06D34289BDB}"/>
-                      </a:ext>
-                    </a:extLst>
-                  </p:cNvPr>
+                  <p:cNvPr id="266" name="Oval 265"/>
                   <p:cNvSpPr/>
                   <p:nvPr/>
                 </p:nvSpPr>
@@ -11331,13 +10380,7 @@
               </p:sp>
               <p:sp>
                 <p:nvSpPr>
-                  <p:cNvPr id="267" name="TextBox 266">
-                    <a:extLst>
-                      <a:ext uri="{FF2B5EF4-FFF2-40B4-BE49-F238E27FC236}">
-                        <a16:creationId xmlns:a16="http://schemas.microsoft.com/office/drawing/2014/main" id="{4A296C79-848F-B7C1-64F5-7C2F3632FB9C}"/>
-                      </a:ext>
-                    </a:extLst>
-                  </p:cNvPr>
+                  <p:cNvPr id="267" name="TextBox 266"/>
                   <p:cNvSpPr txBox="1"/>
                   <p:nvPr/>
                 </p:nvSpPr>
@@ -11359,24 +10402,22 @@
                   <a:p>
                     <a:r>
                       <a:rPr lang="en-US" sz="2400" dirty="0">
-                        <a:latin typeface="Arial" panose="020B0604020202020204" pitchFamily="34" charset="0"/>
-                        <a:cs typeface="Arial" panose="020B0604020202020204" pitchFamily="34" charset="0"/>
+                        <a:latin typeface="Arial" panose="02080604020202020204" pitchFamily="34" charset="0"/>
+                        <a:cs typeface="Arial" panose="02080604020202020204" pitchFamily="34" charset="0"/>
                       </a:rPr>
                       <a:t>3</a:t>
                     </a:r>
+                    <a:endParaRPr lang="en-US" sz="2400" dirty="0">
+                      <a:latin typeface="Arial" panose="02080604020202020204" pitchFamily="34" charset="0"/>
+                      <a:cs typeface="Arial" panose="02080604020202020204" pitchFamily="34" charset="0"/>
+                    </a:endParaRPr>
                   </a:p>
                 </p:txBody>
               </p:sp>
             </p:grpSp>
             <p:grpSp>
               <p:nvGrpSpPr>
-                <p:cNvPr id="282" name="Group 281">
-                  <a:extLst>
-                    <a:ext uri="{FF2B5EF4-FFF2-40B4-BE49-F238E27FC236}">
-                      <a16:creationId xmlns:a16="http://schemas.microsoft.com/office/drawing/2014/main" id="{868F964B-06B9-504D-56EC-A128808B55FF}"/>
-                    </a:ext>
-                  </a:extLst>
-                </p:cNvPr>
+                <p:cNvPr id="282" name="Group 281"/>
                 <p:cNvGrpSpPr/>
                 <p:nvPr/>
               </p:nvGrpSpPr>
@@ -11390,13 +10431,7 @@
               </p:grpSpPr>
               <p:sp>
                 <p:nvSpPr>
-                  <p:cNvPr id="268" name="Oval 267">
-                    <a:extLst>
-                      <a:ext uri="{FF2B5EF4-FFF2-40B4-BE49-F238E27FC236}">
-                        <a16:creationId xmlns:a16="http://schemas.microsoft.com/office/drawing/2014/main" id="{1926EFFD-BFF5-0D40-9708-D455386AEE46}"/>
-                      </a:ext>
-                    </a:extLst>
-                  </p:cNvPr>
+                  <p:cNvPr id="268" name="Oval 267"/>
                   <p:cNvSpPr/>
                   <p:nvPr/>
                 </p:nvSpPr>
@@ -11447,13 +10482,7 @@
               </p:sp>
               <p:sp>
                 <p:nvSpPr>
-                  <p:cNvPr id="269" name="TextBox 268">
-                    <a:extLst>
-                      <a:ext uri="{FF2B5EF4-FFF2-40B4-BE49-F238E27FC236}">
-                        <a16:creationId xmlns:a16="http://schemas.microsoft.com/office/drawing/2014/main" id="{10335D99-C136-712E-C1A3-3707CEE3660C}"/>
-                      </a:ext>
-                    </a:extLst>
-                  </p:cNvPr>
+                  <p:cNvPr id="269" name="TextBox 268"/>
                   <p:cNvSpPr txBox="1"/>
                   <p:nvPr/>
                 </p:nvSpPr>
@@ -11475,24 +10504,22 @@
                   <a:p>
                     <a:r>
                       <a:rPr lang="en-US" sz="2400" dirty="0">
-                        <a:latin typeface="Arial" panose="020B0604020202020204" pitchFamily="34" charset="0"/>
-                        <a:cs typeface="Arial" panose="020B0604020202020204" pitchFamily="34" charset="0"/>
+                        <a:latin typeface="Arial" panose="02080604020202020204" pitchFamily="34" charset="0"/>
+                        <a:cs typeface="Arial" panose="02080604020202020204" pitchFamily="34" charset="0"/>
                       </a:rPr>
                       <a:t>4</a:t>
                     </a:r>
+                    <a:endParaRPr lang="en-US" sz="2400" dirty="0">
+                      <a:latin typeface="Arial" panose="02080604020202020204" pitchFamily="34" charset="0"/>
+                      <a:cs typeface="Arial" panose="02080604020202020204" pitchFamily="34" charset="0"/>
+                    </a:endParaRPr>
                   </a:p>
                 </p:txBody>
               </p:sp>
             </p:grpSp>
             <p:grpSp>
               <p:nvGrpSpPr>
-                <p:cNvPr id="283" name="Group 282">
-                  <a:extLst>
-                    <a:ext uri="{FF2B5EF4-FFF2-40B4-BE49-F238E27FC236}">
-                      <a16:creationId xmlns:a16="http://schemas.microsoft.com/office/drawing/2014/main" id="{E43CCC65-6A09-3DBC-593E-D48008054604}"/>
-                    </a:ext>
-                  </a:extLst>
-                </p:cNvPr>
+                <p:cNvPr id="283" name="Group 282"/>
                 <p:cNvGrpSpPr/>
                 <p:nvPr/>
               </p:nvGrpSpPr>
@@ -11506,13 +10533,7 @@
               </p:grpSpPr>
               <p:sp>
                 <p:nvSpPr>
-                  <p:cNvPr id="270" name="Oval 269">
-                    <a:extLst>
-                      <a:ext uri="{FF2B5EF4-FFF2-40B4-BE49-F238E27FC236}">
-                        <a16:creationId xmlns:a16="http://schemas.microsoft.com/office/drawing/2014/main" id="{93EDB84C-3985-07F9-9833-78DE493411C2}"/>
-                      </a:ext>
-                    </a:extLst>
-                  </p:cNvPr>
+                  <p:cNvPr id="270" name="Oval 269"/>
                   <p:cNvSpPr/>
                   <p:nvPr/>
                 </p:nvSpPr>
@@ -11563,13 +10584,7 @@
               </p:sp>
               <p:sp>
                 <p:nvSpPr>
-                  <p:cNvPr id="271" name="TextBox 270">
-                    <a:extLst>
-                      <a:ext uri="{FF2B5EF4-FFF2-40B4-BE49-F238E27FC236}">
-                        <a16:creationId xmlns:a16="http://schemas.microsoft.com/office/drawing/2014/main" id="{D4066D96-E3B7-E9EA-6D32-514961E189F9}"/>
-                      </a:ext>
-                    </a:extLst>
-                  </p:cNvPr>
+                  <p:cNvPr id="271" name="TextBox 270"/>
                   <p:cNvSpPr txBox="1"/>
                   <p:nvPr/>
                 </p:nvSpPr>
@@ -11591,24 +10606,22 @@
                   <a:p>
                     <a:r>
                       <a:rPr lang="en-US" sz="2400" dirty="0">
-                        <a:latin typeface="Arial" panose="020B0604020202020204" pitchFamily="34" charset="0"/>
-                        <a:cs typeface="Arial" panose="020B0604020202020204" pitchFamily="34" charset="0"/>
+                        <a:latin typeface="Arial" panose="02080604020202020204" pitchFamily="34" charset="0"/>
+                        <a:cs typeface="Arial" panose="02080604020202020204" pitchFamily="34" charset="0"/>
                       </a:rPr>
                       <a:t>5</a:t>
                     </a:r>
+                    <a:endParaRPr lang="en-US" sz="2400" dirty="0">
+                      <a:latin typeface="Arial" panose="02080604020202020204" pitchFamily="34" charset="0"/>
+                      <a:cs typeface="Arial" panose="02080604020202020204" pitchFamily="34" charset="0"/>
+                    </a:endParaRPr>
                   </a:p>
                 </p:txBody>
               </p:sp>
             </p:grpSp>
             <p:grpSp>
               <p:nvGrpSpPr>
-                <p:cNvPr id="284" name="Group 283">
-                  <a:extLst>
-                    <a:ext uri="{FF2B5EF4-FFF2-40B4-BE49-F238E27FC236}">
-                      <a16:creationId xmlns:a16="http://schemas.microsoft.com/office/drawing/2014/main" id="{6146C66D-547E-8CB1-50E7-8714AC25B67A}"/>
-                    </a:ext>
-                  </a:extLst>
-                </p:cNvPr>
+                <p:cNvPr id="284" name="Group 283"/>
                 <p:cNvGrpSpPr/>
                 <p:nvPr/>
               </p:nvGrpSpPr>
@@ -11622,13 +10635,7 @@
               </p:grpSpPr>
               <p:sp>
                 <p:nvSpPr>
-                  <p:cNvPr id="272" name="Oval 271">
-                    <a:extLst>
-                      <a:ext uri="{FF2B5EF4-FFF2-40B4-BE49-F238E27FC236}">
-                        <a16:creationId xmlns:a16="http://schemas.microsoft.com/office/drawing/2014/main" id="{4FABFBF2-FB58-EFC4-A2CE-10DDE16017B0}"/>
-                      </a:ext>
-                    </a:extLst>
-                  </p:cNvPr>
+                  <p:cNvPr id="272" name="Oval 271"/>
                   <p:cNvSpPr/>
                   <p:nvPr/>
                 </p:nvSpPr>
@@ -11679,13 +10686,7 @@
               </p:sp>
               <p:sp>
                 <p:nvSpPr>
-                  <p:cNvPr id="273" name="TextBox 272">
-                    <a:extLst>
-                      <a:ext uri="{FF2B5EF4-FFF2-40B4-BE49-F238E27FC236}">
-                        <a16:creationId xmlns:a16="http://schemas.microsoft.com/office/drawing/2014/main" id="{D3F6088D-6D9E-703E-BBDE-38FBF643A5CA}"/>
-                      </a:ext>
-                    </a:extLst>
-                  </p:cNvPr>
+                  <p:cNvPr id="273" name="TextBox 272"/>
                   <p:cNvSpPr txBox="1"/>
                   <p:nvPr/>
                 </p:nvSpPr>
@@ -11707,24 +10708,22 @@
                   <a:p>
                     <a:r>
                       <a:rPr lang="en-US" sz="2400" dirty="0">
-                        <a:latin typeface="Arial" panose="020B0604020202020204" pitchFamily="34" charset="0"/>
-                        <a:cs typeface="Arial" panose="020B0604020202020204" pitchFamily="34" charset="0"/>
+                        <a:latin typeface="Arial" panose="02080604020202020204" pitchFamily="34" charset="0"/>
+                        <a:cs typeface="Arial" panose="02080604020202020204" pitchFamily="34" charset="0"/>
                       </a:rPr>
                       <a:t>6</a:t>
                     </a:r>
+                    <a:endParaRPr lang="en-US" sz="2400" dirty="0">
+                      <a:latin typeface="Arial" panose="02080604020202020204" pitchFamily="34" charset="0"/>
+                      <a:cs typeface="Arial" panose="02080604020202020204" pitchFamily="34" charset="0"/>
+                    </a:endParaRPr>
                   </a:p>
                 </p:txBody>
               </p:sp>
             </p:grpSp>
             <p:grpSp>
               <p:nvGrpSpPr>
-                <p:cNvPr id="285" name="Group 284">
-                  <a:extLst>
-                    <a:ext uri="{FF2B5EF4-FFF2-40B4-BE49-F238E27FC236}">
-                      <a16:creationId xmlns:a16="http://schemas.microsoft.com/office/drawing/2014/main" id="{239A9D85-B1AD-C499-C3B9-10F49808E456}"/>
-                    </a:ext>
-                  </a:extLst>
-                </p:cNvPr>
+                <p:cNvPr id="285" name="Group 284"/>
                 <p:cNvGrpSpPr/>
                 <p:nvPr/>
               </p:nvGrpSpPr>
@@ -11738,13 +10737,7 @@
               </p:grpSpPr>
               <p:sp>
                 <p:nvSpPr>
-                  <p:cNvPr id="274" name="Oval 273">
-                    <a:extLst>
-                      <a:ext uri="{FF2B5EF4-FFF2-40B4-BE49-F238E27FC236}">
-                        <a16:creationId xmlns:a16="http://schemas.microsoft.com/office/drawing/2014/main" id="{79ED55B0-B632-4CBE-1A18-139C0C4A83FD}"/>
-                      </a:ext>
-                    </a:extLst>
-                  </p:cNvPr>
+                  <p:cNvPr id="274" name="Oval 273"/>
                   <p:cNvSpPr/>
                   <p:nvPr/>
                 </p:nvSpPr>
@@ -11795,13 +10788,7 @@
               </p:sp>
               <p:sp>
                 <p:nvSpPr>
-                  <p:cNvPr id="275" name="TextBox 274">
-                    <a:extLst>
-                      <a:ext uri="{FF2B5EF4-FFF2-40B4-BE49-F238E27FC236}">
-                        <a16:creationId xmlns:a16="http://schemas.microsoft.com/office/drawing/2014/main" id="{5EF3CC85-A659-58C1-FB7D-077EBBA33F72}"/>
-                      </a:ext>
-                    </a:extLst>
-                  </p:cNvPr>
+                  <p:cNvPr id="275" name="TextBox 274"/>
                   <p:cNvSpPr txBox="1"/>
                   <p:nvPr/>
                 </p:nvSpPr>
@@ -11823,24 +10810,22 @@
                   <a:p>
                     <a:r>
                       <a:rPr lang="en-US" sz="2400" dirty="0">
-                        <a:latin typeface="Arial" panose="020B0604020202020204" pitchFamily="34" charset="0"/>
-                        <a:cs typeface="Arial" panose="020B0604020202020204" pitchFamily="34" charset="0"/>
+                        <a:latin typeface="Arial" panose="02080604020202020204" pitchFamily="34" charset="0"/>
+                        <a:cs typeface="Arial" panose="02080604020202020204" pitchFamily="34" charset="0"/>
                       </a:rPr>
                       <a:t>7</a:t>
                     </a:r>
+                    <a:endParaRPr lang="en-US" sz="2400" dirty="0">
+                      <a:latin typeface="Arial" panose="02080604020202020204" pitchFamily="34" charset="0"/>
+                      <a:cs typeface="Arial" panose="02080604020202020204" pitchFamily="34" charset="0"/>
+                    </a:endParaRPr>
                   </a:p>
                 </p:txBody>
               </p:sp>
             </p:grpSp>
             <p:grpSp>
               <p:nvGrpSpPr>
-                <p:cNvPr id="280" name="Group 279">
-                  <a:extLst>
-                    <a:ext uri="{FF2B5EF4-FFF2-40B4-BE49-F238E27FC236}">
-                      <a16:creationId xmlns:a16="http://schemas.microsoft.com/office/drawing/2014/main" id="{95E7308A-357E-BF75-86F9-A2000595C32B}"/>
-                    </a:ext>
-                  </a:extLst>
-                </p:cNvPr>
+                <p:cNvPr id="280" name="Group 279"/>
                 <p:cNvGrpSpPr/>
                 <p:nvPr/>
               </p:nvGrpSpPr>
@@ -11854,13 +10839,7 @@
               </p:grpSpPr>
               <p:sp>
                 <p:nvSpPr>
-                  <p:cNvPr id="276" name="Oval 275">
-                    <a:extLst>
-                      <a:ext uri="{FF2B5EF4-FFF2-40B4-BE49-F238E27FC236}">
-                        <a16:creationId xmlns:a16="http://schemas.microsoft.com/office/drawing/2014/main" id="{BD0B53E5-703E-59BC-4F9C-7B7E25B7D04B}"/>
-                      </a:ext>
-                    </a:extLst>
-                  </p:cNvPr>
+                  <p:cNvPr id="276" name="Oval 275"/>
                   <p:cNvSpPr/>
                   <p:nvPr/>
                 </p:nvSpPr>
@@ -11911,13 +10890,7 @@
               </p:sp>
               <p:sp>
                 <p:nvSpPr>
-                  <p:cNvPr id="277" name="TextBox 276">
-                    <a:extLst>
-                      <a:ext uri="{FF2B5EF4-FFF2-40B4-BE49-F238E27FC236}">
-                        <a16:creationId xmlns:a16="http://schemas.microsoft.com/office/drawing/2014/main" id="{B47DDEF9-2773-90E3-0A58-E194E7BE93C5}"/>
-                      </a:ext>
-                    </a:extLst>
-                  </p:cNvPr>
+                  <p:cNvPr id="277" name="TextBox 276"/>
                   <p:cNvSpPr txBox="1"/>
                   <p:nvPr/>
                 </p:nvSpPr>
@@ -11939,11 +10912,15 @@
                   <a:p>
                     <a:r>
                       <a:rPr lang="en-US" sz="2400" dirty="0">
-                        <a:latin typeface="Arial" panose="020B0604020202020204" pitchFamily="34" charset="0"/>
-                        <a:cs typeface="Arial" panose="020B0604020202020204" pitchFamily="34" charset="0"/>
+                        <a:latin typeface="Arial" panose="02080604020202020204" pitchFamily="34" charset="0"/>
+                        <a:cs typeface="Arial" panose="02080604020202020204" pitchFamily="34" charset="0"/>
                       </a:rPr>
                       <a:t>8</a:t>
                     </a:r>
+                    <a:endParaRPr lang="en-US" sz="2400" dirty="0">
+                      <a:latin typeface="Arial" panose="02080604020202020204" pitchFamily="34" charset="0"/>
+                      <a:cs typeface="Arial" panose="02080604020202020204" pitchFamily="34" charset="0"/>
+                    </a:endParaRPr>
                   </a:p>
                 </p:txBody>
               </p:sp>
@@ -11951,13 +10928,7 @@
           </p:grpSp>
           <p:sp>
             <p:nvSpPr>
-              <p:cNvPr id="292" name="TextBox 291">
-                <a:extLst>
-                  <a:ext uri="{FF2B5EF4-FFF2-40B4-BE49-F238E27FC236}">
-                    <a16:creationId xmlns:a16="http://schemas.microsoft.com/office/drawing/2014/main" id="{150A8B7B-8391-2B7E-1250-5A0199986BFA}"/>
-                  </a:ext>
-                </a:extLst>
-              </p:cNvPr>
+              <p:cNvPr id="292" name="TextBox 291"/>
               <p:cNvSpPr txBox="1"/>
               <p:nvPr/>
             </p:nvSpPr>
@@ -11979,24 +10950,22 @@
               <a:p>
                 <a:r>
                   <a:rPr lang="en-US" sz="2400" dirty="0">
-                    <a:latin typeface="Arial" panose="020B0604020202020204" pitchFamily="34" charset="0"/>
-                    <a:cs typeface="Arial" panose="020B0604020202020204" pitchFamily="34" charset="0"/>
+                    <a:latin typeface="Arial" panose="02080604020202020204" pitchFamily="34" charset="0"/>
+                    <a:cs typeface="Arial" panose="02080604020202020204" pitchFamily="34" charset="0"/>
                   </a:rPr>
                   <a:t>User</a:t>
                 </a:r>
+                <a:endParaRPr lang="en-US" sz="2400" dirty="0">
+                  <a:latin typeface="Arial" panose="02080604020202020204" pitchFamily="34" charset="0"/>
+                  <a:cs typeface="Arial" panose="02080604020202020204" pitchFamily="34" charset="0"/>
+                </a:endParaRPr>
               </a:p>
             </p:txBody>
           </p:sp>
         </p:grpSp>
         <p:sp>
           <p:nvSpPr>
-            <p:cNvPr id="296" name="TextBox 295">
-              <a:extLst>
-                <a:ext uri="{FF2B5EF4-FFF2-40B4-BE49-F238E27FC236}">
-                  <a16:creationId xmlns:a16="http://schemas.microsoft.com/office/drawing/2014/main" id="{ED48E6B2-3E4D-5575-23E3-70C204E4ED38}"/>
-                </a:ext>
-              </a:extLst>
-            </p:cNvPr>
+            <p:cNvPr id="296" name="TextBox 295"/>
             <p:cNvSpPr txBox="1"/>
             <p:nvPr/>
           </p:nvSpPr>
@@ -12018,25 +10987,22 @@
             <a:p>
               <a:r>
                 <a:rPr lang="en-US" sz="2400" dirty="0">
-                  <a:latin typeface="Arial" panose="020B0604020202020204" pitchFamily="34" charset="0"/>
-                  <a:cs typeface="Arial" panose="020B0604020202020204" pitchFamily="34" charset="0"/>
+                  <a:latin typeface="Arial" panose="02080604020202020204" pitchFamily="34" charset="0"/>
+                  <a:cs typeface="Arial" panose="02080604020202020204" pitchFamily="34" charset="0"/>
                 </a:rPr>
                 <a:t>Absorber</a:t>
               </a:r>
+              <a:endParaRPr lang="en-US" sz="2400" dirty="0">
+                <a:latin typeface="Arial" panose="02080604020202020204" pitchFamily="34" charset="0"/>
+                <a:cs typeface="Arial" panose="02080604020202020204" pitchFamily="34" charset="0"/>
+              </a:endParaRPr>
             </a:p>
           </p:txBody>
         </p:sp>
         <p:cxnSp>
           <p:nvCxnSpPr>
-            <p:cNvPr id="297" name="Straight Arrow Connector 296">
-              <a:extLst>
-                <a:ext uri="{FF2B5EF4-FFF2-40B4-BE49-F238E27FC236}">
-                  <a16:creationId xmlns:a16="http://schemas.microsoft.com/office/drawing/2014/main" id="{D734ED51-A1E5-CFEE-790F-A5CD6D894168}"/>
-                </a:ext>
-              </a:extLst>
-            </p:cNvPr>
+            <p:cNvPr id="297" name="Straight Arrow Connector 296"/>
             <p:cNvCxnSpPr>
-              <a:cxnSpLocks/>
               <a:stCxn id="296" idx="0"/>
             </p:cNvCxnSpPr>
             <p:nvPr/>
@@ -12075,11 +11041,6 @@
         </p:cxnSp>
       </p:grpSp>
     </p:spTree>
-    <p:extLst>
-      <p:ext uri="{BB962C8B-B14F-4D97-AF65-F5344CB8AC3E}">
-        <p14:creationId xmlns:p14="http://schemas.microsoft.com/office/powerpoint/2010/main" val="2259575113"/>
-      </p:ext>
-    </p:extLst>
   </p:cSld>
   <p:clrMapOvr>
     <a:masterClrMapping/>
@@ -12106,13 +11067,7 @@
       </p:grpSpPr>
       <p:sp>
         <p:nvSpPr>
-          <p:cNvPr id="147" name="Partial Circle 146">
-            <a:extLst>
-              <a:ext uri="{FF2B5EF4-FFF2-40B4-BE49-F238E27FC236}">
-                <a16:creationId xmlns:a16="http://schemas.microsoft.com/office/drawing/2014/main" id="{B2C68469-6E5F-9907-78C3-8A8A23965E1F}"/>
-              </a:ext>
-            </a:extLst>
-          </p:cNvPr>
+          <p:cNvPr id="147" name="Partial Circle 146"/>
           <p:cNvSpPr/>
           <p:nvPr/>
         </p:nvSpPr>
@@ -12159,20 +11114,14 @@
       </p:sp>
       <p:pic>
         <p:nvPicPr>
-          <p:cNvPr id="5" name="Picture 4" descr="A white background with many colored dots&#10;&#10;Description automatically generated">
-            <a:extLst>
-              <a:ext uri="{FF2B5EF4-FFF2-40B4-BE49-F238E27FC236}">
-                <a16:creationId xmlns:a16="http://schemas.microsoft.com/office/drawing/2014/main" id="{634647C4-62F1-B512-70D9-18AE873DC781}"/>
-              </a:ext>
-            </a:extLst>
-          </p:cNvPr>
+          <p:cNvPr id="5" name="Picture 4" descr="A white background with many colored dots&#10;&#10;Description automatically generated"/>
           <p:cNvPicPr>
             <a:picLocks noChangeAspect="1"/>
           </p:cNvPicPr>
           <p:nvPr/>
         </p:nvPicPr>
         <p:blipFill>
-          <a:blip r:embed="rId2">
+          <a:blip r:embed="rId1">
             <a:alphaModFix amt="50000"/>
             <a:extLst>
               <a:ext uri="{28A0092B-C50C-407E-A947-70E740481C1C}">
@@ -12194,12 +11143,84 @@
           </a:prstGeom>
         </p:spPr>
       </p:pic>
+      <p:pic>
+        <p:nvPicPr>
+          <p:cNvPr id="2" name="Picture 1" descr="rss"/>
+          <p:cNvPicPr>
+            <a:picLocks noChangeAspect="1"/>
+          </p:cNvPicPr>
+          <p:nvPr/>
+        </p:nvPicPr>
+        <p:blipFill>
+          <a:blip r:embed="rId2"/>
+          <a:stretch>
+            <a:fillRect/>
+          </a:stretch>
+        </p:blipFill>
+        <p:spPr>
+          <a:xfrm>
+            <a:off x="671195" y="0"/>
+            <a:ext cx="4057015" cy="3950335"/>
+          </a:xfrm>
+          <a:prstGeom prst="rect">
+            <a:avLst/>
+          </a:prstGeom>
+        </p:spPr>
+      </p:pic>
+      <p:pic>
+        <p:nvPicPr>
+          <p:cNvPr id="3" name="Picture 2" descr="rss_abs"/>
+          <p:cNvPicPr>
+            <a:picLocks noChangeAspect="1"/>
+          </p:cNvPicPr>
+          <p:nvPr/>
+        </p:nvPicPr>
+        <p:blipFill>
+          <a:blip r:embed="rId3"/>
+          <a:stretch>
+            <a:fillRect/>
+          </a:stretch>
+        </p:blipFill>
+        <p:spPr>
+          <a:xfrm>
+            <a:off x="652780" y="4039870"/>
+            <a:ext cx="4075430" cy="3923030"/>
+          </a:xfrm>
+          <a:prstGeom prst="rect">
+            <a:avLst/>
+          </a:prstGeom>
+        </p:spPr>
+      </p:pic>
+      <p:sp>
+        <p:nvSpPr>
+          <p:cNvPr id="4" name="Text Box 3"/>
+          <p:cNvSpPr txBox="1"/>
+          <p:nvPr/>
+        </p:nvSpPr>
+        <p:spPr>
+          <a:xfrm>
+            <a:off x="266700" y="-66675"/>
+            <a:ext cx="501015" cy="368300"/>
+          </a:xfrm>
+          <a:prstGeom prst="rect">
+            <a:avLst/>
+          </a:prstGeom>
+          <a:noFill/>
+        </p:spPr>
+        <p:txBody>
+          <a:bodyPr wrap="none" rtlCol="0">
+            <a:spAutoFit/>
+          </a:bodyPr>
+          <a:p>
+            <a:r>
+              <a:rPr lang="en-US"/>
+              <a:t>(a)</a:t>
+            </a:r>
+            <a:endParaRPr lang="en-US"/>
+          </a:p>
+        </p:txBody>
+      </p:sp>
     </p:spTree>
-    <p:extLst>
-      <p:ext uri="{BB962C8B-B14F-4D97-AF65-F5344CB8AC3E}">
-        <p14:creationId xmlns:p14="http://schemas.microsoft.com/office/powerpoint/2010/main" val="657215862"/>
-      </p:ext>
-    </p:extLst>
   </p:cSld>
   <p:clrMapOvr>
     <a:masterClrMapping/>
@@ -12250,7 +11271,7 @@
     </a:clrScheme>
     <a:fontScheme name="Office Theme">
       <a:majorFont>
-        <a:latin typeface="Calibri Light" panose="020F0302020204030204"/>
+        <a:latin typeface="Calibri Light"/>
         <a:ea typeface=""/>
         <a:cs typeface=""/>
         <a:font script="Jpan" typeface="游ゴシック Light"/>
@@ -12285,7 +11306,7 @@
         <a:font script="Geor" typeface="Sylfaen"/>
       </a:majorFont>
       <a:minorFont>
-        <a:latin typeface="Calibri" panose="020F0502020204030204"/>
+        <a:latin typeface="Calibri"/>
         <a:ea typeface=""/>
         <a:cs typeface=""/>
         <a:font script="Jpan" typeface="游ゴシック"/>
@@ -12458,11 +11479,9 @@
       </a:bgFillStyleLst>
     </a:fmtScheme>
   </a:themeElements>
-  <a:objectDefaults/>
-  <a:extraClrSchemeLst/>
   <a:extLst>
     <a:ext uri="{05A4C25C-085E-4340-85A3-A5531E510DB2}">
-      <thm15:themeFamily xmlns:thm15="http://schemas.microsoft.com/office/thememl/2012/main" name="Office Theme 2013 - 2022" id="{62F939B6-93AF-4DB8-9C6B-D6C7DFDC589F}" vid="{4A3C46E8-61CC-4603-A589-7422A47A8E4A}"/>
+      <thm15:themeFamily xmlns:thm15="http://schemas.microsoft.com/office/thememl/2012/main" name="Office Theme" id="{62F939B6-93AF-4DB8-9C6B-D6C7DFDC589F}" vid="{4A3C46E8-61CC-4603-A589-7422A47A8E4A}"/>
     </a:ext>
   </a:extLst>
 </a:theme>
@@ -12511,7 +11530,7 @@
     </a:clrScheme>
     <a:fontScheme name="Office">
       <a:majorFont>
-        <a:latin typeface="Calibri Light" panose="020F0302020204030204"/>
+        <a:latin typeface="Calibri Light"/>
         <a:ea typeface=""/>
         <a:cs typeface=""/>
         <a:font script="Jpan" typeface="游ゴシック Light"/>
@@ -12544,26 +11563,9 @@
         <a:font script="Viet" typeface="Times New Roman"/>
         <a:font script="Uigh" typeface="Microsoft Uighur"/>
         <a:font script="Geor" typeface="Sylfaen"/>
-        <a:font script="Armn" typeface="Arial"/>
-        <a:font script="Bugi" typeface="Leelawadee UI"/>
-        <a:font script="Bopo" typeface="Microsoft JhengHei"/>
-        <a:font script="Java" typeface="Javanese Text"/>
-        <a:font script="Lisu" typeface="Segoe UI"/>
-        <a:font script="Mymr" typeface="Myanmar Text"/>
-        <a:font script="Nkoo" typeface="Ebrima"/>
-        <a:font script="Olck" typeface="Nirmala UI"/>
-        <a:font script="Osma" typeface="Ebrima"/>
-        <a:font script="Phag" typeface="Phagspa"/>
-        <a:font script="Syrn" typeface="Estrangelo Edessa"/>
-        <a:font script="Syrj" typeface="Estrangelo Edessa"/>
-        <a:font script="Syre" typeface="Estrangelo Edessa"/>
-        <a:font script="Sora" typeface="Nirmala UI"/>
-        <a:font script="Tale" typeface="Microsoft Tai Le"/>
-        <a:font script="Talu" typeface="Microsoft New Tai Lue"/>
-        <a:font script="Tfng" typeface="Ebrima"/>
       </a:majorFont>
       <a:minorFont>
-        <a:latin typeface="Calibri" panose="020F0502020204030204"/>
+        <a:latin typeface="Calibri"/>
         <a:ea typeface=""/>
         <a:cs typeface=""/>
         <a:font script="Jpan" typeface="游ゴシック"/>
@@ -12596,23 +11598,6 @@
         <a:font script="Viet" typeface="Arial"/>
         <a:font script="Uigh" typeface="Microsoft Uighur"/>
         <a:font script="Geor" typeface="Sylfaen"/>
-        <a:font script="Armn" typeface="Arial"/>
-        <a:font script="Bugi" typeface="Leelawadee UI"/>
-        <a:font script="Bopo" typeface="Microsoft JhengHei"/>
-        <a:font script="Java" typeface="Javanese Text"/>
-        <a:font script="Lisu" typeface="Segoe UI"/>
-        <a:font script="Mymr" typeface="Myanmar Text"/>
-        <a:font script="Nkoo" typeface="Ebrima"/>
-        <a:font script="Olck" typeface="Nirmala UI"/>
-        <a:font script="Osma" typeface="Ebrima"/>
-        <a:font script="Phag" typeface="Phagspa"/>
-        <a:font script="Syrn" typeface="Estrangelo Edessa"/>
-        <a:font script="Syrj" typeface="Estrangelo Edessa"/>
-        <a:font script="Syre" typeface="Estrangelo Edessa"/>
-        <a:font script="Sora" typeface="Nirmala UI"/>
-        <a:font script="Tale" typeface="Microsoft Tai Le"/>
-        <a:font script="Talu" typeface="Microsoft New Tai Lue"/>
-        <a:font script="Tfng" typeface="Ebrima"/>
       </a:minorFont>
     </a:fontScheme>
     <a:fmtScheme name="Office">
@@ -12753,8 +11738,6 @@
       </a:bgFillStyleLst>
     </a:fmtScheme>
   </a:themeElements>
-  <a:objectDefaults/>
-  <a:extraClrSchemeLst/>
   <a:extLst>
     <a:ext uri="{05A4C25C-085E-4340-85A3-A5531E510DB2}">
       <thm15:themeFamily xmlns:thm15="http://schemas.microsoft.com/office/thememl/2012/main" name="Office Theme" id="{62F939B6-93AF-4DB8-9C6B-D6C7DFDC589F}" vid="{4A3C46E8-61CC-4603-A589-7422A47A8E4A}"/>
